--- a/doxchaoscrum/doxhgaoscrum.pptx
+++ b/doxchaoscrum/doxhgaoscrum.pptx
@@ -16,14 +16,15 @@
     <p:sldId id="264" r:id="rId10"/>
     <p:sldId id="265" r:id="rId11"/>
     <p:sldId id="266" r:id="rId12"/>
-    <p:sldId id="267" r:id="rId13"/>
-    <p:sldId id="268" r:id="rId14"/>
-    <p:sldId id="269" r:id="rId15"/>
-    <p:sldId id="270" r:id="rId16"/>
-    <p:sldId id="271" r:id="rId17"/>
-    <p:sldId id="274" r:id="rId18"/>
-    <p:sldId id="272" r:id="rId19"/>
+    <p:sldId id="276" r:id="rId13"/>
+    <p:sldId id="267" r:id="rId14"/>
+    <p:sldId id="268" r:id="rId15"/>
+    <p:sldId id="269" r:id="rId16"/>
+    <p:sldId id="270" r:id="rId17"/>
+    <p:sldId id="272" r:id="rId18"/>
+    <p:sldId id="275" r:id="rId19"/>
     <p:sldId id="273" r:id="rId20"/>
+    <p:sldId id="274" r:id="rId21"/>
   </p:sldIdLst>
   <p:sldSz cx="12192000" cy="6858000"/>
   <p:notesSz cx="6858000" cy="9144000"/>
@@ -307,7 +308,7 @@
           <a:p>
             <a:fld id="{2696783B-AB12-4F0C-B73F-6C8B2291E8AE}" type="datetimeFigureOut">
               <a:rPr lang="pt-BR" smtClean="0"/>
-              <a:t>16/10/2019</a:t>
+              <a:t>19/10/2019</a:t>
             </a:fld>
             <a:endParaRPr lang="pt-BR"/>
           </a:p>
@@ -505,7 +506,7 @@
           <a:p>
             <a:fld id="{2696783B-AB12-4F0C-B73F-6C8B2291E8AE}" type="datetimeFigureOut">
               <a:rPr lang="pt-BR" smtClean="0"/>
-              <a:t>16/10/2019</a:t>
+              <a:t>19/10/2019</a:t>
             </a:fld>
             <a:endParaRPr lang="pt-BR"/>
           </a:p>
@@ -713,7 +714,7 @@
           <a:p>
             <a:fld id="{2696783B-AB12-4F0C-B73F-6C8B2291E8AE}" type="datetimeFigureOut">
               <a:rPr lang="pt-BR" smtClean="0"/>
-              <a:t>16/10/2019</a:t>
+              <a:t>19/10/2019</a:t>
             </a:fld>
             <a:endParaRPr lang="pt-BR"/>
           </a:p>
@@ -854,7 +855,7 @@
           <a:p>
             <a:fld id="{2696783B-AB12-4F0C-B73F-6C8B2291E8AE}" type="datetimeFigureOut">
               <a:rPr lang="pt-BR" smtClean="0"/>
-              <a:t>16/10/2019</a:t>
+              <a:t>19/10/2019</a:t>
             </a:fld>
             <a:endParaRPr lang="pt-BR"/>
           </a:p>
@@ -1052,7 +1053,7 @@
           <a:p>
             <a:fld id="{2696783B-AB12-4F0C-B73F-6C8B2291E8AE}" type="datetimeFigureOut">
               <a:rPr lang="pt-BR" smtClean="0"/>
-              <a:t>16/10/2019</a:t>
+              <a:t>19/10/2019</a:t>
             </a:fld>
             <a:endParaRPr lang="pt-BR"/>
           </a:p>
@@ -1327,7 +1328,7 @@
           <a:p>
             <a:fld id="{2696783B-AB12-4F0C-B73F-6C8B2291E8AE}" type="datetimeFigureOut">
               <a:rPr lang="pt-BR" smtClean="0"/>
-              <a:t>16/10/2019</a:t>
+              <a:t>19/10/2019</a:t>
             </a:fld>
             <a:endParaRPr lang="pt-BR"/>
           </a:p>
@@ -1592,7 +1593,7 @@
           <a:p>
             <a:fld id="{2696783B-AB12-4F0C-B73F-6C8B2291E8AE}" type="datetimeFigureOut">
               <a:rPr lang="pt-BR" smtClean="0"/>
-              <a:t>16/10/2019</a:t>
+              <a:t>19/10/2019</a:t>
             </a:fld>
             <a:endParaRPr lang="pt-BR"/>
           </a:p>
@@ -2004,7 +2005,7 @@
           <a:p>
             <a:fld id="{2696783B-AB12-4F0C-B73F-6C8B2291E8AE}" type="datetimeFigureOut">
               <a:rPr lang="pt-BR" smtClean="0"/>
-              <a:t>16/10/2019</a:t>
+              <a:t>19/10/2019</a:t>
             </a:fld>
             <a:endParaRPr lang="pt-BR"/>
           </a:p>
@@ -2145,7 +2146,7 @@
           <a:p>
             <a:fld id="{2696783B-AB12-4F0C-B73F-6C8B2291E8AE}" type="datetimeFigureOut">
               <a:rPr lang="pt-BR" smtClean="0"/>
-              <a:t>16/10/2019</a:t>
+              <a:t>19/10/2019</a:t>
             </a:fld>
             <a:endParaRPr lang="pt-BR"/>
           </a:p>
@@ -2258,7 +2259,7 @@
           <a:p>
             <a:fld id="{2696783B-AB12-4F0C-B73F-6C8B2291E8AE}" type="datetimeFigureOut">
               <a:rPr lang="pt-BR" smtClean="0"/>
-              <a:t>16/10/2019</a:t>
+              <a:t>19/10/2019</a:t>
             </a:fld>
             <a:endParaRPr lang="pt-BR"/>
           </a:p>
@@ -2569,7 +2570,7 @@
           <a:p>
             <a:fld id="{2696783B-AB12-4F0C-B73F-6C8B2291E8AE}" type="datetimeFigureOut">
               <a:rPr lang="pt-BR" smtClean="0"/>
-              <a:t>16/10/2019</a:t>
+              <a:t>19/10/2019</a:t>
             </a:fld>
             <a:endParaRPr lang="pt-BR"/>
           </a:p>
@@ -2857,7 +2858,7 @@
           <a:p>
             <a:fld id="{2696783B-AB12-4F0C-B73F-6C8B2291E8AE}" type="datetimeFigureOut">
               <a:rPr lang="pt-BR" smtClean="0"/>
-              <a:t>16/10/2019</a:t>
+              <a:t>19/10/2019</a:t>
             </a:fld>
             <a:endParaRPr lang="pt-BR"/>
           </a:p>
@@ -3123,7 +3124,7 @@
           <a:p>
             <a:fld id="{2696783B-AB12-4F0C-B73F-6C8B2291E8AE}" type="datetimeFigureOut">
               <a:rPr lang="pt-BR" smtClean="0"/>
-              <a:t>16/10/2019</a:t>
+              <a:t>19/10/2019</a:t>
             </a:fld>
             <a:endParaRPr lang="pt-BR"/>
           </a:p>
@@ -3752,12 +3753,7 @@
             <p:ph type="title"/>
           </p:nvPr>
         </p:nvSpPr>
-        <p:spPr>
-          <a:xfrm>
-            <a:off x="957469" y="113333"/>
-            <a:ext cx="10515600" cy="1325563"/>
-          </a:xfrm>
-        </p:spPr>
+        <p:spPr/>
         <p:txBody>
           <a:bodyPr/>
           <a:lstStyle/>
@@ -3766,6 +3762,186 @@
               <a:rPr lang="pt-BR" b="1" dirty="0"/>
               <a:t>Agilidade não é pressa!</a:t>
             </a:r>
+          </a:p>
+        </p:txBody>
+      </p:sp>
+      <p:sp>
+        <p:nvSpPr>
+          <p:cNvPr id="7" name="Retângulo 6">
+            <a:extLst>
+              <a:ext uri="{FF2B5EF4-FFF2-40B4-BE49-F238E27FC236}">
+                <a16:creationId xmlns:a16="http://schemas.microsoft.com/office/drawing/2014/main" id="{A61DCD13-0C9D-4B1C-87B9-B3D1AE8E2B8E}"/>
+              </a:ext>
+            </a:extLst>
+          </p:cNvPr>
+          <p:cNvSpPr/>
+          <p:nvPr/>
+        </p:nvSpPr>
+        <p:spPr>
+          <a:xfrm>
+            <a:off x="291548" y="1690688"/>
+            <a:ext cx="11781181" cy="4893647"/>
+          </a:xfrm>
+          <a:prstGeom prst="rect">
+            <a:avLst/>
+          </a:prstGeom>
+        </p:spPr>
+        <p:txBody>
+          <a:bodyPr wrap="square">
+            <a:spAutoFit/>
+          </a:bodyPr>
+          <a:lstStyle/>
+          <a:p>
+            <a:pPr algn="just"/>
+            <a:r>
+              <a:rPr lang="pt-BR" sz="2400" dirty="0">
+                <a:solidFill>
+                  <a:srgbClr val="222222"/>
+                </a:solidFill>
+                <a:latin typeface="Lucida Grande"/>
+              </a:rPr>
+              <a:t>Estamos descobrindo maneiras melhores de desenvolver software, fazendo-o nós mesmos e ajudando outros a fazerem o mesmo. Através deste trabalho, passamos a valorizar:</a:t>
+            </a:r>
+          </a:p>
+          <a:p>
+            <a:pPr algn="just"/>
+            <a:endParaRPr lang="pt-BR" sz="2400" dirty="0">
+              <a:solidFill>
+                <a:srgbClr val="222222"/>
+              </a:solidFill>
+              <a:latin typeface="Lucida Grande"/>
+            </a:endParaRPr>
+          </a:p>
+          <a:p>
+            <a:pPr>
+              <a:buFont typeface="+mj-lt"/>
+              <a:buAutoNum type="arabicPeriod"/>
+            </a:pPr>
+            <a:r>
+              <a:rPr lang="pt-BR" sz="2400" b="1" dirty="0">
+                <a:solidFill>
+                  <a:srgbClr val="222222"/>
+                </a:solidFill>
+                <a:latin typeface="Lucida Grande"/>
+              </a:rPr>
+              <a:t>Indivíduos e interações</a:t>
+            </a:r>
+            <a:r>
+              <a:rPr lang="pt-BR" sz="2400" dirty="0">
+                <a:solidFill>
+                  <a:srgbClr val="222222"/>
+                </a:solidFill>
+                <a:latin typeface="Lucida Grande"/>
+              </a:rPr>
+              <a:t> mais que processos e ferramentas</a:t>
+            </a:r>
+          </a:p>
+          <a:p>
+            <a:pPr>
+              <a:buFont typeface="+mj-lt"/>
+              <a:buAutoNum type="arabicPeriod"/>
+            </a:pPr>
+            <a:r>
+              <a:rPr lang="pt-BR" sz="2400" b="1" dirty="0">
+                <a:solidFill>
+                  <a:srgbClr val="222222"/>
+                </a:solidFill>
+                <a:latin typeface="Lucida Grande"/>
+              </a:rPr>
+              <a:t>Software em funcionamento</a:t>
+            </a:r>
+            <a:r>
+              <a:rPr lang="pt-BR" sz="2400" dirty="0">
+                <a:solidFill>
+                  <a:srgbClr val="222222"/>
+                </a:solidFill>
+                <a:latin typeface="Lucida Grande"/>
+              </a:rPr>
+              <a:t> mais que documentação abrangente</a:t>
+            </a:r>
+          </a:p>
+          <a:p>
+            <a:pPr>
+              <a:buFont typeface="+mj-lt"/>
+              <a:buAutoNum type="arabicPeriod"/>
+            </a:pPr>
+            <a:r>
+              <a:rPr lang="pt-BR" sz="2400" b="1" dirty="0">
+                <a:solidFill>
+                  <a:srgbClr val="222222"/>
+                </a:solidFill>
+                <a:latin typeface="Lucida Grande"/>
+              </a:rPr>
+              <a:t>Colaboração com o cliente</a:t>
+            </a:r>
+            <a:r>
+              <a:rPr lang="pt-BR" sz="2400" dirty="0">
+                <a:solidFill>
+                  <a:srgbClr val="222222"/>
+                </a:solidFill>
+                <a:latin typeface="Lucida Grande"/>
+              </a:rPr>
+              <a:t> mais que negociação de contratos</a:t>
+            </a:r>
+          </a:p>
+          <a:p>
+            <a:pPr>
+              <a:buFont typeface="+mj-lt"/>
+              <a:buAutoNum type="arabicPeriod"/>
+            </a:pPr>
+            <a:r>
+              <a:rPr lang="pt-BR" sz="2400" b="1" dirty="0">
+                <a:solidFill>
+                  <a:srgbClr val="222222"/>
+                </a:solidFill>
+                <a:latin typeface="Lucida Grande"/>
+              </a:rPr>
+              <a:t>Responder a mudanças</a:t>
+            </a:r>
+            <a:r>
+              <a:rPr lang="pt-BR" sz="2400" dirty="0">
+                <a:solidFill>
+                  <a:srgbClr val="222222"/>
+                </a:solidFill>
+                <a:latin typeface="Lucida Grande"/>
+              </a:rPr>
+              <a:t> mais que seguir um plano</a:t>
+            </a:r>
+          </a:p>
+          <a:p>
+            <a:pPr algn="ctr">
+              <a:buFont typeface="+mj-lt"/>
+              <a:buAutoNum type="arabicPeriod"/>
+            </a:pPr>
+            <a:endParaRPr lang="pt-BR" sz="2400" dirty="0">
+              <a:solidFill>
+                <a:srgbClr val="222222"/>
+              </a:solidFill>
+              <a:latin typeface="Lucida Grande"/>
+            </a:endParaRPr>
+          </a:p>
+          <a:p>
+            <a:pPr algn="just"/>
+            <a:r>
+              <a:rPr lang="pt-BR" sz="2400" dirty="0">
+                <a:solidFill>
+                  <a:srgbClr val="222222"/>
+                </a:solidFill>
+                <a:latin typeface="Lucida Grande"/>
+              </a:rPr>
+              <a:t>Ou seja, mesmo havendo valor nos itens à direita, valorizamos mais os itens à esquerda.</a:t>
+            </a:r>
+          </a:p>
+          <a:p>
+            <a:br>
+              <a:rPr lang="pt-BR" sz="2400" dirty="0">
+                <a:solidFill>
+                  <a:srgbClr val="222222"/>
+                </a:solidFill>
+                <a:latin typeface="Lucida Grande"/>
+              </a:rPr>
+            </a:br>
+            <a:endParaRPr lang="pt-BR" sz="2400" dirty="0"/>
           </a:p>
         </p:txBody>
       </p:sp>
@@ -3779,6 +3955,133 @@
   <p:clrMapOvr>
     <a:masterClrMapping/>
   </p:clrMapOvr>
+  <p:transition spd="slow">
+    <p:wipe/>
+  </p:transition>
+  <p:timing>
+    <p:tnLst>
+      <p:par>
+        <p:cTn id="1" dur="indefinite" restart="never" nodeType="tmRoot">
+          <p:childTnLst>
+            <p:seq concurrent="1" nextAc="seek">
+              <p:cTn id="2" dur="indefinite" nodeType="mainSeq">
+                <p:childTnLst>
+                  <p:par>
+                    <p:cTn id="3" fill="hold">
+                      <p:stCondLst>
+                        <p:cond delay="indefinite"/>
+                      </p:stCondLst>
+                      <p:childTnLst>
+                        <p:par>
+                          <p:cTn id="4" fill="hold">
+                            <p:stCondLst>
+                              <p:cond delay="0"/>
+                            </p:stCondLst>
+                            <p:childTnLst>
+                              <p:par>
+                                <p:cTn id="5" presetID="2" presetClass="entr" presetSubtype="4" fill="hold" grpId="0" nodeType="clickEffect">
+                                  <p:stCondLst>
+                                    <p:cond delay="0"/>
+                                  </p:stCondLst>
+                                  <p:childTnLst>
+                                    <p:set>
+                                      <p:cBhvr>
+                                        <p:cTn id="6" dur="1" fill="hold">
+                                          <p:stCondLst>
+                                            <p:cond delay="0"/>
+                                          </p:stCondLst>
+                                        </p:cTn>
+                                        <p:tgtEl>
+                                          <p:spTgt spid="7"/>
+                                        </p:tgtEl>
+                                        <p:attrNameLst>
+                                          <p:attrName>style.visibility</p:attrName>
+                                        </p:attrNameLst>
+                                      </p:cBhvr>
+                                      <p:to>
+                                        <p:strVal val="visible"/>
+                                      </p:to>
+                                    </p:set>
+                                    <p:anim calcmode="lin" valueType="num">
+                                      <p:cBhvr additive="base">
+                                        <p:cTn id="7" dur="500" fill="hold"/>
+                                        <p:tgtEl>
+                                          <p:spTgt spid="7"/>
+                                        </p:tgtEl>
+                                        <p:attrNameLst>
+                                          <p:attrName>ppt_x</p:attrName>
+                                        </p:attrNameLst>
+                                      </p:cBhvr>
+                                      <p:tavLst>
+                                        <p:tav tm="0">
+                                          <p:val>
+                                            <p:strVal val="#ppt_x"/>
+                                          </p:val>
+                                        </p:tav>
+                                        <p:tav tm="100000">
+                                          <p:val>
+                                            <p:strVal val="#ppt_x"/>
+                                          </p:val>
+                                        </p:tav>
+                                      </p:tavLst>
+                                    </p:anim>
+                                    <p:anim calcmode="lin" valueType="num">
+                                      <p:cBhvr additive="base">
+                                        <p:cTn id="8" dur="500" fill="hold"/>
+                                        <p:tgtEl>
+                                          <p:spTgt spid="7"/>
+                                        </p:tgtEl>
+                                        <p:attrNameLst>
+                                          <p:attrName>ppt_y</p:attrName>
+                                        </p:attrNameLst>
+                                      </p:cBhvr>
+                                      <p:tavLst>
+                                        <p:tav tm="0">
+                                          <p:val>
+                                            <p:strVal val="1+#ppt_h/2"/>
+                                          </p:val>
+                                        </p:tav>
+                                        <p:tav tm="100000">
+                                          <p:val>
+                                            <p:strVal val="#ppt_y"/>
+                                          </p:val>
+                                        </p:tav>
+                                      </p:tavLst>
+                                    </p:anim>
+                                  </p:childTnLst>
+                                </p:cTn>
+                              </p:par>
+                            </p:childTnLst>
+                          </p:cTn>
+                        </p:par>
+                      </p:childTnLst>
+                    </p:cTn>
+                  </p:par>
+                </p:childTnLst>
+              </p:cTn>
+              <p:prevCondLst>
+                <p:cond evt="onPrev" delay="0">
+                  <p:tgtEl>
+                    <p:sldTgt/>
+                  </p:tgtEl>
+                </p:cond>
+              </p:prevCondLst>
+              <p:nextCondLst>
+                <p:cond evt="onNext" delay="0">
+                  <p:tgtEl>
+                    <p:sldTgt/>
+                  </p:tgtEl>
+                </p:cond>
+              </p:nextCondLst>
+            </p:seq>
+          </p:childTnLst>
+        </p:cTn>
+      </p:par>
+    </p:tnLst>
+    <p:bldLst>
+      <p:bldP spid="7" grpId="0"/>
+    </p:bldLst>
+  </p:timing>
 </p:sld>
 </file>
 
@@ -3870,6 +4173,12 @@
           <a:p>
             <a:r>
               <a:rPr lang="pt-BR" dirty="0"/>
+              <a:t>Peça ajuda!</a:t>
+            </a:r>
+          </a:p>
+          <a:p>
+            <a:r>
+              <a:rPr lang="pt-BR" dirty="0"/>
               <a:t>Empirismo.</a:t>
             </a:r>
           </a:p>
@@ -3895,14 +4204,10 @@
             </a:r>
           </a:p>
           <a:p>
-            <a:pPr lvl="1"/>
+            <a:pPr marL="457200" lvl="1" indent="0">
+              <a:buNone/>
+            </a:pPr>
             <a:endParaRPr lang="pt-BR" dirty="0"/>
-          </a:p>
-          <a:p>
-            <a:r>
-              <a:rPr lang="pt-BR" dirty="0"/>
-              <a:t>Pergunte a pessoa certa.</a:t>
-            </a:r>
           </a:p>
         </p:txBody>
       </p:sp>
@@ -3916,6 +4221,776 @@
   <p:clrMapOvr>
     <a:masterClrMapping/>
   </p:clrMapOvr>
+  <p:transition spd="slow">
+    <p:wipe/>
+  </p:transition>
+  <p:timing>
+    <p:tnLst>
+      <p:par>
+        <p:cTn id="1" dur="indefinite" restart="never" nodeType="tmRoot">
+          <p:childTnLst>
+            <p:seq concurrent="1" nextAc="seek">
+              <p:cTn id="2" dur="indefinite" nodeType="mainSeq">
+                <p:childTnLst>
+                  <p:par>
+                    <p:cTn id="3" fill="hold">
+                      <p:stCondLst>
+                        <p:cond delay="indefinite"/>
+                      </p:stCondLst>
+                      <p:childTnLst>
+                        <p:par>
+                          <p:cTn id="4" fill="hold">
+                            <p:stCondLst>
+                              <p:cond delay="0"/>
+                            </p:stCondLst>
+                            <p:childTnLst>
+                              <p:par>
+                                <p:cTn id="5" presetID="2" presetClass="entr" presetSubtype="4" fill="hold" grpId="0" nodeType="clickEffect">
+                                  <p:stCondLst>
+                                    <p:cond delay="0"/>
+                                  </p:stCondLst>
+                                  <p:childTnLst>
+                                    <p:set>
+                                      <p:cBhvr>
+                                        <p:cTn id="6" dur="1" fill="hold">
+                                          <p:stCondLst>
+                                            <p:cond delay="0"/>
+                                          </p:stCondLst>
+                                        </p:cTn>
+                                        <p:tgtEl>
+                                          <p:spTgt spid="3">
+                                            <p:txEl>
+                                              <p:pRg st="0" end="0"/>
+                                            </p:txEl>
+                                          </p:spTgt>
+                                        </p:tgtEl>
+                                        <p:attrNameLst>
+                                          <p:attrName>style.visibility</p:attrName>
+                                        </p:attrNameLst>
+                                      </p:cBhvr>
+                                      <p:to>
+                                        <p:strVal val="visible"/>
+                                      </p:to>
+                                    </p:set>
+                                    <p:anim calcmode="lin" valueType="num">
+                                      <p:cBhvr additive="base">
+                                        <p:cTn id="7" dur="500" fill="hold"/>
+                                        <p:tgtEl>
+                                          <p:spTgt spid="3">
+                                            <p:txEl>
+                                              <p:pRg st="0" end="0"/>
+                                            </p:txEl>
+                                          </p:spTgt>
+                                        </p:tgtEl>
+                                        <p:attrNameLst>
+                                          <p:attrName>ppt_x</p:attrName>
+                                        </p:attrNameLst>
+                                      </p:cBhvr>
+                                      <p:tavLst>
+                                        <p:tav tm="0">
+                                          <p:val>
+                                            <p:strVal val="#ppt_x"/>
+                                          </p:val>
+                                        </p:tav>
+                                        <p:tav tm="100000">
+                                          <p:val>
+                                            <p:strVal val="#ppt_x"/>
+                                          </p:val>
+                                        </p:tav>
+                                      </p:tavLst>
+                                    </p:anim>
+                                    <p:anim calcmode="lin" valueType="num">
+                                      <p:cBhvr additive="base">
+                                        <p:cTn id="8" dur="500" fill="hold"/>
+                                        <p:tgtEl>
+                                          <p:spTgt spid="3">
+                                            <p:txEl>
+                                              <p:pRg st="0" end="0"/>
+                                            </p:txEl>
+                                          </p:spTgt>
+                                        </p:tgtEl>
+                                        <p:attrNameLst>
+                                          <p:attrName>ppt_y</p:attrName>
+                                        </p:attrNameLst>
+                                      </p:cBhvr>
+                                      <p:tavLst>
+                                        <p:tav tm="0">
+                                          <p:val>
+                                            <p:strVal val="1+#ppt_h/2"/>
+                                          </p:val>
+                                        </p:tav>
+                                        <p:tav tm="100000">
+                                          <p:val>
+                                            <p:strVal val="#ppt_y"/>
+                                          </p:val>
+                                        </p:tav>
+                                      </p:tavLst>
+                                    </p:anim>
+                                  </p:childTnLst>
+                                </p:cTn>
+                              </p:par>
+                              <p:par>
+                                <p:cTn id="9" presetID="2" presetClass="entr" presetSubtype="4" fill="hold" grpId="0" nodeType="withEffect">
+                                  <p:stCondLst>
+                                    <p:cond delay="0"/>
+                                  </p:stCondLst>
+                                  <p:childTnLst>
+                                    <p:set>
+                                      <p:cBhvr>
+                                        <p:cTn id="10" dur="1" fill="hold">
+                                          <p:stCondLst>
+                                            <p:cond delay="0"/>
+                                          </p:stCondLst>
+                                        </p:cTn>
+                                        <p:tgtEl>
+                                          <p:spTgt spid="3">
+                                            <p:txEl>
+                                              <p:pRg st="1" end="1"/>
+                                            </p:txEl>
+                                          </p:spTgt>
+                                        </p:tgtEl>
+                                        <p:attrNameLst>
+                                          <p:attrName>style.visibility</p:attrName>
+                                        </p:attrNameLst>
+                                      </p:cBhvr>
+                                      <p:to>
+                                        <p:strVal val="visible"/>
+                                      </p:to>
+                                    </p:set>
+                                    <p:anim calcmode="lin" valueType="num">
+                                      <p:cBhvr additive="base">
+                                        <p:cTn id="11" dur="500" fill="hold"/>
+                                        <p:tgtEl>
+                                          <p:spTgt spid="3">
+                                            <p:txEl>
+                                              <p:pRg st="1" end="1"/>
+                                            </p:txEl>
+                                          </p:spTgt>
+                                        </p:tgtEl>
+                                        <p:attrNameLst>
+                                          <p:attrName>ppt_x</p:attrName>
+                                        </p:attrNameLst>
+                                      </p:cBhvr>
+                                      <p:tavLst>
+                                        <p:tav tm="0">
+                                          <p:val>
+                                            <p:strVal val="#ppt_x"/>
+                                          </p:val>
+                                        </p:tav>
+                                        <p:tav tm="100000">
+                                          <p:val>
+                                            <p:strVal val="#ppt_x"/>
+                                          </p:val>
+                                        </p:tav>
+                                      </p:tavLst>
+                                    </p:anim>
+                                    <p:anim calcmode="lin" valueType="num">
+                                      <p:cBhvr additive="base">
+                                        <p:cTn id="12" dur="500" fill="hold"/>
+                                        <p:tgtEl>
+                                          <p:spTgt spid="3">
+                                            <p:txEl>
+                                              <p:pRg st="1" end="1"/>
+                                            </p:txEl>
+                                          </p:spTgt>
+                                        </p:tgtEl>
+                                        <p:attrNameLst>
+                                          <p:attrName>ppt_y</p:attrName>
+                                        </p:attrNameLst>
+                                      </p:cBhvr>
+                                      <p:tavLst>
+                                        <p:tav tm="0">
+                                          <p:val>
+                                            <p:strVal val="1+#ppt_h/2"/>
+                                          </p:val>
+                                        </p:tav>
+                                        <p:tav tm="100000">
+                                          <p:val>
+                                            <p:strVal val="#ppt_y"/>
+                                          </p:val>
+                                        </p:tav>
+                                      </p:tavLst>
+                                    </p:anim>
+                                  </p:childTnLst>
+                                </p:cTn>
+                              </p:par>
+                              <p:par>
+                                <p:cTn id="13" presetID="2" presetClass="entr" presetSubtype="4" fill="hold" grpId="0" nodeType="withEffect">
+                                  <p:stCondLst>
+                                    <p:cond delay="0"/>
+                                  </p:stCondLst>
+                                  <p:childTnLst>
+                                    <p:set>
+                                      <p:cBhvr>
+                                        <p:cTn id="14" dur="1" fill="hold">
+                                          <p:stCondLst>
+                                            <p:cond delay="0"/>
+                                          </p:stCondLst>
+                                        </p:cTn>
+                                        <p:tgtEl>
+                                          <p:spTgt spid="3">
+                                            <p:txEl>
+                                              <p:pRg st="2" end="2"/>
+                                            </p:txEl>
+                                          </p:spTgt>
+                                        </p:tgtEl>
+                                        <p:attrNameLst>
+                                          <p:attrName>style.visibility</p:attrName>
+                                        </p:attrNameLst>
+                                      </p:cBhvr>
+                                      <p:to>
+                                        <p:strVal val="visible"/>
+                                      </p:to>
+                                    </p:set>
+                                    <p:anim calcmode="lin" valueType="num">
+                                      <p:cBhvr additive="base">
+                                        <p:cTn id="15" dur="500" fill="hold"/>
+                                        <p:tgtEl>
+                                          <p:spTgt spid="3">
+                                            <p:txEl>
+                                              <p:pRg st="2" end="2"/>
+                                            </p:txEl>
+                                          </p:spTgt>
+                                        </p:tgtEl>
+                                        <p:attrNameLst>
+                                          <p:attrName>ppt_x</p:attrName>
+                                        </p:attrNameLst>
+                                      </p:cBhvr>
+                                      <p:tavLst>
+                                        <p:tav tm="0">
+                                          <p:val>
+                                            <p:strVal val="#ppt_x"/>
+                                          </p:val>
+                                        </p:tav>
+                                        <p:tav tm="100000">
+                                          <p:val>
+                                            <p:strVal val="#ppt_x"/>
+                                          </p:val>
+                                        </p:tav>
+                                      </p:tavLst>
+                                    </p:anim>
+                                    <p:anim calcmode="lin" valueType="num">
+                                      <p:cBhvr additive="base">
+                                        <p:cTn id="16" dur="500" fill="hold"/>
+                                        <p:tgtEl>
+                                          <p:spTgt spid="3">
+                                            <p:txEl>
+                                              <p:pRg st="2" end="2"/>
+                                            </p:txEl>
+                                          </p:spTgt>
+                                        </p:tgtEl>
+                                        <p:attrNameLst>
+                                          <p:attrName>ppt_y</p:attrName>
+                                        </p:attrNameLst>
+                                      </p:cBhvr>
+                                      <p:tavLst>
+                                        <p:tav tm="0">
+                                          <p:val>
+                                            <p:strVal val="1+#ppt_h/2"/>
+                                          </p:val>
+                                        </p:tav>
+                                        <p:tav tm="100000">
+                                          <p:val>
+                                            <p:strVal val="#ppt_y"/>
+                                          </p:val>
+                                        </p:tav>
+                                      </p:tavLst>
+                                    </p:anim>
+                                  </p:childTnLst>
+                                </p:cTn>
+                              </p:par>
+                            </p:childTnLst>
+                          </p:cTn>
+                        </p:par>
+                      </p:childTnLst>
+                    </p:cTn>
+                  </p:par>
+                  <p:par>
+                    <p:cTn id="17" fill="hold">
+                      <p:stCondLst>
+                        <p:cond delay="indefinite"/>
+                      </p:stCondLst>
+                      <p:childTnLst>
+                        <p:par>
+                          <p:cTn id="18" fill="hold">
+                            <p:stCondLst>
+                              <p:cond delay="0"/>
+                            </p:stCondLst>
+                            <p:childTnLst>
+                              <p:par>
+                                <p:cTn id="19" presetID="2" presetClass="entr" presetSubtype="4" fill="hold" grpId="0" nodeType="clickEffect">
+                                  <p:stCondLst>
+                                    <p:cond delay="0"/>
+                                  </p:stCondLst>
+                                  <p:childTnLst>
+                                    <p:set>
+                                      <p:cBhvr>
+                                        <p:cTn id="20" dur="1" fill="hold">
+                                          <p:stCondLst>
+                                            <p:cond delay="0"/>
+                                          </p:stCondLst>
+                                        </p:cTn>
+                                        <p:tgtEl>
+                                          <p:spTgt spid="3">
+                                            <p:txEl>
+                                              <p:pRg st="3" end="3"/>
+                                            </p:txEl>
+                                          </p:spTgt>
+                                        </p:tgtEl>
+                                        <p:attrNameLst>
+                                          <p:attrName>style.visibility</p:attrName>
+                                        </p:attrNameLst>
+                                      </p:cBhvr>
+                                      <p:to>
+                                        <p:strVal val="visible"/>
+                                      </p:to>
+                                    </p:set>
+                                    <p:anim calcmode="lin" valueType="num">
+                                      <p:cBhvr additive="base">
+                                        <p:cTn id="21" dur="500" fill="hold"/>
+                                        <p:tgtEl>
+                                          <p:spTgt spid="3">
+                                            <p:txEl>
+                                              <p:pRg st="3" end="3"/>
+                                            </p:txEl>
+                                          </p:spTgt>
+                                        </p:tgtEl>
+                                        <p:attrNameLst>
+                                          <p:attrName>ppt_x</p:attrName>
+                                        </p:attrNameLst>
+                                      </p:cBhvr>
+                                      <p:tavLst>
+                                        <p:tav tm="0">
+                                          <p:val>
+                                            <p:strVal val="#ppt_x"/>
+                                          </p:val>
+                                        </p:tav>
+                                        <p:tav tm="100000">
+                                          <p:val>
+                                            <p:strVal val="#ppt_x"/>
+                                          </p:val>
+                                        </p:tav>
+                                      </p:tavLst>
+                                    </p:anim>
+                                    <p:anim calcmode="lin" valueType="num">
+                                      <p:cBhvr additive="base">
+                                        <p:cTn id="22" dur="500" fill="hold"/>
+                                        <p:tgtEl>
+                                          <p:spTgt spid="3">
+                                            <p:txEl>
+                                              <p:pRg st="3" end="3"/>
+                                            </p:txEl>
+                                          </p:spTgt>
+                                        </p:tgtEl>
+                                        <p:attrNameLst>
+                                          <p:attrName>ppt_y</p:attrName>
+                                        </p:attrNameLst>
+                                      </p:cBhvr>
+                                      <p:tavLst>
+                                        <p:tav tm="0">
+                                          <p:val>
+                                            <p:strVal val="1+#ppt_h/2"/>
+                                          </p:val>
+                                        </p:tav>
+                                        <p:tav tm="100000">
+                                          <p:val>
+                                            <p:strVal val="#ppt_y"/>
+                                          </p:val>
+                                        </p:tav>
+                                      </p:tavLst>
+                                    </p:anim>
+                                  </p:childTnLst>
+                                </p:cTn>
+                              </p:par>
+                            </p:childTnLst>
+                          </p:cTn>
+                        </p:par>
+                      </p:childTnLst>
+                    </p:cTn>
+                  </p:par>
+                  <p:par>
+                    <p:cTn id="23" fill="hold">
+                      <p:stCondLst>
+                        <p:cond delay="indefinite"/>
+                      </p:stCondLst>
+                      <p:childTnLst>
+                        <p:par>
+                          <p:cTn id="24" fill="hold">
+                            <p:stCondLst>
+                              <p:cond delay="0"/>
+                            </p:stCondLst>
+                            <p:childTnLst>
+                              <p:par>
+                                <p:cTn id="25" presetID="2" presetClass="entr" presetSubtype="4" fill="hold" grpId="0" nodeType="clickEffect">
+                                  <p:stCondLst>
+                                    <p:cond delay="0"/>
+                                  </p:stCondLst>
+                                  <p:childTnLst>
+                                    <p:set>
+                                      <p:cBhvr>
+                                        <p:cTn id="26" dur="1" fill="hold">
+                                          <p:stCondLst>
+                                            <p:cond delay="0"/>
+                                          </p:stCondLst>
+                                        </p:cTn>
+                                        <p:tgtEl>
+                                          <p:spTgt spid="3">
+                                            <p:txEl>
+                                              <p:pRg st="4" end="4"/>
+                                            </p:txEl>
+                                          </p:spTgt>
+                                        </p:tgtEl>
+                                        <p:attrNameLst>
+                                          <p:attrName>style.visibility</p:attrName>
+                                        </p:attrNameLst>
+                                      </p:cBhvr>
+                                      <p:to>
+                                        <p:strVal val="visible"/>
+                                      </p:to>
+                                    </p:set>
+                                    <p:anim calcmode="lin" valueType="num">
+                                      <p:cBhvr additive="base">
+                                        <p:cTn id="27" dur="500" fill="hold"/>
+                                        <p:tgtEl>
+                                          <p:spTgt spid="3">
+                                            <p:txEl>
+                                              <p:pRg st="4" end="4"/>
+                                            </p:txEl>
+                                          </p:spTgt>
+                                        </p:tgtEl>
+                                        <p:attrNameLst>
+                                          <p:attrName>ppt_x</p:attrName>
+                                        </p:attrNameLst>
+                                      </p:cBhvr>
+                                      <p:tavLst>
+                                        <p:tav tm="0">
+                                          <p:val>
+                                            <p:strVal val="#ppt_x"/>
+                                          </p:val>
+                                        </p:tav>
+                                        <p:tav tm="100000">
+                                          <p:val>
+                                            <p:strVal val="#ppt_x"/>
+                                          </p:val>
+                                        </p:tav>
+                                      </p:tavLst>
+                                    </p:anim>
+                                    <p:anim calcmode="lin" valueType="num">
+                                      <p:cBhvr additive="base">
+                                        <p:cTn id="28" dur="500" fill="hold"/>
+                                        <p:tgtEl>
+                                          <p:spTgt spid="3">
+                                            <p:txEl>
+                                              <p:pRg st="4" end="4"/>
+                                            </p:txEl>
+                                          </p:spTgt>
+                                        </p:tgtEl>
+                                        <p:attrNameLst>
+                                          <p:attrName>ppt_y</p:attrName>
+                                        </p:attrNameLst>
+                                      </p:cBhvr>
+                                      <p:tavLst>
+                                        <p:tav tm="0">
+                                          <p:val>
+                                            <p:strVal val="1+#ppt_h/2"/>
+                                          </p:val>
+                                        </p:tav>
+                                        <p:tav tm="100000">
+                                          <p:val>
+                                            <p:strVal val="#ppt_y"/>
+                                          </p:val>
+                                        </p:tav>
+                                      </p:tavLst>
+                                    </p:anim>
+                                  </p:childTnLst>
+                                </p:cTn>
+                              </p:par>
+                              <p:par>
+                                <p:cTn id="29" presetID="2" presetClass="entr" presetSubtype="4" fill="hold" grpId="0" nodeType="withEffect">
+                                  <p:stCondLst>
+                                    <p:cond delay="0"/>
+                                  </p:stCondLst>
+                                  <p:childTnLst>
+                                    <p:set>
+                                      <p:cBhvr>
+                                        <p:cTn id="30" dur="1" fill="hold">
+                                          <p:stCondLst>
+                                            <p:cond delay="0"/>
+                                          </p:stCondLst>
+                                        </p:cTn>
+                                        <p:tgtEl>
+                                          <p:spTgt spid="3">
+                                            <p:txEl>
+                                              <p:pRg st="5" end="5"/>
+                                            </p:txEl>
+                                          </p:spTgt>
+                                        </p:tgtEl>
+                                        <p:attrNameLst>
+                                          <p:attrName>style.visibility</p:attrName>
+                                        </p:attrNameLst>
+                                      </p:cBhvr>
+                                      <p:to>
+                                        <p:strVal val="visible"/>
+                                      </p:to>
+                                    </p:set>
+                                    <p:anim calcmode="lin" valueType="num">
+                                      <p:cBhvr additive="base">
+                                        <p:cTn id="31" dur="500" fill="hold"/>
+                                        <p:tgtEl>
+                                          <p:spTgt spid="3">
+                                            <p:txEl>
+                                              <p:pRg st="5" end="5"/>
+                                            </p:txEl>
+                                          </p:spTgt>
+                                        </p:tgtEl>
+                                        <p:attrNameLst>
+                                          <p:attrName>ppt_x</p:attrName>
+                                        </p:attrNameLst>
+                                      </p:cBhvr>
+                                      <p:tavLst>
+                                        <p:tav tm="0">
+                                          <p:val>
+                                            <p:strVal val="#ppt_x"/>
+                                          </p:val>
+                                        </p:tav>
+                                        <p:tav tm="100000">
+                                          <p:val>
+                                            <p:strVal val="#ppt_x"/>
+                                          </p:val>
+                                        </p:tav>
+                                      </p:tavLst>
+                                    </p:anim>
+                                    <p:anim calcmode="lin" valueType="num">
+                                      <p:cBhvr additive="base">
+                                        <p:cTn id="32" dur="500" fill="hold"/>
+                                        <p:tgtEl>
+                                          <p:spTgt spid="3">
+                                            <p:txEl>
+                                              <p:pRg st="5" end="5"/>
+                                            </p:txEl>
+                                          </p:spTgt>
+                                        </p:tgtEl>
+                                        <p:attrNameLst>
+                                          <p:attrName>ppt_y</p:attrName>
+                                        </p:attrNameLst>
+                                      </p:cBhvr>
+                                      <p:tavLst>
+                                        <p:tav tm="0">
+                                          <p:val>
+                                            <p:strVal val="1+#ppt_h/2"/>
+                                          </p:val>
+                                        </p:tav>
+                                        <p:tav tm="100000">
+                                          <p:val>
+                                            <p:strVal val="#ppt_y"/>
+                                          </p:val>
+                                        </p:tav>
+                                      </p:tavLst>
+                                    </p:anim>
+                                  </p:childTnLst>
+                                </p:cTn>
+                              </p:par>
+                              <p:par>
+                                <p:cTn id="33" presetID="2" presetClass="entr" presetSubtype="4" fill="hold" grpId="0" nodeType="withEffect">
+                                  <p:stCondLst>
+                                    <p:cond delay="0"/>
+                                  </p:stCondLst>
+                                  <p:childTnLst>
+                                    <p:set>
+                                      <p:cBhvr>
+                                        <p:cTn id="34" dur="1" fill="hold">
+                                          <p:stCondLst>
+                                            <p:cond delay="0"/>
+                                          </p:stCondLst>
+                                        </p:cTn>
+                                        <p:tgtEl>
+                                          <p:spTgt spid="3">
+                                            <p:txEl>
+                                              <p:pRg st="6" end="6"/>
+                                            </p:txEl>
+                                          </p:spTgt>
+                                        </p:tgtEl>
+                                        <p:attrNameLst>
+                                          <p:attrName>style.visibility</p:attrName>
+                                        </p:attrNameLst>
+                                      </p:cBhvr>
+                                      <p:to>
+                                        <p:strVal val="visible"/>
+                                      </p:to>
+                                    </p:set>
+                                    <p:anim calcmode="lin" valueType="num">
+                                      <p:cBhvr additive="base">
+                                        <p:cTn id="35" dur="500" fill="hold"/>
+                                        <p:tgtEl>
+                                          <p:spTgt spid="3">
+                                            <p:txEl>
+                                              <p:pRg st="6" end="6"/>
+                                            </p:txEl>
+                                          </p:spTgt>
+                                        </p:tgtEl>
+                                        <p:attrNameLst>
+                                          <p:attrName>ppt_x</p:attrName>
+                                        </p:attrNameLst>
+                                      </p:cBhvr>
+                                      <p:tavLst>
+                                        <p:tav tm="0">
+                                          <p:val>
+                                            <p:strVal val="#ppt_x"/>
+                                          </p:val>
+                                        </p:tav>
+                                        <p:tav tm="100000">
+                                          <p:val>
+                                            <p:strVal val="#ppt_x"/>
+                                          </p:val>
+                                        </p:tav>
+                                      </p:tavLst>
+                                    </p:anim>
+                                    <p:anim calcmode="lin" valueType="num">
+                                      <p:cBhvr additive="base">
+                                        <p:cTn id="36" dur="500" fill="hold"/>
+                                        <p:tgtEl>
+                                          <p:spTgt spid="3">
+                                            <p:txEl>
+                                              <p:pRg st="6" end="6"/>
+                                            </p:txEl>
+                                          </p:spTgt>
+                                        </p:tgtEl>
+                                        <p:attrNameLst>
+                                          <p:attrName>ppt_y</p:attrName>
+                                        </p:attrNameLst>
+                                      </p:cBhvr>
+                                      <p:tavLst>
+                                        <p:tav tm="0">
+                                          <p:val>
+                                            <p:strVal val="1+#ppt_h/2"/>
+                                          </p:val>
+                                        </p:tav>
+                                        <p:tav tm="100000">
+                                          <p:val>
+                                            <p:strVal val="#ppt_y"/>
+                                          </p:val>
+                                        </p:tav>
+                                      </p:tavLst>
+                                    </p:anim>
+                                  </p:childTnLst>
+                                </p:cTn>
+                              </p:par>
+                              <p:par>
+                                <p:cTn id="37" presetID="2" presetClass="entr" presetSubtype="4" fill="hold" grpId="0" nodeType="withEffect">
+                                  <p:stCondLst>
+                                    <p:cond delay="0"/>
+                                  </p:stCondLst>
+                                  <p:childTnLst>
+                                    <p:set>
+                                      <p:cBhvr>
+                                        <p:cTn id="38" dur="1" fill="hold">
+                                          <p:stCondLst>
+                                            <p:cond delay="0"/>
+                                          </p:stCondLst>
+                                        </p:cTn>
+                                        <p:tgtEl>
+                                          <p:spTgt spid="3">
+                                            <p:txEl>
+                                              <p:pRg st="7" end="7"/>
+                                            </p:txEl>
+                                          </p:spTgt>
+                                        </p:tgtEl>
+                                        <p:attrNameLst>
+                                          <p:attrName>style.visibility</p:attrName>
+                                        </p:attrNameLst>
+                                      </p:cBhvr>
+                                      <p:to>
+                                        <p:strVal val="visible"/>
+                                      </p:to>
+                                    </p:set>
+                                    <p:anim calcmode="lin" valueType="num">
+                                      <p:cBhvr additive="base">
+                                        <p:cTn id="39" dur="500" fill="hold"/>
+                                        <p:tgtEl>
+                                          <p:spTgt spid="3">
+                                            <p:txEl>
+                                              <p:pRg st="7" end="7"/>
+                                            </p:txEl>
+                                          </p:spTgt>
+                                        </p:tgtEl>
+                                        <p:attrNameLst>
+                                          <p:attrName>ppt_x</p:attrName>
+                                        </p:attrNameLst>
+                                      </p:cBhvr>
+                                      <p:tavLst>
+                                        <p:tav tm="0">
+                                          <p:val>
+                                            <p:strVal val="#ppt_x"/>
+                                          </p:val>
+                                        </p:tav>
+                                        <p:tav tm="100000">
+                                          <p:val>
+                                            <p:strVal val="#ppt_x"/>
+                                          </p:val>
+                                        </p:tav>
+                                      </p:tavLst>
+                                    </p:anim>
+                                    <p:anim calcmode="lin" valueType="num">
+                                      <p:cBhvr additive="base">
+                                        <p:cTn id="40" dur="500" fill="hold"/>
+                                        <p:tgtEl>
+                                          <p:spTgt spid="3">
+                                            <p:txEl>
+                                              <p:pRg st="7" end="7"/>
+                                            </p:txEl>
+                                          </p:spTgt>
+                                        </p:tgtEl>
+                                        <p:attrNameLst>
+                                          <p:attrName>ppt_y</p:attrName>
+                                        </p:attrNameLst>
+                                      </p:cBhvr>
+                                      <p:tavLst>
+                                        <p:tav tm="0">
+                                          <p:val>
+                                            <p:strVal val="1+#ppt_h/2"/>
+                                          </p:val>
+                                        </p:tav>
+                                        <p:tav tm="100000">
+                                          <p:val>
+                                            <p:strVal val="#ppt_y"/>
+                                          </p:val>
+                                        </p:tav>
+                                      </p:tavLst>
+                                    </p:anim>
+                                  </p:childTnLst>
+                                </p:cTn>
+                              </p:par>
+                            </p:childTnLst>
+                          </p:cTn>
+                        </p:par>
+                      </p:childTnLst>
+                    </p:cTn>
+                  </p:par>
+                </p:childTnLst>
+              </p:cTn>
+              <p:prevCondLst>
+                <p:cond evt="onPrev" delay="0">
+                  <p:tgtEl>
+                    <p:sldTgt/>
+                  </p:tgtEl>
+                </p:cond>
+              </p:prevCondLst>
+              <p:nextCondLst>
+                <p:cond evt="onNext" delay="0">
+                  <p:tgtEl>
+                    <p:sldTgt/>
+                  </p:tgtEl>
+                </p:cond>
+              </p:nextCondLst>
+            </p:seq>
+          </p:childTnLst>
+        </p:cTn>
+      </p:par>
+    </p:tnLst>
+    <p:bldLst>
+      <p:bldP spid="3" grpId="0" build="p"/>
+    </p:bldLst>
+  </p:timing>
 </p:sld>
 </file>
 
@@ -3941,7 +5016,7 @@
           <p:cNvPr id="2" name="Título 1">
             <a:extLst>
               <a:ext uri="{FF2B5EF4-FFF2-40B4-BE49-F238E27FC236}">
-                <a16:creationId xmlns:a16="http://schemas.microsoft.com/office/drawing/2014/main" id="{E0183247-2919-41BA-8609-E42486CEFCDC}"/>
+                <a16:creationId xmlns:a16="http://schemas.microsoft.com/office/drawing/2014/main" id="{0E2BF7EB-86E5-4E45-92C6-1415D92EDF4E}"/>
               </a:ext>
             </a:extLst>
           </p:cNvPr>
@@ -3958,8 +5033,8 @@
           <a:lstStyle/>
           <a:p>
             <a:r>
-              <a:rPr lang="pt-BR" b="1" dirty="0"/>
-              <a:t>Organize sua equipe</a:t>
+              <a:rPr lang="pt-BR" dirty="0"/>
+              <a:t>Scrum</a:t>
             </a:r>
           </a:p>
         </p:txBody>
@@ -3969,7 +5044,7 @@
           <p:cNvPr id="3" name="Espaço Reservado para Conteúdo 2">
             <a:extLst>
               <a:ext uri="{FF2B5EF4-FFF2-40B4-BE49-F238E27FC236}">
-                <a16:creationId xmlns:a16="http://schemas.microsoft.com/office/drawing/2014/main" id="{88ACAA19-DC85-4409-99DF-787134669CE1}"/>
+                <a16:creationId xmlns:a16="http://schemas.microsoft.com/office/drawing/2014/main" id="{CBD91979-2F86-493A-9D11-C59DACBBE40C}"/>
               </a:ext>
             </a:extLst>
           </p:cNvPr>
@@ -3987,47 +5062,30 @@
           <a:p>
             <a:r>
               <a:rPr lang="pt-BR" dirty="0"/>
-              <a:t>Sinérgica.</a:t>
-            </a:r>
-          </a:p>
-          <a:p>
-            <a:r>
-              <a:rPr lang="pt-BR" dirty="0" err="1"/>
-              <a:t>Auto-organizada</a:t>
-            </a:r>
+              <a:t>Framework.</a:t>
+            </a:r>
+          </a:p>
+          <a:p>
             <a:r>
               <a:rPr lang="pt-BR" dirty="0"/>
-              <a:t>.</a:t>
-            </a:r>
-          </a:p>
-          <a:p>
-            <a:r>
-              <a:rPr lang="pt-BR" dirty="0" err="1"/>
-              <a:t>Auto-gerenciada</a:t>
-            </a:r>
+              <a:t>Um dos mais usados atualmente.</a:t>
+            </a:r>
+          </a:p>
+          <a:p>
             <a:r>
               <a:rPr lang="pt-BR" dirty="0"/>
-              <a:t>.</a:t>
-            </a:r>
-          </a:p>
-          <a:p>
-            <a:r>
-              <a:rPr lang="pt-BR" dirty="0"/>
-              <a:t>Multifuncional.</a:t>
-            </a:r>
-          </a:p>
-          <a:p>
-            <a:r>
-              <a:rPr lang="pt-BR" dirty="0"/>
-              <a:t>Está disposto a deixar sua equipe “mandar”?</a:t>
-            </a:r>
+              <a:t>Fácil de entender, difícil de implementar.</a:t>
+            </a:r>
+          </a:p>
+          <a:p>
+            <a:endParaRPr lang="pt-BR" dirty="0"/>
           </a:p>
         </p:txBody>
       </p:sp>
     </p:spTree>
     <p:extLst>
       <p:ext uri="{BB962C8B-B14F-4D97-AF65-F5344CB8AC3E}">
-        <p14:creationId xmlns:p14="http://schemas.microsoft.com/office/powerpoint/2010/main" val="1551559124"/>
+        <p14:creationId xmlns:p14="http://schemas.microsoft.com/office/powerpoint/2010/main" val="1955084824"/>
       </p:ext>
     </p:extLst>
   </p:cSld>
@@ -4059,7 +5117,7 @@
           <p:cNvPr id="2" name="Título 1">
             <a:extLst>
               <a:ext uri="{FF2B5EF4-FFF2-40B4-BE49-F238E27FC236}">
-                <a16:creationId xmlns:a16="http://schemas.microsoft.com/office/drawing/2014/main" id="{0FF769C5-CD92-4819-A73A-E94B35A70BD1}"/>
+                <a16:creationId xmlns:a16="http://schemas.microsoft.com/office/drawing/2014/main" id="{E0183247-2919-41BA-8609-E42486CEFCDC}"/>
               </a:ext>
             </a:extLst>
           </p:cNvPr>
@@ -4077,15 +5135,7 @@
           <a:p>
             <a:r>
               <a:rPr lang="pt-BR" b="1" dirty="0"/>
-              <a:t>Scrum </a:t>
-            </a:r>
-            <a:r>
-              <a:rPr lang="pt-BR" b="1" dirty="0" err="1"/>
-              <a:t>Mater</a:t>
-            </a:r>
-            <a:r>
-              <a:rPr lang="pt-BR" b="1" dirty="0"/>
-              <a:t> o Guia.</a:t>
+              <a:t>Organize sua equipe</a:t>
             </a:r>
           </a:p>
         </p:txBody>
@@ -4095,7 +5145,7 @@
           <p:cNvPr id="3" name="Espaço Reservado para Conteúdo 2">
             <a:extLst>
               <a:ext uri="{FF2B5EF4-FFF2-40B4-BE49-F238E27FC236}">
-                <a16:creationId xmlns:a16="http://schemas.microsoft.com/office/drawing/2014/main" id="{62217833-C9CA-4EC2-8436-9906F6519869}"/>
+                <a16:creationId xmlns:a16="http://schemas.microsoft.com/office/drawing/2014/main" id="{88ACAA19-DC85-4409-99DF-787134669CE1}"/>
               </a:ext>
             </a:extLst>
           </p:cNvPr>
@@ -4113,54 +5163,604 @@
           <a:p>
             <a:r>
               <a:rPr lang="pt-BR" dirty="0"/>
-              <a:t>Mestre no framework.</a:t>
-            </a:r>
-          </a:p>
-          <a:p>
+              <a:t>Sinérgica.</a:t>
+            </a:r>
+          </a:p>
+          <a:p>
+            <a:r>
+              <a:rPr lang="pt-BR" dirty="0" err="1"/>
+              <a:t>Auto-organizada</a:t>
+            </a:r>
             <a:r>
               <a:rPr lang="pt-BR" dirty="0"/>
-              <a:t>Ele que convence.</a:t>
-            </a:r>
-          </a:p>
-          <a:p>
+              <a:t>.</a:t>
+            </a:r>
+          </a:p>
+          <a:p>
+            <a:r>
+              <a:rPr lang="pt-BR" dirty="0" err="1"/>
+              <a:t>Auto-gerenciada</a:t>
+            </a:r>
             <a:r>
               <a:rPr lang="pt-BR" dirty="0"/>
-              <a:t>Servidor.</a:t>
+              <a:t>.</a:t>
             </a:r>
           </a:p>
           <a:p>
             <a:r>
               <a:rPr lang="pt-BR" dirty="0"/>
-              <a:t>Não Gerencia.</a:t>
+              <a:t>Multifuncional.</a:t>
             </a:r>
           </a:p>
           <a:p>
             <a:r>
               <a:rPr lang="pt-BR" dirty="0"/>
-              <a:t>Remove impedimentos.</a:t>
-            </a:r>
-          </a:p>
-          <a:p>
-            <a:r>
-              <a:rPr lang="pt-BR" dirty="0"/>
-              <a:t>Acha que dá pra ser qualquer um?</a:t>
-            </a:r>
-          </a:p>
-          <a:p>
-            <a:endParaRPr lang="pt-BR" dirty="0"/>
+              <a:t>Está disposto a deixar sua equipe “mandar”?</a:t>
+            </a:r>
           </a:p>
         </p:txBody>
       </p:sp>
     </p:spTree>
     <p:extLst>
       <p:ext uri="{BB962C8B-B14F-4D97-AF65-F5344CB8AC3E}">
-        <p14:creationId xmlns:p14="http://schemas.microsoft.com/office/powerpoint/2010/main" val="1676157697"/>
+        <p14:creationId xmlns:p14="http://schemas.microsoft.com/office/powerpoint/2010/main" val="1551559124"/>
       </p:ext>
     </p:extLst>
   </p:cSld>
   <p:clrMapOvr>
     <a:masterClrMapping/>
   </p:clrMapOvr>
+  <p:transition spd="slow">
+    <p:wipe/>
+  </p:transition>
+  <p:timing>
+    <p:tnLst>
+      <p:par>
+        <p:cTn id="1" dur="indefinite" restart="never" nodeType="tmRoot">
+          <p:childTnLst>
+            <p:seq concurrent="1" nextAc="seek">
+              <p:cTn id="2" dur="indefinite" nodeType="mainSeq">
+                <p:childTnLst>
+                  <p:par>
+                    <p:cTn id="3" fill="hold">
+                      <p:stCondLst>
+                        <p:cond delay="indefinite"/>
+                      </p:stCondLst>
+                      <p:childTnLst>
+                        <p:par>
+                          <p:cTn id="4" fill="hold">
+                            <p:stCondLst>
+                              <p:cond delay="0"/>
+                            </p:stCondLst>
+                            <p:childTnLst>
+                              <p:par>
+                                <p:cTn id="5" presetID="2" presetClass="entr" presetSubtype="4" fill="hold" grpId="0" nodeType="clickEffect">
+                                  <p:stCondLst>
+                                    <p:cond delay="0"/>
+                                  </p:stCondLst>
+                                  <p:childTnLst>
+                                    <p:set>
+                                      <p:cBhvr>
+                                        <p:cTn id="6" dur="1" fill="hold">
+                                          <p:stCondLst>
+                                            <p:cond delay="0"/>
+                                          </p:stCondLst>
+                                        </p:cTn>
+                                        <p:tgtEl>
+                                          <p:spTgt spid="3">
+                                            <p:txEl>
+                                              <p:pRg st="0" end="0"/>
+                                            </p:txEl>
+                                          </p:spTgt>
+                                        </p:tgtEl>
+                                        <p:attrNameLst>
+                                          <p:attrName>style.visibility</p:attrName>
+                                        </p:attrNameLst>
+                                      </p:cBhvr>
+                                      <p:to>
+                                        <p:strVal val="visible"/>
+                                      </p:to>
+                                    </p:set>
+                                    <p:anim calcmode="lin" valueType="num">
+                                      <p:cBhvr additive="base">
+                                        <p:cTn id="7" dur="500" fill="hold"/>
+                                        <p:tgtEl>
+                                          <p:spTgt spid="3">
+                                            <p:txEl>
+                                              <p:pRg st="0" end="0"/>
+                                            </p:txEl>
+                                          </p:spTgt>
+                                        </p:tgtEl>
+                                        <p:attrNameLst>
+                                          <p:attrName>ppt_x</p:attrName>
+                                        </p:attrNameLst>
+                                      </p:cBhvr>
+                                      <p:tavLst>
+                                        <p:tav tm="0">
+                                          <p:val>
+                                            <p:strVal val="#ppt_x"/>
+                                          </p:val>
+                                        </p:tav>
+                                        <p:tav tm="100000">
+                                          <p:val>
+                                            <p:strVal val="#ppt_x"/>
+                                          </p:val>
+                                        </p:tav>
+                                      </p:tavLst>
+                                    </p:anim>
+                                    <p:anim calcmode="lin" valueType="num">
+                                      <p:cBhvr additive="base">
+                                        <p:cTn id="8" dur="500" fill="hold"/>
+                                        <p:tgtEl>
+                                          <p:spTgt spid="3">
+                                            <p:txEl>
+                                              <p:pRg st="0" end="0"/>
+                                            </p:txEl>
+                                          </p:spTgt>
+                                        </p:tgtEl>
+                                        <p:attrNameLst>
+                                          <p:attrName>ppt_y</p:attrName>
+                                        </p:attrNameLst>
+                                      </p:cBhvr>
+                                      <p:tavLst>
+                                        <p:tav tm="0">
+                                          <p:val>
+                                            <p:strVal val="1+#ppt_h/2"/>
+                                          </p:val>
+                                        </p:tav>
+                                        <p:tav tm="100000">
+                                          <p:val>
+                                            <p:strVal val="#ppt_y"/>
+                                          </p:val>
+                                        </p:tav>
+                                      </p:tavLst>
+                                    </p:anim>
+                                  </p:childTnLst>
+                                </p:cTn>
+                              </p:par>
+                            </p:childTnLst>
+                          </p:cTn>
+                        </p:par>
+                      </p:childTnLst>
+                    </p:cTn>
+                  </p:par>
+                  <p:par>
+                    <p:cTn id="9" fill="hold">
+                      <p:stCondLst>
+                        <p:cond delay="indefinite"/>
+                      </p:stCondLst>
+                      <p:childTnLst>
+                        <p:par>
+                          <p:cTn id="10" fill="hold">
+                            <p:stCondLst>
+                              <p:cond delay="0"/>
+                            </p:stCondLst>
+                            <p:childTnLst>
+                              <p:par>
+                                <p:cTn id="11" presetID="2" presetClass="entr" presetSubtype="4" fill="hold" grpId="0" nodeType="clickEffect">
+                                  <p:stCondLst>
+                                    <p:cond delay="0"/>
+                                  </p:stCondLst>
+                                  <p:childTnLst>
+                                    <p:set>
+                                      <p:cBhvr>
+                                        <p:cTn id="12" dur="1" fill="hold">
+                                          <p:stCondLst>
+                                            <p:cond delay="0"/>
+                                          </p:stCondLst>
+                                        </p:cTn>
+                                        <p:tgtEl>
+                                          <p:spTgt spid="3">
+                                            <p:txEl>
+                                              <p:pRg st="1" end="1"/>
+                                            </p:txEl>
+                                          </p:spTgt>
+                                        </p:tgtEl>
+                                        <p:attrNameLst>
+                                          <p:attrName>style.visibility</p:attrName>
+                                        </p:attrNameLst>
+                                      </p:cBhvr>
+                                      <p:to>
+                                        <p:strVal val="visible"/>
+                                      </p:to>
+                                    </p:set>
+                                    <p:anim calcmode="lin" valueType="num">
+                                      <p:cBhvr additive="base">
+                                        <p:cTn id="13" dur="500" fill="hold"/>
+                                        <p:tgtEl>
+                                          <p:spTgt spid="3">
+                                            <p:txEl>
+                                              <p:pRg st="1" end="1"/>
+                                            </p:txEl>
+                                          </p:spTgt>
+                                        </p:tgtEl>
+                                        <p:attrNameLst>
+                                          <p:attrName>ppt_x</p:attrName>
+                                        </p:attrNameLst>
+                                      </p:cBhvr>
+                                      <p:tavLst>
+                                        <p:tav tm="0">
+                                          <p:val>
+                                            <p:strVal val="#ppt_x"/>
+                                          </p:val>
+                                        </p:tav>
+                                        <p:tav tm="100000">
+                                          <p:val>
+                                            <p:strVal val="#ppt_x"/>
+                                          </p:val>
+                                        </p:tav>
+                                      </p:tavLst>
+                                    </p:anim>
+                                    <p:anim calcmode="lin" valueType="num">
+                                      <p:cBhvr additive="base">
+                                        <p:cTn id="14" dur="500" fill="hold"/>
+                                        <p:tgtEl>
+                                          <p:spTgt spid="3">
+                                            <p:txEl>
+                                              <p:pRg st="1" end="1"/>
+                                            </p:txEl>
+                                          </p:spTgt>
+                                        </p:tgtEl>
+                                        <p:attrNameLst>
+                                          <p:attrName>ppt_y</p:attrName>
+                                        </p:attrNameLst>
+                                      </p:cBhvr>
+                                      <p:tavLst>
+                                        <p:tav tm="0">
+                                          <p:val>
+                                            <p:strVal val="1+#ppt_h/2"/>
+                                          </p:val>
+                                        </p:tav>
+                                        <p:tav tm="100000">
+                                          <p:val>
+                                            <p:strVal val="#ppt_y"/>
+                                          </p:val>
+                                        </p:tav>
+                                      </p:tavLst>
+                                    </p:anim>
+                                  </p:childTnLst>
+                                </p:cTn>
+                              </p:par>
+                            </p:childTnLst>
+                          </p:cTn>
+                        </p:par>
+                      </p:childTnLst>
+                    </p:cTn>
+                  </p:par>
+                  <p:par>
+                    <p:cTn id="15" fill="hold">
+                      <p:stCondLst>
+                        <p:cond delay="indefinite"/>
+                      </p:stCondLst>
+                      <p:childTnLst>
+                        <p:par>
+                          <p:cTn id="16" fill="hold">
+                            <p:stCondLst>
+                              <p:cond delay="0"/>
+                            </p:stCondLst>
+                            <p:childTnLst>
+                              <p:par>
+                                <p:cTn id="17" presetID="2" presetClass="entr" presetSubtype="4" fill="hold" grpId="0" nodeType="clickEffect">
+                                  <p:stCondLst>
+                                    <p:cond delay="0"/>
+                                  </p:stCondLst>
+                                  <p:childTnLst>
+                                    <p:set>
+                                      <p:cBhvr>
+                                        <p:cTn id="18" dur="1" fill="hold">
+                                          <p:stCondLst>
+                                            <p:cond delay="0"/>
+                                          </p:stCondLst>
+                                        </p:cTn>
+                                        <p:tgtEl>
+                                          <p:spTgt spid="3">
+                                            <p:txEl>
+                                              <p:pRg st="2" end="2"/>
+                                            </p:txEl>
+                                          </p:spTgt>
+                                        </p:tgtEl>
+                                        <p:attrNameLst>
+                                          <p:attrName>style.visibility</p:attrName>
+                                        </p:attrNameLst>
+                                      </p:cBhvr>
+                                      <p:to>
+                                        <p:strVal val="visible"/>
+                                      </p:to>
+                                    </p:set>
+                                    <p:anim calcmode="lin" valueType="num">
+                                      <p:cBhvr additive="base">
+                                        <p:cTn id="19" dur="500" fill="hold"/>
+                                        <p:tgtEl>
+                                          <p:spTgt spid="3">
+                                            <p:txEl>
+                                              <p:pRg st="2" end="2"/>
+                                            </p:txEl>
+                                          </p:spTgt>
+                                        </p:tgtEl>
+                                        <p:attrNameLst>
+                                          <p:attrName>ppt_x</p:attrName>
+                                        </p:attrNameLst>
+                                      </p:cBhvr>
+                                      <p:tavLst>
+                                        <p:tav tm="0">
+                                          <p:val>
+                                            <p:strVal val="#ppt_x"/>
+                                          </p:val>
+                                        </p:tav>
+                                        <p:tav tm="100000">
+                                          <p:val>
+                                            <p:strVal val="#ppt_x"/>
+                                          </p:val>
+                                        </p:tav>
+                                      </p:tavLst>
+                                    </p:anim>
+                                    <p:anim calcmode="lin" valueType="num">
+                                      <p:cBhvr additive="base">
+                                        <p:cTn id="20" dur="500" fill="hold"/>
+                                        <p:tgtEl>
+                                          <p:spTgt spid="3">
+                                            <p:txEl>
+                                              <p:pRg st="2" end="2"/>
+                                            </p:txEl>
+                                          </p:spTgt>
+                                        </p:tgtEl>
+                                        <p:attrNameLst>
+                                          <p:attrName>ppt_y</p:attrName>
+                                        </p:attrNameLst>
+                                      </p:cBhvr>
+                                      <p:tavLst>
+                                        <p:tav tm="0">
+                                          <p:val>
+                                            <p:strVal val="1+#ppt_h/2"/>
+                                          </p:val>
+                                        </p:tav>
+                                        <p:tav tm="100000">
+                                          <p:val>
+                                            <p:strVal val="#ppt_y"/>
+                                          </p:val>
+                                        </p:tav>
+                                      </p:tavLst>
+                                    </p:anim>
+                                  </p:childTnLst>
+                                </p:cTn>
+                              </p:par>
+                            </p:childTnLst>
+                          </p:cTn>
+                        </p:par>
+                      </p:childTnLst>
+                    </p:cTn>
+                  </p:par>
+                  <p:par>
+                    <p:cTn id="21" fill="hold">
+                      <p:stCondLst>
+                        <p:cond delay="indefinite"/>
+                      </p:stCondLst>
+                      <p:childTnLst>
+                        <p:par>
+                          <p:cTn id="22" fill="hold">
+                            <p:stCondLst>
+                              <p:cond delay="0"/>
+                            </p:stCondLst>
+                            <p:childTnLst>
+                              <p:par>
+                                <p:cTn id="23" presetID="2" presetClass="entr" presetSubtype="4" fill="hold" grpId="0" nodeType="clickEffect">
+                                  <p:stCondLst>
+                                    <p:cond delay="0"/>
+                                  </p:stCondLst>
+                                  <p:childTnLst>
+                                    <p:set>
+                                      <p:cBhvr>
+                                        <p:cTn id="24" dur="1" fill="hold">
+                                          <p:stCondLst>
+                                            <p:cond delay="0"/>
+                                          </p:stCondLst>
+                                        </p:cTn>
+                                        <p:tgtEl>
+                                          <p:spTgt spid="3">
+                                            <p:txEl>
+                                              <p:pRg st="3" end="3"/>
+                                            </p:txEl>
+                                          </p:spTgt>
+                                        </p:tgtEl>
+                                        <p:attrNameLst>
+                                          <p:attrName>style.visibility</p:attrName>
+                                        </p:attrNameLst>
+                                      </p:cBhvr>
+                                      <p:to>
+                                        <p:strVal val="visible"/>
+                                      </p:to>
+                                    </p:set>
+                                    <p:anim calcmode="lin" valueType="num">
+                                      <p:cBhvr additive="base">
+                                        <p:cTn id="25" dur="500" fill="hold"/>
+                                        <p:tgtEl>
+                                          <p:spTgt spid="3">
+                                            <p:txEl>
+                                              <p:pRg st="3" end="3"/>
+                                            </p:txEl>
+                                          </p:spTgt>
+                                        </p:tgtEl>
+                                        <p:attrNameLst>
+                                          <p:attrName>ppt_x</p:attrName>
+                                        </p:attrNameLst>
+                                      </p:cBhvr>
+                                      <p:tavLst>
+                                        <p:tav tm="0">
+                                          <p:val>
+                                            <p:strVal val="#ppt_x"/>
+                                          </p:val>
+                                        </p:tav>
+                                        <p:tav tm="100000">
+                                          <p:val>
+                                            <p:strVal val="#ppt_x"/>
+                                          </p:val>
+                                        </p:tav>
+                                      </p:tavLst>
+                                    </p:anim>
+                                    <p:anim calcmode="lin" valueType="num">
+                                      <p:cBhvr additive="base">
+                                        <p:cTn id="26" dur="500" fill="hold"/>
+                                        <p:tgtEl>
+                                          <p:spTgt spid="3">
+                                            <p:txEl>
+                                              <p:pRg st="3" end="3"/>
+                                            </p:txEl>
+                                          </p:spTgt>
+                                        </p:tgtEl>
+                                        <p:attrNameLst>
+                                          <p:attrName>ppt_y</p:attrName>
+                                        </p:attrNameLst>
+                                      </p:cBhvr>
+                                      <p:tavLst>
+                                        <p:tav tm="0">
+                                          <p:val>
+                                            <p:strVal val="1+#ppt_h/2"/>
+                                          </p:val>
+                                        </p:tav>
+                                        <p:tav tm="100000">
+                                          <p:val>
+                                            <p:strVal val="#ppt_y"/>
+                                          </p:val>
+                                        </p:tav>
+                                      </p:tavLst>
+                                    </p:anim>
+                                  </p:childTnLst>
+                                </p:cTn>
+                              </p:par>
+                            </p:childTnLst>
+                          </p:cTn>
+                        </p:par>
+                      </p:childTnLst>
+                    </p:cTn>
+                  </p:par>
+                  <p:par>
+                    <p:cTn id="27" fill="hold">
+                      <p:stCondLst>
+                        <p:cond delay="indefinite"/>
+                      </p:stCondLst>
+                      <p:childTnLst>
+                        <p:par>
+                          <p:cTn id="28" fill="hold">
+                            <p:stCondLst>
+                              <p:cond delay="0"/>
+                            </p:stCondLst>
+                            <p:childTnLst>
+                              <p:par>
+                                <p:cTn id="29" presetID="2" presetClass="entr" presetSubtype="4" fill="hold" grpId="0" nodeType="clickEffect">
+                                  <p:stCondLst>
+                                    <p:cond delay="0"/>
+                                  </p:stCondLst>
+                                  <p:childTnLst>
+                                    <p:set>
+                                      <p:cBhvr>
+                                        <p:cTn id="30" dur="1" fill="hold">
+                                          <p:stCondLst>
+                                            <p:cond delay="0"/>
+                                          </p:stCondLst>
+                                        </p:cTn>
+                                        <p:tgtEl>
+                                          <p:spTgt spid="3">
+                                            <p:txEl>
+                                              <p:pRg st="4" end="4"/>
+                                            </p:txEl>
+                                          </p:spTgt>
+                                        </p:tgtEl>
+                                        <p:attrNameLst>
+                                          <p:attrName>style.visibility</p:attrName>
+                                        </p:attrNameLst>
+                                      </p:cBhvr>
+                                      <p:to>
+                                        <p:strVal val="visible"/>
+                                      </p:to>
+                                    </p:set>
+                                    <p:anim calcmode="lin" valueType="num">
+                                      <p:cBhvr additive="base">
+                                        <p:cTn id="31" dur="500" fill="hold"/>
+                                        <p:tgtEl>
+                                          <p:spTgt spid="3">
+                                            <p:txEl>
+                                              <p:pRg st="4" end="4"/>
+                                            </p:txEl>
+                                          </p:spTgt>
+                                        </p:tgtEl>
+                                        <p:attrNameLst>
+                                          <p:attrName>ppt_x</p:attrName>
+                                        </p:attrNameLst>
+                                      </p:cBhvr>
+                                      <p:tavLst>
+                                        <p:tav tm="0">
+                                          <p:val>
+                                            <p:strVal val="#ppt_x"/>
+                                          </p:val>
+                                        </p:tav>
+                                        <p:tav tm="100000">
+                                          <p:val>
+                                            <p:strVal val="#ppt_x"/>
+                                          </p:val>
+                                        </p:tav>
+                                      </p:tavLst>
+                                    </p:anim>
+                                    <p:anim calcmode="lin" valueType="num">
+                                      <p:cBhvr additive="base">
+                                        <p:cTn id="32" dur="500" fill="hold"/>
+                                        <p:tgtEl>
+                                          <p:spTgt spid="3">
+                                            <p:txEl>
+                                              <p:pRg st="4" end="4"/>
+                                            </p:txEl>
+                                          </p:spTgt>
+                                        </p:tgtEl>
+                                        <p:attrNameLst>
+                                          <p:attrName>ppt_y</p:attrName>
+                                        </p:attrNameLst>
+                                      </p:cBhvr>
+                                      <p:tavLst>
+                                        <p:tav tm="0">
+                                          <p:val>
+                                            <p:strVal val="1+#ppt_h/2"/>
+                                          </p:val>
+                                        </p:tav>
+                                        <p:tav tm="100000">
+                                          <p:val>
+                                            <p:strVal val="#ppt_y"/>
+                                          </p:val>
+                                        </p:tav>
+                                      </p:tavLst>
+                                    </p:anim>
+                                  </p:childTnLst>
+                                </p:cTn>
+                              </p:par>
+                            </p:childTnLst>
+                          </p:cTn>
+                        </p:par>
+                      </p:childTnLst>
+                    </p:cTn>
+                  </p:par>
+                </p:childTnLst>
+              </p:cTn>
+              <p:prevCondLst>
+                <p:cond evt="onPrev" delay="0">
+                  <p:tgtEl>
+                    <p:sldTgt/>
+                  </p:tgtEl>
+                </p:cond>
+              </p:prevCondLst>
+              <p:nextCondLst>
+                <p:cond evt="onNext" delay="0">
+                  <p:tgtEl>
+                    <p:sldTgt/>
+                  </p:tgtEl>
+                </p:cond>
+              </p:nextCondLst>
+            </p:seq>
+          </p:childTnLst>
+        </p:cTn>
+      </p:par>
+    </p:tnLst>
+    <p:bldLst>
+      <p:bldP spid="3" grpId="0" build="p"/>
+    </p:bldLst>
+  </p:timing>
 </p:sld>
 </file>
 
@@ -4186,7 +5786,7 @@
           <p:cNvPr id="2" name="Título 1">
             <a:extLst>
               <a:ext uri="{FF2B5EF4-FFF2-40B4-BE49-F238E27FC236}">
-                <a16:creationId xmlns:a16="http://schemas.microsoft.com/office/drawing/2014/main" id="{DBE817D1-B90E-4810-8323-0AE12B6C9669}"/>
+                <a16:creationId xmlns:a16="http://schemas.microsoft.com/office/drawing/2014/main" id="{0FF769C5-CD92-4819-A73A-E94B35A70BD1}"/>
               </a:ext>
             </a:extLst>
           </p:cNvPr>
@@ -4203,8 +5803,8 @@
           <a:lstStyle/>
           <a:p>
             <a:r>
-              <a:rPr lang="pt-BR" dirty="0"/>
-              <a:t>Fazendo o que é viável.</a:t>
+              <a:rPr lang="pt-BR" b="1" dirty="0"/>
+              <a:t>Scrum Master o Guia.</a:t>
             </a:r>
           </a:p>
         </p:txBody>
@@ -4214,7 +5814,7 @@
           <p:cNvPr id="3" name="Espaço Reservado para Conteúdo 2">
             <a:extLst>
               <a:ext uri="{FF2B5EF4-FFF2-40B4-BE49-F238E27FC236}">
-                <a16:creationId xmlns:a16="http://schemas.microsoft.com/office/drawing/2014/main" id="{F1EC04B2-68D0-4294-937D-8A84E53D75A4}"/>
+                <a16:creationId xmlns:a16="http://schemas.microsoft.com/office/drawing/2014/main" id="{62217833-C9CA-4EC2-8436-9906F6519869}"/>
               </a:ext>
             </a:extLst>
           </p:cNvPr>
@@ -4232,33 +5832,40 @@
           <a:p>
             <a:r>
               <a:rPr lang="pt-BR" dirty="0"/>
-              <a:t>Não Existe bala de prata</a:t>
+              <a:t>Mestre no framework.</a:t>
             </a:r>
           </a:p>
           <a:p>
             <a:r>
               <a:rPr lang="pt-BR" dirty="0"/>
-              <a:t>Pode ser que não dê certo e isso não é o fim do mundo</a:t>
+              <a:t>Ele que convence.</a:t>
             </a:r>
           </a:p>
           <a:p>
             <a:r>
               <a:rPr lang="pt-BR" dirty="0"/>
-              <a:t>Não existe só o </a:t>
-            </a:r>
-            <a:r>
-              <a:rPr lang="pt-BR" dirty="0" err="1"/>
-              <a:t>scrum</a:t>
-            </a:r>
+              <a:t>Servidor.</a:t>
+            </a:r>
+          </a:p>
+          <a:p>
             <a:r>
               <a:rPr lang="pt-BR" dirty="0"/>
-              <a:t>...</a:t>
-            </a:r>
-          </a:p>
-          <a:p>
-            <a:pPr marL="0" indent="0">
-              <a:buNone/>
-            </a:pPr>
+              <a:t>Não Gerencia.</a:t>
+            </a:r>
+          </a:p>
+          <a:p>
+            <a:r>
+              <a:rPr lang="pt-BR" dirty="0"/>
+              <a:t>Remove impedimentos.</a:t>
+            </a:r>
+          </a:p>
+          <a:p>
+            <a:r>
+              <a:rPr lang="pt-BR" dirty="0"/>
+              <a:t>Acha que dá pra ser qualquer um?</a:t>
+            </a:r>
+          </a:p>
+          <a:p>
             <a:endParaRPr lang="pt-BR" dirty="0"/>
           </a:p>
         </p:txBody>
@@ -4266,13 +5873,667 @@
     </p:spTree>
     <p:extLst>
       <p:ext uri="{BB962C8B-B14F-4D97-AF65-F5344CB8AC3E}">
-        <p14:creationId xmlns:p14="http://schemas.microsoft.com/office/powerpoint/2010/main" val="1035146564"/>
+        <p14:creationId xmlns:p14="http://schemas.microsoft.com/office/powerpoint/2010/main" val="1676157697"/>
       </p:ext>
     </p:extLst>
   </p:cSld>
   <p:clrMapOvr>
     <a:masterClrMapping/>
   </p:clrMapOvr>
+  <p:transition spd="slow">
+    <p:wipe/>
+  </p:transition>
+  <p:timing>
+    <p:tnLst>
+      <p:par>
+        <p:cTn id="1" dur="indefinite" restart="never" nodeType="tmRoot">
+          <p:childTnLst>
+            <p:seq concurrent="1" nextAc="seek">
+              <p:cTn id="2" dur="indefinite" nodeType="mainSeq">
+                <p:childTnLst>
+                  <p:par>
+                    <p:cTn id="3" fill="hold">
+                      <p:stCondLst>
+                        <p:cond delay="indefinite"/>
+                      </p:stCondLst>
+                      <p:childTnLst>
+                        <p:par>
+                          <p:cTn id="4" fill="hold">
+                            <p:stCondLst>
+                              <p:cond delay="0"/>
+                            </p:stCondLst>
+                            <p:childTnLst>
+                              <p:par>
+                                <p:cTn id="5" presetID="2" presetClass="entr" presetSubtype="4" fill="hold" grpId="0" nodeType="clickEffect">
+                                  <p:stCondLst>
+                                    <p:cond delay="0"/>
+                                  </p:stCondLst>
+                                  <p:childTnLst>
+                                    <p:set>
+                                      <p:cBhvr>
+                                        <p:cTn id="6" dur="1" fill="hold">
+                                          <p:stCondLst>
+                                            <p:cond delay="0"/>
+                                          </p:stCondLst>
+                                        </p:cTn>
+                                        <p:tgtEl>
+                                          <p:spTgt spid="3">
+                                            <p:txEl>
+                                              <p:pRg st="0" end="0"/>
+                                            </p:txEl>
+                                          </p:spTgt>
+                                        </p:tgtEl>
+                                        <p:attrNameLst>
+                                          <p:attrName>style.visibility</p:attrName>
+                                        </p:attrNameLst>
+                                      </p:cBhvr>
+                                      <p:to>
+                                        <p:strVal val="visible"/>
+                                      </p:to>
+                                    </p:set>
+                                    <p:anim calcmode="lin" valueType="num">
+                                      <p:cBhvr additive="base">
+                                        <p:cTn id="7" dur="500" fill="hold"/>
+                                        <p:tgtEl>
+                                          <p:spTgt spid="3">
+                                            <p:txEl>
+                                              <p:pRg st="0" end="0"/>
+                                            </p:txEl>
+                                          </p:spTgt>
+                                        </p:tgtEl>
+                                        <p:attrNameLst>
+                                          <p:attrName>ppt_x</p:attrName>
+                                        </p:attrNameLst>
+                                      </p:cBhvr>
+                                      <p:tavLst>
+                                        <p:tav tm="0">
+                                          <p:val>
+                                            <p:strVal val="#ppt_x"/>
+                                          </p:val>
+                                        </p:tav>
+                                        <p:tav tm="100000">
+                                          <p:val>
+                                            <p:strVal val="#ppt_x"/>
+                                          </p:val>
+                                        </p:tav>
+                                      </p:tavLst>
+                                    </p:anim>
+                                    <p:anim calcmode="lin" valueType="num">
+                                      <p:cBhvr additive="base">
+                                        <p:cTn id="8" dur="500" fill="hold"/>
+                                        <p:tgtEl>
+                                          <p:spTgt spid="3">
+                                            <p:txEl>
+                                              <p:pRg st="0" end="0"/>
+                                            </p:txEl>
+                                          </p:spTgt>
+                                        </p:tgtEl>
+                                        <p:attrNameLst>
+                                          <p:attrName>ppt_y</p:attrName>
+                                        </p:attrNameLst>
+                                      </p:cBhvr>
+                                      <p:tavLst>
+                                        <p:tav tm="0">
+                                          <p:val>
+                                            <p:strVal val="1+#ppt_h/2"/>
+                                          </p:val>
+                                        </p:tav>
+                                        <p:tav tm="100000">
+                                          <p:val>
+                                            <p:strVal val="#ppt_y"/>
+                                          </p:val>
+                                        </p:tav>
+                                      </p:tavLst>
+                                    </p:anim>
+                                  </p:childTnLst>
+                                </p:cTn>
+                              </p:par>
+                            </p:childTnLst>
+                          </p:cTn>
+                        </p:par>
+                      </p:childTnLst>
+                    </p:cTn>
+                  </p:par>
+                  <p:par>
+                    <p:cTn id="9" fill="hold">
+                      <p:stCondLst>
+                        <p:cond delay="indefinite"/>
+                      </p:stCondLst>
+                      <p:childTnLst>
+                        <p:par>
+                          <p:cTn id="10" fill="hold">
+                            <p:stCondLst>
+                              <p:cond delay="0"/>
+                            </p:stCondLst>
+                            <p:childTnLst>
+                              <p:par>
+                                <p:cTn id="11" presetID="2" presetClass="entr" presetSubtype="4" fill="hold" grpId="0" nodeType="clickEffect">
+                                  <p:stCondLst>
+                                    <p:cond delay="0"/>
+                                  </p:stCondLst>
+                                  <p:childTnLst>
+                                    <p:set>
+                                      <p:cBhvr>
+                                        <p:cTn id="12" dur="1" fill="hold">
+                                          <p:stCondLst>
+                                            <p:cond delay="0"/>
+                                          </p:stCondLst>
+                                        </p:cTn>
+                                        <p:tgtEl>
+                                          <p:spTgt spid="3">
+                                            <p:txEl>
+                                              <p:pRg st="1" end="1"/>
+                                            </p:txEl>
+                                          </p:spTgt>
+                                        </p:tgtEl>
+                                        <p:attrNameLst>
+                                          <p:attrName>style.visibility</p:attrName>
+                                        </p:attrNameLst>
+                                      </p:cBhvr>
+                                      <p:to>
+                                        <p:strVal val="visible"/>
+                                      </p:to>
+                                    </p:set>
+                                    <p:anim calcmode="lin" valueType="num">
+                                      <p:cBhvr additive="base">
+                                        <p:cTn id="13" dur="500" fill="hold"/>
+                                        <p:tgtEl>
+                                          <p:spTgt spid="3">
+                                            <p:txEl>
+                                              <p:pRg st="1" end="1"/>
+                                            </p:txEl>
+                                          </p:spTgt>
+                                        </p:tgtEl>
+                                        <p:attrNameLst>
+                                          <p:attrName>ppt_x</p:attrName>
+                                        </p:attrNameLst>
+                                      </p:cBhvr>
+                                      <p:tavLst>
+                                        <p:tav tm="0">
+                                          <p:val>
+                                            <p:strVal val="#ppt_x"/>
+                                          </p:val>
+                                        </p:tav>
+                                        <p:tav tm="100000">
+                                          <p:val>
+                                            <p:strVal val="#ppt_x"/>
+                                          </p:val>
+                                        </p:tav>
+                                      </p:tavLst>
+                                    </p:anim>
+                                    <p:anim calcmode="lin" valueType="num">
+                                      <p:cBhvr additive="base">
+                                        <p:cTn id="14" dur="500" fill="hold"/>
+                                        <p:tgtEl>
+                                          <p:spTgt spid="3">
+                                            <p:txEl>
+                                              <p:pRg st="1" end="1"/>
+                                            </p:txEl>
+                                          </p:spTgt>
+                                        </p:tgtEl>
+                                        <p:attrNameLst>
+                                          <p:attrName>ppt_y</p:attrName>
+                                        </p:attrNameLst>
+                                      </p:cBhvr>
+                                      <p:tavLst>
+                                        <p:tav tm="0">
+                                          <p:val>
+                                            <p:strVal val="1+#ppt_h/2"/>
+                                          </p:val>
+                                        </p:tav>
+                                        <p:tav tm="100000">
+                                          <p:val>
+                                            <p:strVal val="#ppt_y"/>
+                                          </p:val>
+                                        </p:tav>
+                                      </p:tavLst>
+                                    </p:anim>
+                                  </p:childTnLst>
+                                </p:cTn>
+                              </p:par>
+                            </p:childTnLst>
+                          </p:cTn>
+                        </p:par>
+                      </p:childTnLst>
+                    </p:cTn>
+                  </p:par>
+                  <p:par>
+                    <p:cTn id="15" fill="hold">
+                      <p:stCondLst>
+                        <p:cond delay="indefinite"/>
+                      </p:stCondLst>
+                      <p:childTnLst>
+                        <p:par>
+                          <p:cTn id="16" fill="hold">
+                            <p:stCondLst>
+                              <p:cond delay="0"/>
+                            </p:stCondLst>
+                            <p:childTnLst>
+                              <p:par>
+                                <p:cTn id="17" presetID="2" presetClass="entr" presetSubtype="4" fill="hold" grpId="0" nodeType="clickEffect">
+                                  <p:stCondLst>
+                                    <p:cond delay="0"/>
+                                  </p:stCondLst>
+                                  <p:childTnLst>
+                                    <p:set>
+                                      <p:cBhvr>
+                                        <p:cTn id="18" dur="1" fill="hold">
+                                          <p:stCondLst>
+                                            <p:cond delay="0"/>
+                                          </p:stCondLst>
+                                        </p:cTn>
+                                        <p:tgtEl>
+                                          <p:spTgt spid="3">
+                                            <p:txEl>
+                                              <p:pRg st="2" end="2"/>
+                                            </p:txEl>
+                                          </p:spTgt>
+                                        </p:tgtEl>
+                                        <p:attrNameLst>
+                                          <p:attrName>style.visibility</p:attrName>
+                                        </p:attrNameLst>
+                                      </p:cBhvr>
+                                      <p:to>
+                                        <p:strVal val="visible"/>
+                                      </p:to>
+                                    </p:set>
+                                    <p:anim calcmode="lin" valueType="num">
+                                      <p:cBhvr additive="base">
+                                        <p:cTn id="19" dur="500" fill="hold"/>
+                                        <p:tgtEl>
+                                          <p:spTgt spid="3">
+                                            <p:txEl>
+                                              <p:pRg st="2" end="2"/>
+                                            </p:txEl>
+                                          </p:spTgt>
+                                        </p:tgtEl>
+                                        <p:attrNameLst>
+                                          <p:attrName>ppt_x</p:attrName>
+                                        </p:attrNameLst>
+                                      </p:cBhvr>
+                                      <p:tavLst>
+                                        <p:tav tm="0">
+                                          <p:val>
+                                            <p:strVal val="#ppt_x"/>
+                                          </p:val>
+                                        </p:tav>
+                                        <p:tav tm="100000">
+                                          <p:val>
+                                            <p:strVal val="#ppt_x"/>
+                                          </p:val>
+                                        </p:tav>
+                                      </p:tavLst>
+                                    </p:anim>
+                                    <p:anim calcmode="lin" valueType="num">
+                                      <p:cBhvr additive="base">
+                                        <p:cTn id="20" dur="500" fill="hold"/>
+                                        <p:tgtEl>
+                                          <p:spTgt spid="3">
+                                            <p:txEl>
+                                              <p:pRg st="2" end="2"/>
+                                            </p:txEl>
+                                          </p:spTgt>
+                                        </p:tgtEl>
+                                        <p:attrNameLst>
+                                          <p:attrName>ppt_y</p:attrName>
+                                        </p:attrNameLst>
+                                      </p:cBhvr>
+                                      <p:tavLst>
+                                        <p:tav tm="0">
+                                          <p:val>
+                                            <p:strVal val="1+#ppt_h/2"/>
+                                          </p:val>
+                                        </p:tav>
+                                        <p:tav tm="100000">
+                                          <p:val>
+                                            <p:strVal val="#ppt_y"/>
+                                          </p:val>
+                                        </p:tav>
+                                      </p:tavLst>
+                                    </p:anim>
+                                  </p:childTnLst>
+                                </p:cTn>
+                              </p:par>
+                            </p:childTnLst>
+                          </p:cTn>
+                        </p:par>
+                      </p:childTnLst>
+                    </p:cTn>
+                  </p:par>
+                  <p:par>
+                    <p:cTn id="21" fill="hold">
+                      <p:stCondLst>
+                        <p:cond delay="indefinite"/>
+                      </p:stCondLst>
+                      <p:childTnLst>
+                        <p:par>
+                          <p:cTn id="22" fill="hold">
+                            <p:stCondLst>
+                              <p:cond delay="0"/>
+                            </p:stCondLst>
+                            <p:childTnLst>
+                              <p:par>
+                                <p:cTn id="23" presetID="2" presetClass="entr" presetSubtype="4" fill="hold" grpId="0" nodeType="clickEffect">
+                                  <p:stCondLst>
+                                    <p:cond delay="0"/>
+                                  </p:stCondLst>
+                                  <p:childTnLst>
+                                    <p:set>
+                                      <p:cBhvr>
+                                        <p:cTn id="24" dur="1" fill="hold">
+                                          <p:stCondLst>
+                                            <p:cond delay="0"/>
+                                          </p:stCondLst>
+                                        </p:cTn>
+                                        <p:tgtEl>
+                                          <p:spTgt spid="3">
+                                            <p:txEl>
+                                              <p:pRg st="3" end="3"/>
+                                            </p:txEl>
+                                          </p:spTgt>
+                                        </p:tgtEl>
+                                        <p:attrNameLst>
+                                          <p:attrName>style.visibility</p:attrName>
+                                        </p:attrNameLst>
+                                      </p:cBhvr>
+                                      <p:to>
+                                        <p:strVal val="visible"/>
+                                      </p:to>
+                                    </p:set>
+                                    <p:anim calcmode="lin" valueType="num">
+                                      <p:cBhvr additive="base">
+                                        <p:cTn id="25" dur="500" fill="hold"/>
+                                        <p:tgtEl>
+                                          <p:spTgt spid="3">
+                                            <p:txEl>
+                                              <p:pRg st="3" end="3"/>
+                                            </p:txEl>
+                                          </p:spTgt>
+                                        </p:tgtEl>
+                                        <p:attrNameLst>
+                                          <p:attrName>ppt_x</p:attrName>
+                                        </p:attrNameLst>
+                                      </p:cBhvr>
+                                      <p:tavLst>
+                                        <p:tav tm="0">
+                                          <p:val>
+                                            <p:strVal val="#ppt_x"/>
+                                          </p:val>
+                                        </p:tav>
+                                        <p:tav tm="100000">
+                                          <p:val>
+                                            <p:strVal val="#ppt_x"/>
+                                          </p:val>
+                                        </p:tav>
+                                      </p:tavLst>
+                                    </p:anim>
+                                    <p:anim calcmode="lin" valueType="num">
+                                      <p:cBhvr additive="base">
+                                        <p:cTn id="26" dur="500" fill="hold"/>
+                                        <p:tgtEl>
+                                          <p:spTgt spid="3">
+                                            <p:txEl>
+                                              <p:pRg st="3" end="3"/>
+                                            </p:txEl>
+                                          </p:spTgt>
+                                        </p:tgtEl>
+                                        <p:attrNameLst>
+                                          <p:attrName>ppt_y</p:attrName>
+                                        </p:attrNameLst>
+                                      </p:cBhvr>
+                                      <p:tavLst>
+                                        <p:tav tm="0">
+                                          <p:val>
+                                            <p:strVal val="1+#ppt_h/2"/>
+                                          </p:val>
+                                        </p:tav>
+                                        <p:tav tm="100000">
+                                          <p:val>
+                                            <p:strVal val="#ppt_y"/>
+                                          </p:val>
+                                        </p:tav>
+                                      </p:tavLst>
+                                    </p:anim>
+                                  </p:childTnLst>
+                                </p:cTn>
+                              </p:par>
+                            </p:childTnLst>
+                          </p:cTn>
+                        </p:par>
+                      </p:childTnLst>
+                    </p:cTn>
+                  </p:par>
+                  <p:par>
+                    <p:cTn id="27" fill="hold">
+                      <p:stCondLst>
+                        <p:cond delay="indefinite"/>
+                      </p:stCondLst>
+                      <p:childTnLst>
+                        <p:par>
+                          <p:cTn id="28" fill="hold">
+                            <p:stCondLst>
+                              <p:cond delay="0"/>
+                            </p:stCondLst>
+                            <p:childTnLst>
+                              <p:par>
+                                <p:cTn id="29" presetID="2" presetClass="entr" presetSubtype="4" fill="hold" grpId="0" nodeType="clickEffect">
+                                  <p:stCondLst>
+                                    <p:cond delay="0"/>
+                                  </p:stCondLst>
+                                  <p:childTnLst>
+                                    <p:set>
+                                      <p:cBhvr>
+                                        <p:cTn id="30" dur="1" fill="hold">
+                                          <p:stCondLst>
+                                            <p:cond delay="0"/>
+                                          </p:stCondLst>
+                                        </p:cTn>
+                                        <p:tgtEl>
+                                          <p:spTgt spid="3">
+                                            <p:txEl>
+                                              <p:pRg st="4" end="4"/>
+                                            </p:txEl>
+                                          </p:spTgt>
+                                        </p:tgtEl>
+                                        <p:attrNameLst>
+                                          <p:attrName>style.visibility</p:attrName>
+                                        </p:attrNameLst>
+                                      </p:cBhvr>
+                                      <p:to>
+                                        <p:strVal val="visible"/>
+                                      </p:to>
+                                    </p:set>
+                                    <p:anim calcmode="lin" valueType="num">
+                                      <p:cBhvr additive="base">
+                                        <p:cTn id="31" dur="500" fill="hold"/>
+                                        <p:tgtEl>
+                                          <p:spTgt spid="3">
+                                            <p:txEl>
+                                              <p:pRg st="4" end="4"/>
+                                            </p:txEl>
+                                          </p:spTgt>
+                                        </p:tgtEl>
+                                        <p:attrNameLst>
+                                          <p:attrName>ppt_x</p:attrName>
+                                        </p:attrNameLst>
+                                      </p:cBhvr>
+                                      <p:tavLst>
+                                        <p:tav tm="0">
+                                          <p:val>
+                                            <p:strVal val="#ppt_x"/>
+                                          </p:val>
+                                        </p:tav>
+                                        <p:tav tm="100000">
+                                          <p:val>
+                                            <p:strVal val="#ppt_x"/>
+                                          </p:val>
+                                        </p:tav>
+                                      </p:tavLst>
+                                    </p:anim>
+                                    <p:anim calcmode="lin" valueType="num">
+                                      <p:cBhvr additive="base">
+                                        <p:cTn id="32" dur="500" fill="hold"/>
+                                        <p:tgtEl>
+                                          <p:spTgt spid="3">
+                                            <p:txEl>
+                                              <p:pRg st="4" end="4"/>
+                                            </p:txEl>
+                                          </p:spTgt>
+                                        </p:tgtEl>
+                                        <p:attrNameLst>
+                                          <p:attrName>ppt_y</p:attrName>
+                                        </p:attrNameLst>
+                                      </p:cBhvr>
+                                      <p:tavLst>
+                                        <p:tav tm="0">
+                                          <p:val>
+                                            <p:strVal val="1+#ppt_h/2"/>
+                                          </p:val>
+                                        </p:tav>
+                                        <p:tav tm="100000">
+                                          <p:val>
+                                            <p:strVal val="#ppt_y"/>
+                                          </p:val>
+                                        </p:tav>
+                                      </p:tavLst>
+                                    </p:anim>
+                                  </p:childTnLst>
+                                </p:cTn>
+                              </p:par>
+                            </p:childTnLst>
+                          </p:cTn>
+                        </p:par>
+                      </p:childTnLst>
+                    </p:cTn>
+                  </p:par>
+                  <p:par>
+                    <p:cTn id="33" fill="hold">
+                      <p:stCondLst>
+                        <p:cond delay="indefinite"/>
+                      </p:stCondLst>
+                      <p:childTnLst>
+                        <p:par>
+                          <p:cTn id="34" fill="hold">
+                            <p:stCondLst>
+                              <p:cond delay="0"/>
+                            </p:stCondLst>
+                            <p:childTnLst>
+                              <p:par>
+                                <p:cTn id="35" presetID="2" presetClass="entr" presetSubtype="4" fill="hold" grpId="0" nodeType="clickEffect">
+                                  <p:stCondLst>
+                                    <p:cond delay="0"/>
+                                  </p:stCondLst>
+                                  <p:childTnLst>
+                                    <p:set>
+                                      <p:cBhvr>
+                                        <p:cTn id="36" dur="1" fill="hold">
+                                          <p:stCondLst>
+                                            <p:cond delay="0"/>
+                                          </p:stCondLst>
+                                        </p:cTn>
+                                        <p:tgtEl>
+                                          <p:spTgt spid="3">
+                                            <p:txEl>
+                                              <p:pRg st="5" end="5"/>
+                                            </p:txEl>
+                                          </p:spTgt>
+                                        </p:tgtEl>
+                                        <p:attrNameLst>
+                                          <p:attrName>style.visibility</p:attrName>
+                                        </p:attrNameLst>
+                                      </p:cBhvr>
+                                      <p:to>
+                                        <p:strVal val="visible"/>
+                                      </p:to>
+                                    </p:set>
+                                    <p:anim calcmode="lin" valueType="num">
+                                      <p:cBhvr additive="base">
+                                        <p:cTn id="37" dur="500" fill="hold"/>
+                                        <p:tgtEl>
+                                          <p:spTgt spid="3">
+                                            <p:txEl>
+                                              <p:pRg st="5" end="5"/>
+                                            </p:txEl>
+                                          </p:spTgt>
+                                        </p:tgtEl>
+                                        <p:attrNameLst>
+                                          <p:attrName>ppt_x</p:attrName>
+                                        </p:attrNameLst>
+                                      </p:cBhvr>
+                                      <p:tavLst>
+                                        <p:tav tm="0">
+                                          <p:val>
+                                            <p:strVal val="#ppt_x"/>
+                                          </p:val>
+                                        </p:tav>
+                                        <p:tav tm="100000">
+                                          <p:val>
+                                            <p:strVal val="#ppt_x"/>
+                                          </p:val>
+                                        </p:tav>
+                                      </p:tavLst>
+                                    </p:anim>
+                                    <p:anim calcmode="lin" valueType="num">
+                                      <p:cBhvr additive="base">
+                                        <p:cTn id="38" dur="500" fill="hold"/>
+                                        <p:tgtEl>
+                                          <p:spTgt spid="3">
+                                            <p:txEl>
+                                              <p:pRg st="5" end="5"/>
+                                            </p:txEl>
+                                          </p:spTgt>
+                                        </p:tgtEl>
+                                        <p:attrNameLst>
+                                          <p:attrName>ppt_y</p:attrName>
+                                        </p:attrNameLst>
+                                      </p:cBhvr>
+                                      <p:tavLst>
+                                        <p:tav tm="0">
+                                          <p:val>
+                                            <p:strVal val="1+#ppt_h/2"/>
+                                          </p:val>
+                                        </p:tav>
+                                        <p:tav tm="100000">
+                                          <p:val>
+                                            <p:strVal val="#ppt_y"/>
+                                          </p:val>
+                                        </p:tav>
+                                      </p:tavLst>
+                                    </p:anim>
+                                  </p:childTnLst>
+                                </p:cTn>
+                              </p:par>
+                            </p:childTnLst>
+                          </p:cTn>
+                        </p:par>
+                      </p:childTnLst>
+                    </p:cTn>
+                  </p:par>
+                </p:childTnLst>
+              </p:cTn>
+              <p:prevCondLst>
+                <p:cond evt="onPrev" delay="0">
+                  <p:tgtEl>
+                    <p:sldTgt/>
+                  </p:tgtEl>
+                </p:cond>
+              </p:prevCondLst>
+              <p:nextCondLst>
+                <p:cond evt="onNext" delay="0">
+                  <p:tgtEl>
+                    <p:sldTgt/>
+                  </p:tgtEl>
+                </p:cond>
+              </p:nextCondLst>
+            </p:seq>
+          </p:childTnLst>
+        </p:cTn>
+      </p:par>
+    </p:tnLst>
+    <p:bldLst>
+      <p:bldP spid="3" grpId="0" build="p"/>
+    </p:bldLst>
+  </p:timing>
 </p:sld>
 </file>
 
@@ -4298,7 +6559,7 @@
           <p:cNvPr id="2" name="Título 1">
             <a:extLst>
               <a:ext uri="{FF2B5EF4-FFF2-40B4-BE49-F238E27FC236}">
-                <a16:creationId xmlns:a16="http://schemas.microsoft.com/office/drawing/2014/main" id="{C244A1E2-78D8-4E51-AD6B-AEF7141700DF}"/>
+                <a16:creationId xmlns:a16="http://schemas.microsoft.com/office/drawing/2014/main" id="{DBE817D1-B90E-4810-8323-0AE12B6C9669}"/>
               </a:ext>
             </a:extLst>
           </p:cNvPr>
@@ -4315,8 +6576,8 @@
           <a:lstStyle/>
           <a:p>
             <a:r>
-              <a:rPr lang="pt-BR" dirty="0"/>
-              <a:t>Estamos Prontos?</a:t>
+              <a:rPr lang="pt-BR" b="1" dirty="0"/>
+              <a:t>Fazendo o que é viável.</a:t>
             </a:r>
           </a:p>
         </p:txBody>
@@ -4326,7 +6587,7 @@
           <p:cNvPr id="3" name="Espaço Reservado para Conteúdo 2">
             <a:extLst>
               <a:ext uri="{FF2B5EF4-FFF2-40B4-BE49-F238E27FC236}">
-                <a16:creationId xmlns:a16="http://schemas.microsoft.com/office/drawing/2014/main" id="{7CCE04F2-4CED-495D-9D45-2B867380B492}"/>
+                <a16:creationId xmlns:a16="http://schemas.microsoft.com/office/drawing/2014/main" id="{F1EC04B2-68D0-4294-937D-8A84E53D75A4}"/>
               </a:ext>
             </a:extLst>
           </p:cNvPr>
@@ -4344,41 +6605,19 @@
           <a:p>
             <a:r>
               <a:rPr lang="pt-BR" dirty="0"/>
-              <a:t>Talvez não seja a hora</a:t>
+              <a:t>Não Existe bala de prata.</a:t>
             </a:r>
           </a:p>
           <a:p>
             <a:r>
               <a:rPr lang="pt-BR" dirty="0"/>
-              <a:t>Talvez ainda não estejamos maduros </a:t>
+              <a:t>Vai ser difícil, mas praticando funciona...</a:t>
             </a:r>
           </a:p>
           <a:p>
             <a:r>
               <a:rPr lang="pt-BR" dirty="0"/>
-              <a:t>Talvez seu </a:t>
-            </a:r>
-            <a:r>
-              <a:rPr lang="pt-BR" dirty="0" err="1"/>
-              <a:t>scrum</a:t>
-            </a:r>
-            <a:r>
-              <a:rPr lang="pt-BR" dirty="0"/>
-              <a:t> master não seja tão Master!!!</a:t>
-            </a:r>
-          </a:p>
-          <a:p>
-            <a:r>
-              <a:rPr lang="pt-BR" dirty="0"/>
-              <a:t>Tem </a:t>
-            </a:r>
-            <a:r>
-              <a:rPr lang="pt-BR" dirty="0" err="1"/>
-              <a:t>Kanbam</a:t>
-            </a:r>
-            <a:r>
-              <a:rPr lang="pt-BR" dirty="0"/>
-              <a:t>, XP, TDD ... Tenta começar com um desses.</a:t>
+              <a:t>O Scrum é adaptável, mas não exageremos.</a:t>
             </a:r>
           </a:p>
           <a:p>
@@ -4392,13 +6631,394 @@
     </p:spTree>
     <p:extLst>
       <p:ext uri="{BB962C8B-B14F-4D97-AF65-F5344CB8AC3E}">
-        <p14:creationId xmlns:p14="http://schemas.microsoft.com/office/powerpoint/2010/main" val="235804216"/>
+        <p14:creationId xmlns:p14="http://schemas.microsoft.com/office/powerpoint/2010/main" val="1035146564"/>
       </p:ext>
     </p:extLst>
   </p:cSld>
   <p:clrMapOvr>
     <a:masterClrMapping/>
   </p:clrMapOvr>
+  <p:transition spd="slow">
+    <p:wipe/>
+  </p:transition>
+  <p:timing>
+    <p:tnLst>
+      <p:par>
+        <p:cTn id="1" dur="indefinite" restart="never" nodeType="tmRoot">
+          <p:childTnLst>
+            <p:seq concurrent="1" nextAc="seek">
+              <p:cTn id="2" dur="indefinite" nodeType="mainSeq">
+                <p:childTnLst>
+                  <p:par>
+                    <p:cTn id="3" fill="hold">
+                      <p:stCondLst>
+                        <p:cond delay="indefinite"/>
+                      </p:stCondLst>
+                      <p:childTnLst>
+                        <p:par>
+                          <p:cTn id="4" fill="hold">
+                            <p:stCondLst>
+                              <p:cond delay="0"/>
+                            </p:stCondLst>
+                            <p:childTnLst>
+                              <p:par>
+                                <p:cTn id="5" presetID="42" presetClass="entr" presetSubtype="0" fill="hold" grpId="0" nodeType="clickEffect">
+                                  <p:stCondLst>
+                                    <p:cond delay="0"/>
+                                  </p:stCondLst>
+                                  <p:childTnLst>
+                                    <p:set>
+                                      <p:cBhvr>
+                                        <p:cTn id="6" dur="1" fill="hold">
+                                          <p:stCondLst>
+                                            <p:cond delay="0"/>
+                                          </p:stCondLst>
+                                        </p:cTn>
+                                        <p:tgtEl>
+                                          <p:spTgt spid="3">
+                                            <p:txEl>
+                                              <p:pRg st="0" end="0"/>
+                                            </p:txEl>
+                                          </p:spTgt>
+                                        </p:tgtEl>
+                                        <p:attrNameLst>
+                                          <p:attrName>style.visibility</p:attrName>
+                                        </p:attrNameLst>
+                                      </p:cBhvr>
+                                      <p:to>
+                                        <p:strVal val="visible"/>
+                                      </p:to>
+                                    </p:set>
+                                    <p:animEffect transition="in" filter="fade">
+                                      <p:cBhvr>
+                                        <p:cTn id="7" dur="1000"/>
+                                        <p:tgtEl>
+                                          <p:spTgt spid="3">
+                                            <p:txEl>
+                                              <p:pRg st="0" end="0"/>
+                                            </p:txEl>
+                                          </p:spTgt>
+                                        </p:tgtEl>
+                                      </p:cBhvr>
+                                    </p:animEffect>
+                                    <p:anim calcmode="lin" valueType="num">
+                                      <p:cBhvr>
+                                        <p:cTn id="8" dur="1000" fill="hold"/>
+                                        <p:tgtEl>
+                                          <p:spTgt spid="3">
+                                            <p:txEl>
+                                              <p:pRg st="0" end="0"/>
+                                            </p:txEl>
+                                          </p:spTgt>
+                                        </p:tgtEl>
+                                        <p:attrNameLst>
+                                          <p:attrName>ppt_x</p:attrName>
+                                        </p:attrNameLst>
+                                      </p:cBhvr>
+                                      <p:tavLst>
+                                        <p:tav tm="0">
+                                          <p:val>
+                                            <p:strVal val="#ppt_x"/>
+                                          </p:val>
+                                        </p:tav>
+                                        <p:tav tm="100000">
+                                          <p:val>
+                                            <p:strVal val="#ppt_x"/>
+                                          </p:val>
+                                        </p:tav>
+                                      </p:tavLst>
+                                    </p:anim>
+                                    <p:anim calcmode="lin" valueType="num">
+                                      <p:cBhvr>
+                                        <p:cTn id="9" dur="1000" fill="hold"/>
+                                        <p:tgtEl>
+                                          <p:spTgt spid="3">
+                                            <p:txEl>
+                                              <p:pRg st="0" end="0"/>
+                                            </p:txEl>
+                                          </p:spTgt>
+                                        </p:tgtEl>
+                                        <p:attrNameLst>
+                                          <p:attrName>ppt_y</p:attrName>
+                                        </p:attrNameLst>
+                                      </p:cBhvr>
+                                      <p:tavLst>
+                                        <p:tav tm="0">
+                                          <p:val>
+                                            <p:strVal val="#ppt_y+.1"/>
+                                          </p:val>
+                                        </p:tav>
+                                        <p:tav tm="100000">
+                                          <p:val>
+                                            <p:strVal val="#ppt_y"/>
+                                          </p:val>
+                                        </p:tav>
+                                      </p:tavLst>
+                                    </p:anim>
+                                  </p:childTnLst>
+                                </p:cTn>
+                              </p:par>
+                            </p:childTnLst>
+                          </p:cTn>
+                        </p:par>
+                      </p:childTnLst>
+                    </p:cTn>
+                  </p:par>
+                  <p:par>
+                    <p:cTn id="10" fill="hold">
+                      <p:stCondLst>
+                        <p:cond delay="indefinite"/>
+                      </p:stCondLst>
+                      <p:childTnLst>
+                        <p:par>
+                          <p:cTn id="11" fill="hold">
+                            <p:stCondLst>
+                              <p:cond delay="0"/>
+                            </p:stCondLst>
+                            <p:childTnLst>
+                              <p:par>
+                                <p:cTn id="12" presetID="42" presetClass="entr" presetSubtype="0" fill="hold" grpId="0" nodeType="clickEffect">
+                                  <p:stCondLst>
+                                    <p:cond delay="0"/>
+                                  </p:stCondLst>
+                                  <p:childTnLst>
+                                    <p:set>
+                                      <p:cBhvr>
+                                        <p:cTn id="13" dur="1" fill="hold">
+                                          <p:stCondLst>
+                                            <p:cond delay="0"/>
+                                          </p:stCondLst>
+                                        </p:cTn>
+                                        <p:tgtEl>
+                                          <p:spTgt spid="3">
+                                            <p:txEl>
+                                              <p:pRg st="1" end="1"/>
+                                            </p:txEl>
+                                          </p:spTgt>
+                                        </p:tgtEl>
+                                        <p:attrNameLst>
+                                          <p:attrName>style.visibility</p:attrName>
+                                        </p:attrNameLst>
+                                      </p:cBhvr>
+                                      <p:to>
+                                        <p:strVal val="visible"/>
+                                      </p:to>
+                                    </p:set>
+                                    <p:animEffect transition="in" filter="fade">
+                                      <p:cBhvr>
+                                        <p:cTn id="14" dur="1000"/>
+                                        <p:tgtEl>
+                                          <p:spTgt spid="3">
+                                            <p:txEl>
+                                              <p:pRg st="1" end="1"/>
+                                            </p:txEl>
+                                          </p:spTgt>
+                                        </p:tgtEl>
+                                      </p:cBhvr>
+                                    </p:animEffect>
+                                    <p:anim calcmode="lin" valueType="num">
+                                      <p:cBhvr>
+                                        <p:cTn id="15" dur="1000" fill="hold"/>
+                                        <p:tgtEl>
+                                          <p:spTgt spid="3">
+                                            <p:txEl>
+                                              <p:pRg st="1" end="1"/>
+                                            </p:txEl>
+                                          </p:spTgt>
+                                        </p:tgtEl>
+                                        <p:attrNameLst>
+                                          <p:attrName>ppt_x</p:attrName>
+                                        </p:attrNameLst>
+                                      </p:cBhvr>
+                                      <p:tavLst>
+                                        <p:tav tm="0">
+                                          <p:val>
+                                            <p:strVal val="#ppt_x"/>
+                                          </p:val>
+                                        </p:tav>
+                                        <p:tav tm="100000">
+                                          <p:val>
+                                            <p:strVal val="#ppt_x"/>
+                                          </p:val>
+                                        </p:tav>
+                                      </p:tavLst>
+                                    </p:anim>
+                                    <p:anim calcmode="lin" valueType="num">
+                                      <p:cBhvr>
+                                        <p:cTn id="16" dur="1000" fill="hold"/>
+                                        <p:tgtEl>
+                                          <p:spTgt spid="3">
+                                            <p:txEl>
+                                              <p:pRg st="1" end="1"/>
+                                            </p:txEl>
+                                          </p:spTgt>
+                                        </p:tgtEl>
+                                        <p:attrNameLst>
+                                          <p:attrName>ppt_y</p:attrName>
+                                        </p:attrNameLst>
+                                      </p:cBhvr>
+                                      <p:tavLst>
+                                        <p:tav tm="0">
+                                          <p:val>
+                                            <p:strVal val="#ppt_y+.1"/>
+                                          </p:val>
+                                        </p:tav>
+                                        <p:tav tm="100000">
+                                          <p:val>
+                                            <p:strVal val="#ppt_y"/>
+                                          </p:val>
+                                        </p:tav>
+                                      </p:tavLst>
+                                    </p:anim>
+                                  </p:childTnLst>
+                                </p:cTn>
+                              </p:par>
+                            </p:childTnLst>
+                          </p:cTn>
+                        </p:par>
+                      </p:childTnLst>
+                    </p:cTn>
+                  </p:par>
+                  <p:par>
+                    <p:cTn id="17" fill="hold">
+                      <p:stCondLst>
+                        <p:cond delay="indefinite"/>
+                      </p:stCondLst>
+                      <p:childTnLst>
+                        <p:par>
+                          <p:cTn id="18" fill="hold">
+                            <p:stCondLst>
+                              <p:cond delay="0"/>
+                            </p:stCondLst>
+                            <p:childTnLst>
+                              <p:par>
+                                <p:cTn id="19" presetID="42" presetClass="entr" presetSubtype="0" fill="hold" grpId="0" nodeType="clickEffect">
+                                  <p:stCondLst>
+                                    <p:cond delay="0"/>
+                                  </p:stCondLst>
+                                  <p:childTnLst>
+                                    <p:set>
+                                      <p:cBhvr>
+                                        <p:cTn id="20" dur="1" fill="hold">
+                                          <p:stCondLst>
+                                            <p:cond delay="0"/>
+                                          </p:stCondLst>
+                                        </p:cTn>
+                                        <p:tgtEl>
+                                          <p:spTgt spid="3">
+                                            <p:txEl>
+                                              <p:pRg st="2" end="2"/>
+                                            </p:txEl>
+                                          </p:spTgt>
+                                        </p:tgtEl>
+                                        <p:attrNameLst>
+                                          <p:attrName>style.visibility</p:attrName>
+                                        </p:attrNameLst>
+                                      </p:cBhvr>
+                                      <p:to>
+                                        <p:strVal val="visible"/>
+                                      </p:to>
+                                    </p:set>
+                                    <p:animEffect transition="in" filter="fade">
+                                      <p:cBhvr>
+                                        <p:cTn id="21" dur="1000"/>
+                                        <p:tgtEl>
+                                          <p:spTgt spid="3">
+                                            <p:txEl>
+                                              <p:pRg st="2" end="2"/>
+                                            </p:txEl>
+                                          </p:spTgt>
+                                        </p:tgtEl>
+                                      </p:cBhvr>
+                                    </p:animEffect>
+                                    <p:anim calcmode="lin" valueType="num">
+                                      <p:cBhvr>
+                                        <p:cTn id="22" dur="1000" fill="hold"/>
+                                        <p:tgtEl>
+                                          <p:spTgt spid="3">
+                                            <p:txEl>
+                                              <p:pRg st="2" end="2"/>
+                                            </p:txEl>
+                                          </p:spTgt>
+                                        </p:tgtEl>
+                                        <p:attrNameLst>
+                                          <p:attrName>ppt_x</p:attrName>
+                                        </p:attrNameLst>
+                                      </p:cBhvr>
+                                      <p:tavLst>
+                                        <p:tav tm="0">
+                                          <p:val>
+                                            <p:strVal val="#ppt_x"/>
+                                          </p:val>
+                                        </p:tav>
+                                        <p:tav tm="100000">
+                                          <p:val>
+                                            <p:strVal val="#ppt_x"/>
+                                          </p:val>
+                                        </p:tav>
+                                      </p:tavLst>
+                                    </p:anim>
+                                    <p:anim calcmode="lin" valueType="num">
+                                      <p:cBhvr>
+                                        <p:cTn id="23" dur="1000" fill="hold"/>
+                                        <p:tgtEl>
+                                          <p:spTgt spid="3">
+                                            <p:txEl>
+                                              <p:pRg st="2" end="2"/>
+                                            </p:txEl>
+                                          </p:spTgt>
+                                        </p:tgtEl>
+                                        <p:attrNameLst>
+                                          <p:attrName>ppt_y</p:attrName>
+                                        </p:attrNameLst>
+                                      </p:cBhvr>
+                                      <p:tavLst>
+                                        <p:tav tm="0">
+                                          <p:val>
+                                            <p:strVal val="#ppt_y+.1"/>
+                                          </p:val>
+                                        </p:tav>
+                                        <p:tav tm="100000">
+                                          <p:val>
+                                            <p:strVal val="#ppt_y"/>
+                                          </p:val>
+                                        </p:tav>
+                                      </p:tavLst>
+                                    </p:anim>
+                                  </p:childTnLst>
+                                </p:cTn>
+                              </p:par>
+                            </p:childTnLst>
+                          </p:cTn>
+                        </p:par>
+                      </p:childTnLst>
+                    </p:cTn>
+                  </p:par>
+                </p:childTnLst>
+              </p:cTn>
+              <p:prevCondLst>
+                <p:cond evt="onPrev" delay="0">
+                  <p:tgtEl>
+                    <p:sldTgt/>
+                  </p:tgtEl>
+                </p:cond>
+              </p:prevCondLst>
+              <p:nextCondLst>
+                <p:cond evt="onNext" delay="0">
+                  <p:tgtEl>
+                    <p:sldTgt/>
+                  </p:tgtEl>
+                </p:cond>
+              </p:nextCondLst>
+            </p:seq>
+          </p:childTnLst>
+        </p:cTn>
+      </p:par>
+    </p:tnLst>
+    <p:bldLst>
+      <p:bldP spid="3" grpId="0" build="p"/>
+    </p:bldLst>
+  </p:timing>
 </p:sld>
 </file>
 
@@ -4424,7 +7044,7 @@
           <p:cNvPr id="2" name="Título 1">
             <a:extLst>
               <a:ext uri="{FF2B5EF4-FFF2-40B4-BE49-F238E27FC236}">
-                <a16:creationId xmlns:a16="http://schemas.microsoft.com/office/drawing/2014/main" id="{09425759-F76D-4657-A99D-CC578587C517}"/>
+                <a16:creationId xmlns:a16="http://schemas.microsoft.com/office/drawing/2014/main" id="{C244A1E2-78D8-4E51-AD6B-AEF7141700DF}"/>
               </a:ext>
             </a:extLst>
           </p:cNvPr>
@@ -4441,8 +7061,8 @@
           <a:lstStyle/>
           <a:p>
             <a:r>
-              <a:rPr lang="pt-BR" dirty="0"/>
-              <a:t>Concluindo</a:t>
+              <a:rPr lang="pt-BR" b="1" dirty="0"/>
+              <a:t>Estamos Prontos?</a:t>
             </a:r>
           </a:p>
         </p:txBody>
@@ -4452,7 +7072,7 @@
           <p:cNvPr id="3" name="Espaço Reservado para Conteúdo 2">
             <a:extLst>
               <a:ext uri="{FF2B5EF4-FFF2-40B4-BE49-F238E27FC236}">
-                <a16:creationId xmlns:a16="http://schemas.microsoft.com/office/drawing/2014/main" id="{6331744E-6BBA-421C-9DCE-D9068C5F7DFD}"/>
+                <a16:creationId xmlns:a16="http://schemas.microsoft.com/office/drawing/2014/main" id="{7CCE04F2-4CED-495D-9D45-2B867380B492}"/>
               </a:ext>
             </a:extLst>
           </p:cNvPr>
@@ -4470,21 +7090,873 @@
           <a:p>
             <a:r>
               <a:rPr lang="pt-BR" dirty="0"/>
-              <a:t>   </a:t>
-            </a:r>
+              <a:t>Estamos dispostos a da poder a equipe.</a:t>
+            </a:r>
+          </a:p>
+          <a:p>
+            <a:r>
+              <a:rPr lang="pt-BR" dirty="0"/>
+              <a:t>Estamos maduros o suficiente.</a:t>
+            </a:r>
+          </a:p>
+          <a:p>
+            <a:r>
+              <a:rPr lang="pt-BR" dirty="0"/>
+              <a:t>Scrum Master... Gerenciar processos??</a:t>
+            </a:r>
+          </a:p>
+          <a:p>
+            <a:r>
+              <a:rPr lang="pt-BR" dirty="0"/>
+              <a:t>Oh, e agora quem poderá nos ajudar?</a:t>
+            </a:r>
+          </a:p>
+          <a:p>
+            <a:pPr marL="0" indent="0">
+              <a:buNone/>
+            </a:pPr>
+            <a:endParaRPr lang="pt-BR" dirty="0"/>
           </a:p>
         </p:txBody>
       </p:sp>
+      <p:pic>
+        <p:nvPicPr>
+          <p:cNvPr id="5" name="Imagem 4" descr="Homem de terno e gravata azul&#10;&#10;Descrição gerada automaticamente">
+            <a:extLst>
+              <a:ext uri="{FF2B5EF4-FFF2-40B4-BE49-F238E27FC236}">
+                <a16:creationId xmlns:a16="http://schemas.microsoft.com/office/drawing/2014/main" id="{506B1DC3-B6C6-4598-B6BD-F95655C16CA2}"/>
+              </a:ext>
+            </a:extLst>
+          </p:cNvPr>
+          <p:cNvPicPr>
+            <a:picLocks noChangeAspect="1"/>
+          </p:cNvPicPr>
+          <p:nvPr/>
+        </p:nvPicPr>
+        <p:blipFill>
+          <a:blip r:embed="rId2">
+            <a:extLst>
+              <a:ext uri="{28A0092B-C50C-407E-A947-70E740481C1C}">
+                <a14:useLocalDpi xmlns:a14="http://schemas.microsoft.com/office/drawing/2010/main" val="0"/>
+              </a:ext>
+            </a:extLst>
+          </a:blip>
+          <a:stretch>
+            <a:fillRect/>
+          </a:stretch>
+        </p:blipFill>
+        <p:spPr>
+          <a:xfrm>
+            <a:off x="6662531" y="3311525"/>
+            <a:ext cx="5334000" cy="3000375"/>
+          </a:xfrm>
+          <a:prstGeom prst="rect">
+            <a:avLst/>
+          </a:prstGeom>
+        </p:spPr>
+      </p:pic>
     </p:spTree>
     <p:extLst>
       <p:ext uri="{BB962C8B-B14F-4D97-AF65-F5344CB8AC3E}">
-        <p14:creationId xmlns:p14="http://schemas.microsoft.com/office/powerpoint/2010/main" val="3777665604"/>
+        <p14:creationId xmlns:p14="http://schemas.microsoft.com/office/powerpoint/2010/main" val="235804216"/>
       </p:ext>
     </p:extLst>
   </p:cSld>
   <p:clrMapOvr>
     <a:masterClrMapping/>
   </p:clrMapOvr>
+  <p:transition spd="slow">
+    <p:wipe/>
+  </p:transition>
+  <p:timing>
+    <p:tnLst>
+      <p:par>
+        <p:cTn id="1" dur="indefinite" restart="never" nodeType="tmRoot">
+          <p:childTnLst>
+            <p:seq concurrent="1" nextAc="seek">
+              <p:cTn id="2" dur="indefinite" nodeType="mainSeq">
+                <p:childTnLst>
+                  <p:par>
+                    <p:cTn id="3" fill="hold">
+                      <p:stCondLst>
+                        <p:cond delay="indefinite"/>
+                      </p:stCondLst>
+                      <p:childTnLst>
+                        <p:par>
+                          <p:cTn id="4" fill="hold">
+                            <p:stCondLst>
+                              <p:cond delay="0"/>
+                            </p:stCondLst>
+                            <p:childTnLst>
+                              <p:par>
+                                <p:cTn id="5" presetID="42" presetClass="entr" presetSubtype="0" fill="hold" grpId="0" nodeType="clickEffect">
+                                  <p:stCondLst>
+                                    <p:cond delay="0"/>
+                                  </p:stCondLst>
+                                  <p:childTnLst>
+                                    <p:set>
+                                      <p:cBhvr>
+                                        <p:cTn id="6" dur="1" fill="hold">
+                                          <p:stCondLst>
+                                            <p:cond delay="0"/>
+                                          </p:stCondLst>
+                                        </p:cTn>
+                                        <p:tgtEl>
+                                          <p:spTgt spid="3">
+                                            <p:txEl>
+                                              <p:pRg st="0" end="0"/>
+                                            </p:txEl>
+                                          </p:spTgt>
+                                        </p:tgtEl>
+                                        <p:attrNameLst>
+                                          <p:attrName>style.visibility</p:attrName>
+                                        </p:attrNameLst>
+                                      </p:cBhvr>
+                                      <p:to>
+                                        <p:strVal val="visible"/>
+                                      </p:to>
+                                    </p:set>
+                                    <p:animEffect transition="in" filter="fade">
+                                      <p:cBhvr>
+                                        <p:cTn id="7" dur="1000"/>
+                                        <p:tgtEl>
+                                          <p:spTgt spid="3">
+                                            <p:txEl>
+                                              <p:pRg st="0" end="0"/>
+                                            </p:txEl>
+                                          </p:spTgt>
+                                        </p:tgtEl>
+                                      </p:cBhvr>
+                                    </p:animEffect>
+                                    <p:anim calcmode="lin" valueType="num">
+                                      <p:cBhvr>
+                                        <p:cTn id="8" dur="1000" fill="hold"/>
+                                        <p:tgtEl>
+                                          <p:spTgt spid="3">
+                                            <p:txEl>
+                                              <p:pRg st="0" end="0"/>
+                                            </p:txEl>
+                                          </p:spTgt>
+                                        </p:tgtEl>
+                                        <p:attrNameLst>
+                                          <p:attrName>ppt_x</p:attrName>
+                                        </p:attrNameLst>
+                                      </p:cBhvr>
+                                      <p:tavLst>
+                                        <p:tav tm="0">
+                                          <p:val>
+                                            <p:strVal val="#ppt_x"/>
+                                          </p:val>
+                                        </p:tav>
+                                        <p:tav tm="100000">
+                                          <p:val>
+                                            <p:strVal val="#ppt_x"/>
+                                          </p:val>
+                                        </p:tav>
+                                      </p:tavLst>
+                                    </p:anim>
+                                    <p:anim calcmode="lin" valueType="num">
+                                      <p:cBhvr>
+                                        <p:cTn id="9" dur="1000" fill="hold"/>
+                                        <p:tgtEl>
+                                          <p:spTgt spid="3">
+                                            <p:txEl>
+                                              <p:pRg st="0" end="0"/>
+                                            </p:txEl>
+                                          </p:spTgt>
+                                        </p:tgtEl>
+                                        <p:attrNameLst>
+                                          <p:attrName>ppt_y</p:attrName>
+                                        </p:attrNameLst>
+                                      </p:cBhvr>
+                                      <p:tavLst>
+                                        <p:tav tm="0">
+                                          <p:val>
+                                            <p:strVal val="#ppt_y+.1"/>
+                                          </p:val>
+                                        </p:tav>
+                                        <p:tav tm="100000">
+                                          <p:val>
+                                            <p:strVal val="#ppt_y"/>
+                                          </p:val>
+                                        </p:tav>
+                                      </p:tavLst>
+                                    </p:anim>
+                                  </p:childTnLst>
+                                </p:cTn>
+                              </p:par>
+                            </p:childTnLst>
+                          </p:cTn>
+                        </p:par>
+                      </p:childTnLst>
+                    </p:cTn>
+                  </p:par>
+                  <p:par>
+                    <p:cTn id="10" fill="hold">
+                      <p:stCondLst>
+                        <p:cond delay="indefinite"/>
+                      </p:stCondLst>
+                      <p:childTnLst>
+                        <p:par>
+                          <p:cTn id="11" fill="hold">
+                            <p:stCondLst>
+                              <p:cond delay="0"/>
+                            </p:stCondLst>
+                            <p:childTnLst>
+                              <p:par>
+                                <p:cTn id="12" presetID="42" presetClass="entr" presetSubtype="0" fill="hold" grpId="0" nodeType="clickEffect">
+                                  <p:stCondLst>
+                                    <p:cond delay="0"/>
+                                  </p:stCondLst>
+                                  <p:childTnLst>
+                                    <p:set>
+                                      <p:cBhvr>
+                                        <p:cTn id="13" dur="1" fill="hold">
+                                          <p:stCondLst>
+                                            <p:cond delay="0"/>
+                                          </p:stCondLst>
+                                        </p:cTn>
+                                        <p:tgtEl>
+                                          <p:spTgt spid="3">
+                                            <p:txEl>
+                                              <p:pRg st="1" end="1"/>
+                                            </p:txEl>
+                                          </p:spTgt>
+                                        </p:tgtEl>
+                                        <p:attrNameLst>
+                                          <p:attrName>style.visibility</p:attrName>
+                                        </p:attrNameLst>
+                                      </p:cBhvr>
+                                      <p:to>
+                                        <p:strVal val="visible"/>
+                                      </p:to>
+                                    </p:set>
+                                    <p:animEffect transition="in" filter="fade">
+                                      <p:cBhvr>
+                                        <p:cTn id="14" dur="1000"/>
+                                        <p:tgtEl>
+                                          <p:spTgt spid="3">
+                                            <p:txEl>
+                                              <p:pRg st="1" end="1"/>
+                                            </p:txEl>
+                                          </p:spTgt>
+                                        </p:tgtEl>
+                                      </p:cBhvr>
+                                    </p:animEffect>
+                                    <p:anim calcmode="lin" valueType="num">
+                                      <p:cBhvr>
+                                        <p:cTn id="15" dur="1000" fill="hold"/>
+                                        <p:tgtEl>
+                                          <p:spTgt spid="3">
+                                            <p:txEl>
+                                              <p:pRg st="1" end="1"/>
+                                            </p:txEl>
+                                          </p:spTgt>
+                                        </p:tgtEl>
+                                        <p:attrNameLst>
+                                          <p:attrName>ppt_x</p:attrName>
+                                        </p:attrNameLst>
+                                      </p:cBhvr>
+                                      <p:tavLst>
+                                        <p:tav tm="0">
+                                          <p:val>
+                                            <p:strVal val="#ppt_x"/>
+                                          </p:val>
+                                        </p:tav>
+                                        <p:tav tm="100000">
+                                          <p:val>
+                                            <p:strVal val="#ppt_x"/>
+                                          </p:val>
+                                        </p:tav>
+                                      </p:tavLst>
+                                    </p:anim>
+                                    <p:anim calcmode="lin" valueType="num">
+                                      <p:cBhvr>
+                                        <p:cTn id="16" dur="1000" fill="hold"/>
+                                        <p:tgtEl>
+                                          <p:spTgt spid="3">
+                                            <p:txEl>
+                                              <p:pRg st="1" end="1"/>
+                                            </p:txEl>
+                                          </p:spTgt>
+                                        </p:tgtEl>
+                                        <p:attrNameLst>
+                                          <p:attrName>ppt_y</p:attrName>
+                                        </p:attrNameLst>
+                                      </p:cBhvr>
+                                      <p:tavLst>
+                                        <p:tav tm="0">
+                                          <p:val>
+                                            <p:strVal val="#ppt_y+.1"/>
+                                          </p:val>
+                                        </p:tav>
+                                        <p:tav tm="100000">
+                                          <p:val>
+                                            <p:strVal val="#ppt_y"/>
+                                          </p:val>
+                                        </p:tav>
+                                      </p:tavLst>
+                                    </p:anim>
+                                  </p:childTnLst>
+                                </p:cTn>
+                              </p:par>
+                            </p:childTnLst>
+                          </p:cTn>
+                        </p:par>
+                      </p:childTnLst>
+                    </p:cTn>
+                  </p:par>
+                  <p:par>
+                    <p:cTn id="17" fill="hold">
+                      <p:stCondLst>
+                        <p:cond delay="indefinite"/>
+                      </p:stCondLst>
+                      <p:childTnLst>
+                        <p:par>
+                          <p:cTn id="18" fill="hold">
+                            <p:stCondLst>
+                              <p:cond delay="0"/>
+                            </p:stCondLst>
+                            <p:childTnLst>
+                              <p:par>
+                                <p:cTn id="19" presetID="42" presetClass="entr" presetSubtype="0" fill="hold" grpId="0" nodeType="clickEffect">
+                                  <p:stCondLst>
+                                    <p:cond delay="0"/>
+                                  </p:stCondLst>
+                                  <p:childTnLst>
+                                    <p:set>
+                                      <p:cBhvr>
+                                        <p:cTn id="20" dur="1" fill="hold">
+                                          <p:stCondLst>
+                                            <p:cond delay="0"/>
+                                          </p:stCondLst>
+                                        </p:cTn>
+                                        <p:tgtEl>
+                                          <p:spTgt spid="3">
+                                            <p:txEl>
+                                              <p:pRg st="2" end="2"/>
+                                            </p:txEl>
+                                          </p:spTgt>
+                                        </p:tgtEl>
+                                        <p:attrNameLst>
+                                          <p:attrName>style.visibility</p:attrName>
+                                        </p:attrNameLst>
+                                      </p:cBhvr>
+                                      <p:to>
+                                        <p:strVal val="visible"/>
+                                      </p:to>
+                                    </p:set>
+                                    <p:animEffect transition="in" filter="fade">
+                                      <p:cBhvr>
+                                        <p:cTn id="21" dur="1000"/>
+                                        <p:tgtEl>
+                                          <p:spTgt spid="3">
+                                            <p:txEl>
+                                              <p:pRg st="2" end="2"/>
+                                            </p:txEl>
+                                          </p:spTgt>
+                                        </p:tgtEl>
+                                      </p:cBhvr>
+                                    </p:animEffect>
+                                    <p:anim calcmode="lin" valueType="num">
+                                      <p:cBhvr>
+                                        <p:cTn id="22" dur="1000" fill="hold"/>
+                                        <p:tgtEl>
+                                          <p:spTgt spid="3">
+                                            <p:txEl>
+                                              <p:pRg st="2" end="2"/>
+                                            </p:txEl>
+                                          </p:spTgt>
+                                        </p:tgtEl>
+                                        <p:attrNameLst>
+                                          <p:attrName>ppt_x</p:attrName>
+                                        </p:attrNameLst>
+                                      </p:cBhvr>
+                                      <p:tavLst>
+                                        <p:tav tm="0">
+                                          <p:val>
+                                            <p:strVal val="#ppt_x"/>
+                                          </p:val>
+                                        </p:tav>
+                                        <p:tav tm="100000">
+                                          <p:val>
+                                            <p:strVal val="#ppt_x"/>
+                                          </p:val>
+                                        </p:tav>
+                                      </p:tavLst>
+                                    </p:anim>
+                                    <p:anim calcmode="lin" valueType="num">
+                                      <p:cBhvr>
+                                        <p:cTn id="23" dur="1000" fill="hold"/>
+                                        <p:tgtEl>
+                                          <p:spTgt spid="3">
+                                            <p:txEl>
+                                              <p:pRg st="2" end="2"/>
+                                            </p:txEl>
+                                          </p:spTgt>
+                                        </p:tgtEl>
+                                        <p:attrNameLst>
+                                          <p:attrName>ppt_y</p:attrName>
+                                        </p:attrNameLst>
+                                      </p:cBhvr>
+                                      <p:tavLst>
+                                        <p:tav tm="0">
+                                          <p:val>
+                                            <p:strVal val="#ppt_y+.1"/>
+                                          </p:val>
+                                        </p:tav>
+                                        <p:tav tm="100000">
+                                          <p:val>
+                                            <p:strVal val="#ppt_y"/>
+                                          </p:val>
+                                        </p:tav>
+                                      </p:tavLst>
+                                    </p:anim>
+                                  </p:childTnLst>
+                                </p:cTn>
+                              </p:par>
+                            </p:childTnLst>
+                          </p:cTn>
+                        </p:par>
+                      </p:childTnLst>
+                    </p:cTn>
+                  </p:par>
+                  <p:par>
+                    <p:cTn id="24" fill="hold">
+                      <p:stCondLst>
+                        <p:cond delay="indefinite"/>
+                      </p:stCondLst>
+                      <p:childTnLst>
+                        <p:par>
+                          <p:cTn id="25" fill="hold">
+                            <p:stCondLst>
+                              <p:cond delay="0"/>
+                            </p:stCondLst>
+                            <p:childTnLst>
+                              <p:par>
+                                <p:cTn id="26" presetID="42" presetClass="entr" presetSubtype="0" fill="hold" grpId="0" nodeType="clickEffect">
+                                  <p:stCondLst>
+                                    <p:cond delay="0"/>
+                                  </p:stCondLst>
+                                  <p:childTnLst>
+                                    <p:set>
+                                      <p:cBhvr>
+                                        <p:cTn id="27" dur="1" fill="hold">
+                                          <p:stCondLst>
+                                            <p:cond delay="0"/>
+                                          </p:stCondLst>
+                                        </p:cTn>
+                                        <p:tgtEl>
+                                          <p:spTgt spid="3">
+                                            <p:txEl>
+                                              <p:pRg st="3" end="3"/>
+                                            </p:txEl>
+                                          </p:spTgt>
+                                        </p:tgtEl>
+                                        <p:attrNameLst>
+                                          <p:attrName>style.visibility</p:attrName>
+                                        </p:attrNameLst>
+                                      </p:cBhvr>
+                                      <p:to>
+                                        <p:strVal val="visible"/>
+                                      </p:to>
+                                    </p:set>
+                                    <p:animEffect transition="in" filter="fade">
+                                      <p:cBhvr>
+                                        <p:cTn id="28" dur="1000"/>
+                                        <p:tgtEl>
+                                          <p:spTgt spid="3">
+                                            <p:txEl>
+                                              <p:pRg st="3" end="3"/>
+                                            </p:txEl>
+                                          </p:spTgt>
+                                        </p:tgtEl>
+                                      </p:cBhvr>
+                                    </p:animEffect>
+                                    <p:anim calcmode="lin" valueType="num">
+                                      <p:cBhvr>
+                                        <p:cTn id="29" dur="1000" fill="hold"/>
+                                        <p:tgtEl>
+                                          <p:spTgt spid="3">
+                                            <p:txEl>
+                                              <p:pRg st="3" end="3"/>
+                                            </p:txEl>
+                                          </p:spTgt>
+                                        </p:tgtEl>
+                                        <p:attrNameLst>
+                                          <p:attrName>ppt_x</p:attrName>
+                                        </p:attrNameLst>
+                                      </p:cBhvr>
+                                      <p:tavLst>
+                                        <p:tav tm="0">
+                                          <p:val>
+                                            <p:strVal val="#ppt_x"/>
+                                          </p:val>
+                                        </p:tav>
+                                        <p:tav tm="100000">
+                                          <p:val>
+                                            <p:strVal val="#ppt_x"/>
+                                          </p:val>
+                                        </p:tav>
+                                      </p:tavLst>
+                                    </p:anim>
+                                    <p:anim calcmode="lin" valueType="num">
+                                      <p:cBhvr>
+                                        <p:cTn id="30" dur="1000" fill="hold"/>
+                                        <p:tgtEl>
+                                          <p:spTgt spid="3">
+                                            <p:txEl>
+                                              <p:pRg st="3" end="3"/>
+                                            </p:txEl>
+                                          </p:spTgt>
+                                        </p:tgtEl>
+                                        <p:attrNameLst>
+                                          <p:attrName>ppt_y</p:attrName>
+                                        </p:attrNameLst>
+                                      </p:cBhvr>
+                                      <p:tavLst>
+                                        <p:tav tm="0">
+                                          <p:val>
+                                            <p:strVal val="#ppt_y+.1"/>
+                                          </p:val>
+                                        </p:tav>
+                                        <p:tav tm="100000">
+                                          <p:val>
+                                            <p:strVal val="#ppt_y"/>
+                                          </p:val>
+                                        </p:tav>
+                                      </p:tavLst>
+                                    </p:anim>
+                                  </p:childTnLst>
+                                </p:cTn>
+                              </p:par>
+                            </p:childTnLst>
+                          </p:cTn>
+                        </p:par>
+                      </p:childTnLst>
+                    </p:cTn>
+                  </p:par>
+                  <p:par>
+                    <p:cTn id="31" fill="hold">
+                      <p:stCondLst>
+                        <p:cond delay="indefinite"/>
+                      </p:stCondLst>
+                      <p:childTnLst>
+                        <p:par>
+                          <p:cTn id="32" fill="hold">
+                            <p:stCondLst>
+                              <p:cond delay="0"/>
+                            </p:stCondLst>
+                            <p:childTnLst>
+                              <p:par>
+                                <p:cTn id="33" presetID="26" presetClass="entr" presetSubtype="0" fill="hold" nodeType="clickEffect">
+                                  <p:stCondLst>
+                                    <p:cond delay="0"/>
+                                  </p:stCondLst>
+                                  <p:childTnLst>
+                                    <p:set>
+                                      <p:cBhvr>
+                                        <p:cTn id="34" dur="1" fill="hold">
+                                          <p:stCondLst>
+                                            <p:cond delay="0"/>
+                                          </p:stCondLst>
+                                        </p:cTn>
+                                        <p:tgtEl>
+                                          <p:spTgt spid="5"/>
+                                        </p:tgtEl>
+                                        <p:attrNameLst>
+                                          <p:attrName>style.visibility</p:attrName>
+                                        </p:attrNameLst>
+                                      </p:cBhvr>
+                                      <p:to>
+                                        <p:strVal val="visible"/>
+                                      </p:to>
+                                    </p:set>
+                                    <p:animEffect transition="in" filter="wipe(down)">
+                                      <p:cBhvr>
+                                        <p:cTn id="35" dur="580">
+                                          <p:stCondLst>
+                                            <p:cond delay="0"/>
+                                          </p:stCondLst>
+                                        </p:cTn>
+                                        <p:tgtEl>
+                                          <p:spTgt spid="5"/>
+                                        </p:tgtEl>
+                                      </p:cBhvr>
+                                    </p:animEffect>
+                                    <p:anim calcmode="lin" valueType="num">
+                                      <p:cBhvr>
+                                        <p:cTn id="36" dur="1822" tmFilter="0,0; 0.14,0.36; 0.43,0.73; 0.71,0.91; 1.0,1.0">
+                                          <p:stCondLst>
+                                            <p:cond delay="0"/>
+                                          </p:stCondLst>
+                                        </p:cTn>
+                                        <p:tgtEl>
+                                          <p:spTgt spid="5"/>
+                                        </p:tgtEl>
+                                        <p:attrNameLst>
+                                          <p:attrName>ppt_x</p:attrName>
+                                        </p:attrNameLst>
+                                      </p:cBhvr>
+                                      <p:tavLst>
+                                        <p:tav tm="0">
+                                          <p:val>
+                                            <p:strVal val="#ppt_x-0.25"/>
+                                          </p:val>
+                                        </p:tav>
+                                        <p:tav tm="100000">
+                                          <p:val>
+                                            <p:strVal val="#ppt_x"/>
+                                          </p:val>
+                                        </p:tav>
+                                      </p:tavLst>
+                                    </p:anim>
+                                    <p:anim calcmode="lin" valueType="num">
+                                      <p:cBhvr>
+                                        <p:cTn id="37" dur="664" tmFilter="0.0,0.0; 0.25,0.07; 0.50,0.2; 0.75,0.467; 1.0,1.0">
+                                          <p:stCondLst>
+                                            <p:cond delay="0"/>
+                                          </p:stCondLst>
+                                        </p:cTn>
+                                        <p:tgtEl>
+                                          <p:spTgt spid="5"/>
+                                        </p:tgtEl>
+                                        <p:attrNameLst>
+                                          <p:attrName>ppt_y</p:attrName>
+                                        </p:attrNameLst>
+                                      </p:cBhvr>
+                                      <p:tavLst>
+                                        <p:tav tm="0" fmla="#ppt_y-sin(pi*$)/3">
+                                          <p:val>
+                                            <p:fltVal val="0.5"/>
+                                          </p:val>
+                                        </p:tav>
+                                        <p:tav tm="100000">
+                                          <p:val>
+                                            <p:fltVal val="1"/>
+                                          </p:val>
+                                        </p:tav>
+                                      </p:tavLst>
+                                    </p:anim>
+                                    <p:anim calcmode="lin" valueType="num">
+                                      <p:cBhvr>
+                                        <p:cTn id="38" dur="664" tmFilter="0, 0; 0.125,0.2665; 0.25,0.4; 0.375,0.465; 0.5,0.5;  0.625,0.535; 0.75,0.6; 0.875,0.7335; 1,1">
+                                          <p:stCondLst>
+                                            <p:cond delay="664"/>
+                                          </p:stCondLst>
+                                        </p:cTn>
+                                        <p:tgtEl>
+                                          <p:spTgt spid="5"/>
+                                        </p:tgtEl>
+                                        <p:attrNameLst>
+                                          <p:attrName>ppt_y</p:attrName>
+                                        </p:attrNameLst>
+                                      </p:cBhvr>
+                                      <p:tavLst>
+                                        <p:tav tm="0" fmla="#ppt_y-sin(pi*$)/9">
+                                          <p:val>
+                                            <p:fltVal val="0"/>
+                                          </p:val>
+                                        </p:tav>
+                                        <p:tav tm="100000">
+                                          <p:val>
+                                            <p:fltVal val="1"/>
+                                          </p:val>
+                                        </p:tav>
+                                      </p:tavLst>
+                                    </p:anim>
+                                    <p:anim calcmode="lin" valueType="num">
+                                      <p:cBhvr>
+                                        <p:cTn id="39" dur="332" tmFilter="0, 0; 0.125,0.2665; 0.25,0.4; 0.375,0.465; 0.5,0.5;  0.625,0.535; 0.75,0.6; 0.875,0.7335; 1,1">
+                                          <p:stCondLst>
+                                            <p:cond delay="1324"/>
+                                          </p:stCondLst>
+                                        </p:cTn>
+                                        <p:tgtEl>
+                                          <p:spTgt spid="5"/>
+                                        </p:tgtEl>
+                                        <p:attrNameLst>
+                                          <p:attrName>ppt_y</p:attrName>
+                                        </p:attrNameLst>
+                                      </p:cBhvr>
+                                      <p:tavLst>
+                                        <p:tav tm="0" fmla="#ppt_y-sin(pi*$)/27">
+                                          <p:val>
+                                            <p:fltVal val="0"/>
+                                          </p:val>
+                                        </p:tav>
+                                        <p:tav tm="100000">
+                                          <p:val>
+                                            <p:fltVal val="1"/>
+                                          </p:val>
+                                        </p:tav>
+                                      </p:tavLst>
+                                    </p:anim>
+                                    <p:anim calcmode="lin" valueType="num">
+                                      <p:cBhvr>
+                                        <p:cTn id="40" dur="164" tmFilter="0, 0; 0.125,0.2665; 0.25,0.4; 0.375,0.465; 0.5,0.5;  0.625,0.535; 0.75,0.6; 0.875,0.7335; 1,1">
+                                          <p:stCondLst>
+                                            <p:cond delay="1656"/>
+                                          </p:stCondLst>
+                                        </p:cTn>
+                                        <p:tgtEl>
+                                          <p:spTgt spid="5"/>
+                                        </p:tgtEl>
+                                        <p:attrNameLst>
+                                          <p:attrName>ppt_y</p:attrName>
+                                        </p:attrNameLst>
+                                      </p:cBhvr>
+                                      <p:tavLst>
+                                        <p:tav tm="0" fmla="#ppt_y-sin(pi*$)/81">
+                                          <p:val>
+                                            <p:fltVal val="0"/>
+                                          </p:val>
+                                        </p:tav>
+                                        <p:tav tm="100000">
+                                          <p:val>
+                                            <p:fltVal val="1"/>
+                                          </p:val>
+                                        </p:tav>
+                                      </p:tavLst>
+                                    </p:anim>
+                                    <p:animScale>
+                                      <p:cBhvr>
+                                        <p:cTn id="41" dur="26">
+                                          <p:stCondLst>
+                                            <p:cond delay="650"/>
+                                          </p:stCondLst>
+                                        </p:cTn>
+                                        <p:tgtEl>
+                                          <p:spTgt spid="5"/>
+                                        </p:tgtEl>
+                                      </p:cBhvr>
+                                      <p:to x="100000" y="60000"/>
+                                    </p:animScale>
+                                    <p:animScale>
+                                      <p:cBhvr>
+                                        <p:cTn id="42" dur="166" decel="50000">
+                                          <p:stCondLst>
+                                            <p:cond delay="676"/>
+                                          </p:stCondLst>
+                                        </p:cTn>
+                                        <p:tgtEl>
+                                          <p:spTgt spid="5"/>
+                                        </p:tgtEl>
+                                      </p:cBhvr>
+                                      <p:to x="100000" y="100000"/>
+                                    </p:animScale>
+                                    <p:animScale>
+                                      <p:cBhvr>
+                                        <p:cTn id="43" dur="26">
+                                          <p:stCondLst>
+                                            <p:cond delay="1312"/>
+                                          </p:stCondLst>
+                                        </p:cTn>
+                                        <p:tgtEl>
+                                          <p:spTgt spid="5"/>
+                                        </p:tgtEl>
+                                      </p:cBhvr>
+                                      <p:to x="100000" y="80000"/>
+                                    </p:animScale>
+                                    <p:animScale>
+                                      <p:cBhvr>
+                                        <p:cTn id="44" dur="166" decel="50000">
+                                          <p:stCondLst>
+                                            <p:cond delay="1338"/>
+                                          </p:stCondLst>
+                                        </p:cTn>
+                                        <p:tgtEl>
+                                          <p:spTgt spid="5"/>
+                                        </p:tgtEl>
+                                      </p:cBhvr>
+                                      <p:to x="100000" y="100000"/>
+                                    </p:animScale>
+                                    <p:animScale>
+                                      <p:cBhvr>
+                                        <p:cTn id="45" dur="26">
+                                          <p:stCondLst>
+                                            <p:cond delay="1642"/>
+                                          </p:stCondLst>
+                                        </p:cTn>
+                                        <p:tgtEl>
+                                          <p:spTgt spid="5"/>
+                                        </p:tgtEl>
+                                      </p:cBhvr>
+                                      <p:to x="100000" y="90000"/>
+                                    </p:animScale>
+                                    <p:animScale>
+                                      <p:cBhvr>
+                                        <p:cTn id="46" dur="166" decel="50000">
+                                          <p:stCondLst>
+                                            <p:cond delay="1668"/>
+                                          </p:stCondLst>
+                                        </p:cTn>
+                                        <p:tgtEl>
+                                          <p:spTgt spid="5"/>
+                                        </p:tgtEl>
+                                      </p:cBhvr>
+                                      <p:to x="100000" y="100000"/>
+                                    </p:animScale>
+                                    <p:animScale>
+                                      <p:cBhvr>
+                                        <p:cTn id="47" dur="26">
+                                          <p:stCondLst>
+                                            <p:cond delay="1808"/>
+                                          </p:stCondLst>
+                                        </p:cTn>
+                                        <p:tgtEl>
+                                          <p:spTgt spid="5"/>
+                                        </p:tgtEl>
+                                      </p:cBhvr>
+                                      <p:to x="100000" y="95000"/>
+                                    </p:animScale>
+                                    <p:animScale>
+                                      <p:cBhvr>
+                                        <p:cTn id="48" dur="166" decel="50000">
+                                          <p:stCondLst>
+                                            <p:cond delay="1834"/>
+                                          </p:stCondLst>
+                                        </p:cTn>
+                                        <p:tgtEl>
+                                          <p:spTgt spid="5"/>
+                                        </p:tgtEl>
+                                      </p:cBhvr>
+                                      <p:to x="100000" y="100000"/>
+                                    </p:animScale>
+                                  </p:childTnLst>
+                                </p:cTn>
+                              </p:par>
+                            </p:childTnLst>
+                          </p:cTn>
+                        </p:par>
+                      </p:childTnLst>
+                    </p:cTn>
+                  </p:par>
+                </p:childTnLst>
+              </p:cTn>
+              <p:prevCondLst>
+                <p:cond evt="onPrev" delay="0">
+                  <p:tgtEl>
+                    <p:sldTgt/>
+                  </p:tgtEl>
+                </p:cond>
+              </p:prevCondLst>
+              <p:nextCondLst>
+                <p:cond evt="onNext" delay="0">
+                  <p:tgtEl>
+                    <p:sldTgt/>
+                  </p:tgtEl>
+                </p:cond>
+              </p:nextCondLst>
+            </p:seq>
+          </p:childTnLst>
+        </p:cTn>
+      </p:par>
+    </p:tnLst>
+    <p:bldLst>
+      <p:bldP spid="3" grpId="0" build="p"/>
+    </p:bldLst>
+  </p:timing>
 </p:sld>
 </file>
 
@@ -4507,10 +7979,10 @@
       </p:grpSpPr>
       <p:sp>
         <p:nvSpPr>
-          <p:cNvPr id="4" name="Título 3">
+          <p:cNvPr id="2" name="Título 1">
             <a:extLst>
               <a:ext uri="{FF2B5EF4-FFF2-40B4-BE49-F238E27FC236}">
-                <a16:creationId xmlns:a16="http://schemas.microsoft.com/office/drawing/2014/main" id="{234E075F-6E89-4911-B916-F0A729089CB7}"/>
+                <a16:creationId xmlns:a16="http://schemas.microsoft.com/office/drawing/2014/main" id="{38C38B63-79DD-4F73-AFFF-91EC9067DA6A}"/>
               </a:ext>
             </a:extLst>
           </p:cNvPr>
@@ -4521,41 +7993,122 @@
             <p:ph type="title"/>
           </p:nvPr>
         </p:nvSpPr>
-        <p:spPr>
-          <a:xfrm>
-            <a:off x="838200" y="365125"/>
-            <a:ext cx="10515600" cy="5880930"/>
-          </a:xfrm>
-        </p:spPr>
+        <p:spPr/>
         <p:txBody>
           <a:bodyPr/>
           <a:lstStyle/>
           <a:p>
             <a:r>
-              <a:rPr lang="pt-BR" dirty="0"/>
-              <a:t>Dúvidas vamos no </a:t>
-            </a:r>
-            <a:r>
-              <a:rPr lang="pt-BR" dirty="0" err="1"/>
-              <a:t>google</a:t>
-            </a:r>
-            <a:r>
-              <a:rPr lang="pt-BR" dirty="0"/>
-              <a:t>. Quer conversar Temos ainda 5 min, ou menos.</a:t>
-            </a:r>
+              <a:rPr lang="pt-BR" b="1" dirty="0"/>
+              <a:t>Contato</a:t>
+            </a:r>
+          </a:p>
+        </p:txBody>
+      </p:sp>
+      <p:sp>
+        <p:nvSpPr>
+          <p:cNvPr id="3" name="Espaço Reservado para Conteúdo 2">
+            <a:extLst>
+              <a:ext uri="{FF2B5EF4-FFF2-40B4-BE49-F238E27FC236}">
+                <a16:creationId xmlns:a16="http://schemas.microsoft.com/office/drawing/2014/main" id="{F3714D53-17D3-43BE-8D04-67AC3BDBAC79}"/>
+              </a:ext>
+            </a:extLst>
+          </p:cNvPr>
+          <p:cNvSpPr>
+            <a:spLocks noGrp="1"/>
+          </p:cNvSpPr>
+          <p:nvPr>
+            <p:ph idx="1"/>
+          </p:nvPr>
+        </p:nvSpPr>
+        <p:spPr/>
+        <p:txBody>
+          <a:bodyPr/>
+          <a:lstStyle/>
+          <a:p>
+            <a:r>
+              <a:rPr lang="pt-BR" sz="4400" b="1" dirty="0" err="1"/>
+              <a:t>davidsonDD</a:t>
+            </a:r>
+            <a:r>
+              <a:rPr lang="pt-BR" sz="4400" b="1" dirty="0"/>
+              <a:t>  </a:t>
+            </a:r>
+            <a:r>
+              <a:rPr lang="pt-BR" sz="4400" b="1" dirty="0">
+                <a:latin typeface="Social Media Circled" panose="02000500000000000000" pitchFamily="2" charset="0"/>
+              </a:rPr>
+              <a:t>(</a:t>
+            </a:r>
+          </a:p>
+          <a:p>
+            <a:r>
+              <a:rPr lang="pt-BR" sz="4400" b="1" dirty="0" err="1"/>
+              <a:t>dmmedeiros</a:t>
+            </a:r>
+            <a:r>
+              <a:rPr lang="pt-BR" sz="4400" b="1" dirty="0"/>
+              <a:t>  </a:t>
+            </a:r>
+            <a:r>
+              <a:rPr lang="pt-BR" sz="4400" b="1" dirty="0">
+                <a:latin typeface="Social Media Circled" panose="02000500000000000000" pitchFamily="2" charset="0"/>
+              </a:rPr>
+              <a:t>C</a:t>
+            </a:r>
+            <a:endParaRPr lang="pt-BR" sz="4400" b="1" dirty="0"/>
+          </a:p>
+          <a:p>
+            <a:r>
+              <a:rPr lang="pt-BR" sz="4400" b="1" dirty="0" err="1"/>
+              <a:t>davidsonmarquesm</a:t>
+            </a:r>
+            <a:r>
+              <a:rPr lang="pt-BR" sz="4400" b="1" dirty="0"/>
+              <a:t>  </a:t>
+            </a:r>
+            <a:r>
+              <a:rPr lang="pt-BR" sz="4400" b="1" dirty="0">
+                <a:latin typeface="Social Media Circled" panose="02000500000000000000" pitchFamily="2" charset="0"/>
+              </a:rPr>
+              <a:t>Q</a:t>
+            </a:r>
+          </a:p>
+          <a:p>
+            <a:r>
+              <a:rPr lang="pt-BR" sz="4400" b="1" dirty="0" err="1"/>
+              <a:t>davidsonMarques</a:t>
+            </a:r>
+            <a:r>
+              <a:rPr lang="pt-BR" sz="4400" b="1" dirty="0"/>
+              <a:t>  </a:t>
+            </a:r>
+            <a:r>
+              <a:rPr lang="pt-BR" sz="4400" b="1" dirty="0">
+                <a:latin typeface="Social Media Circled" panose="02000500000000000000" pitchFamily="2" charset="0"/>
+              </a:rPr>
+              <a:t>D</a:t>
+            </a:r>
+            <a:endParaRPr lang="pt-BR" sz="4400" b="1" dirty="0"/>
+          </a:p>
+          <a:p>
+            <a:endParaRPr lang="pt-BR" dirty="0"/>
           </a:p>
         </p:txBody>
       </p:sp>
     </p:spTree>
     <p:extLst>
       <p:ext uri="{BB962C8B-B14F-4D97-AF65-F5344CB8AC3E}">
-        <p14:creationId xmlns:p14="http://schemas.microsoft.com/office/powerpoint/2010/main" val="1252558232"/>
+        <p14:creationId xmlns:p14="http://schemas.microsoft.com/office/powerpoint/2010/main" val="2810913547"/>
       </p:ext>
     </p:extLst>
   </p:cSld>
   <p:clrMapOvr>
     <a:masterClrMapping/>
   </p:clrMapOvr>
+  <p:transition spd="slow">
+    <p:wipe/>
+  </p:transition>
 </p:sld>
 </file>
 
@@ -4581,7 +8134,7 @@
           <p:cNvPr id="2" name="Título 1">
             <a:extLst>
               <a:ext uri="{FF2B5EF4-FFF2-40B4-BE49-F238E27FC236}">
-                <a16:creationId xmlns:a16="http://schemas.microsoft.com/office/drawing/2014/main" id="{38C38B63-79DD-4F73-AFFF-91EC9067DA6A}"/>
+                <a16:creationId xmlns:a16="http://schemas.microsoft.com/office/drawing/2014/main" id="{C0667CF2-D094-472C-A60E-7D66BE4D29E6}"/>
               </a:ext>
             </a:extLst>
           </p:cNvPr>
@@ -4598,8 +8151,8 @@
           <a:lstStyle/>
           <a:p>
             <a:r>
-              <a:rPr lang="pt-BR" b="1" dirty="0"/>
-              <a:t>Contato</a:t>
+              <a:rPr lang="pt-BR" dirty="0"/>
+              <a:t>Referencias</a:t>
             </a:r>
           </a:p>
         </p:txBody>
@@ -4609,7 +8162,7 @@
           <p:cNvPr id="3" name="Espaço Reservado para Conteúdo 2">
             <a:extLst>
               <a:ext uri="{FF2B5EF4-FFF2-40B4-BE49-F238E27FC236}">
-                <a16:creationId xmlns:a16="http://schemas.microsoft.com/office/drawing/2014/main" id="{F3714D53-17D3-43BE-8D04-67AC3BDBAC79}"/>
+                <a16:creationId xmlns:a16="http://schemas.microsoft.com/office/drawing/2014/main" id="{444854F1-11F6-45D4-932D-B192073378B5}"/>
               </a:ext>
             </a:extLst>
           </p:cNvPr>
@@ -4626,85 +8179,109 @@
           <a:lstStyle/>
           <a:p>
             <a:r>
-              <a:rPr lang="pt-BR" sz="4400" b="1" dirty="0" err="1"/>
-              <a:t>davidsonDD</a:t>
-            </a:r>
-            <a:r>
-              <a:rPr lang="pt-BR" sz="4400" b="1" dirty="0"/>
+              <a:rPr lang="pt-BR" dirty="0"/>
+              <a:t>Scrum </a:t>
+            </a:r>
+            <a:r>
+              <a:rPr lang="pt-BR" dirty="0" err="1"/>
+              <a:t>guide</a:t>
+            </a:r>
+            <a:r>
+              <a:rPr lang="pt-BR" dirty="0"/>
               <a:t>  </a:t>
             </a:r>
             <a:r>
-              <a:rPr lang="pt-BR" sz="4400" b="1" dirty="0">
-                <a:latin typeface="Social Media Circled" panose="02000500000000000000" pitchFamily="2" charset="0"/>
+              <a:rPr lang="pt-BR" dirty="0">
+                <a:solidFill>
+                  <a:schemeClr val="accent5">
+                    <a:lumMod val="75000"/>
+                  </a:schemeClr>
+                </a:solidFill>
               </a:rPr>
-              <a:t>(</a:t>
-            </a:r>
-          </a:p>
-          <a:p>
-            <a:r>
-              <a:rPr lang="pt-BR" sz="4400" b="1" dirty="0" err="1"/>
-              <a:t>dmmedeiros</a:t>
-            </a:r>
-            <a:r>
-              <a:rPr lang="pt-BR" sz="4400" b="1" dirty="0"/>
-              <a:t>  </a:t>
-            </a:r>
-            <a:r>
-              <a:rPr lang="pt-BR" sz="4400" b="1" dirty="0">
-                <a:latin typeface="Social Media Circled" panose="02000500000000000000" pitchFamily="2" charset="0"/>
+              <a:t>- </a:t>
+            </a:r>
+            <a:r>
+              <a:rPr lang="pt-BR" sz="2400" dirty="0">
+                <a:solidFill>
+                  <a:schemeClr val="accent5">
+                    <a:lumMod val="75000"/>
+                  </a:schemeClr>
+                </a:solidFill>
+                <a:hlinkClick r:id="rId2">
+                  <a:extLst>
+                    <a:ext uri="{A12FA001-AC4F-418D-AE19-62706E023703}">
+                      <ahyp:hlinkClr xmlns:ahyp="http://schemas.microsoft.com/office/drawing/2018/hyperlinkcolor" val="tx"/>
+                    </a:ext>
+                  </a:extLst>
+                </a:hlinkClick>
               </a:rPr>
-              <a:t>C</a:t>
-            </a:r>
-            <a:endParaRPr lang="pt-BR" sz="4400" b="1" dirty="0"/>
-          </a:p>
-          <a:p>
-            <a:r>
-              <a:rPr lang="pt-BR" sz="4400" b="1" dirty="0" err="1"/>
-              <a:t>davidsonmarquesm</a:t>
-            </a:r>
-            <a:r>
-              <a:rPr lang="pt-BR" sz="4400" b="1" dirty="0"/>
-              <a:t>  </a:t>
-            </a:r>
-            <a:r>
-              <a:rPr lang="pt-BR" sz="4400" b="1" dirty="0">
-                <a:latin typeface="Social Media Circled" panose="02000500000000000000" pitchFamily="2" charset="0"/>
+              <a:t>https://www.scrum.org</a:t>
+            </a:r>
+            <a:endParaRPr lang="pt-BR" sz="2400" dirty="0">
+              <a:solidFill>
+                <a:schemeClr val="accent5">
+                  <a:lumMod val="75000"/>
+                </a:schemeClr>
+              </a:solidFill>
+            </a:endParaRPr>
+          </a:p>
+          <a:p>
+            <a:r>
+              <a:rPr lang="pt-BR" sz="2400" dirty="0"/>
+              <a:t>SBOK - </a:t>
+            </a:r>
+            <a:r>
+              <a:rPr lang="pt-BR" sz="2400" dirty="0">
+                <a:hlinkClick r:id="rId3"/>
               </a:rPr>
-              <a:t>Q</a:t>
-            </a:r>
-          </a:p>
-          <a:p>
-            <a:r>
-              <a:rPr lang="pt-BR" sz="4400" b="1" dirty="0" err="1"/>
-              <a:t>davidsonMarques</a:t>
-            </a:r>
-            <a:r>
-              <a:rPr lang="pt-BR" sz="4400" b="1" dirty="0"/>
-              <a:t>  </a:t>
-            </a:r>
-            <a:r>
-              <a:rPr lang="pt-BR" sz="4400" b="1" dirty="0">
-                <a:latin typeface="Social Media Circled" panose="02000500000000000000" pitchFamily="2" charset="0"/>
-              </a:rPr>
-              <a:t>D</a:t>
-            </a:r>
-            <a:endParaRPr lang="pt-BR" sz="4400" b="1" dirty="0"/>
-          </a:p>
-          <a:p>
-            <a:endParaRPr lang="pt-BR" dirty="0"/>
+              <a:t>https://www.scrumstudy.com/sbokguide</a:t>
+            </a:r>
+            <a:endParaRPr lang="pt-BR" sz="2400" dirty="0"/>
+          </a:p>
+          <a:p>
+            <a:r>
+              <a:rPr lang="pt-BR" sz="2400" dirty="0"/>
+              <a:t>Scrum -  A arte de fazer o dobro do trabalho na metade do tempo. (Jeff Sutherland &amp; J.J. Sutherland.</a:t>
+            </a:r>
+          </a:p>
+          <a:p>
+            <a:r>
+              <a:rPr lang="pt-BR" sz="2400" dirty="0"/>
+              <a:t>Scrum Essencial – </a:t>
+            </a:r>
+            <a:r>
+              <a:rPr lang="pt-BR" sz="2400" dirty="0" err="1"/>
+              <a:t>Keneth</a:t>
+            </a:r>
+            <a:r>
+              <a:rPr lang="pt-BR" sz="2400" dirty="0"/>
+              <a:t> S. Rubin.</a:t>
+            </a:r>
           </a:p>
         </p:txBody>
       </p:sp>
     </p:spTree>
     <p:extLst>
       <p:ext uri="{BB962C8B-B14F-4D97-AF65-F5344CB8AC3E}">
-        <p14:creationId xmlns:p14="http://schemas.microsoft.com/office/powerpoint/2010/main" val="2810913547"/>
+        <p14:creationId xmlns:p14="http://schemas.microsoft.com/office/powerpoint/2010/main" val="3821220247"/>
       </p:ext>
     </p:extLst>
   </p:cSld>
   <p:clrMapOvr>
     <a:masterClrMapping/>
   </p:clrMapOvr>
+  <mc:AlternateContent xmlns:mc="http://schemas.openxmlformats.org/markup-compatibility/2006" xmlns:p14="http://schemas.microsoft.com/office/powerpoint/2010/main">
+    <mc:Choice Requires="p14">
+      <p:transition spd="slow" p14:dur="3400">
+        <p14:reveal/>
+      </p:transition>
+    </mc:Choice>
+    <mc:Fallback xmlns="">
+      <p:transition spd="slow">
+        <p:fade/>
+      </p:transition>
+    </mc:Fallback>
+  </mc:AlternateContent>
 </p:sld>
 </file>
 
@@ -4768,6 +8345,9 @@
   <p:clrMapOvr>
     <a:masterClrMapping/>
   </p:clrMapOvr>
+  <p:transition spd="slow">
+    <p:randomBar dir="vert"/>
+  </p:transition>
 </p:sld>
 </file>
 
@@ -4839,7 +8419,7 @@
         </p:nvSpPr>
         <p:spPr>
           <a:xfrm>
-            <a:off x="838200" y="1253331"/>
+            <a:off x="135835" y="1247707"/>
             <a:ext cx="6237850" cy="4351338"/>
           </a:xfrm>
         </p:spPr>
@@ -4953,6 +8533,631 @@
   <p:clrMapOvr>
     <a:masterClrMapping/>
   </p:clrMapOvr>
+  <p:transition spd="slow">
+    <p:push dir="u"/>
+  </p:transition>
+  <p:timing>
+    <p:tnLst>
+      <p:par>
+        <p:cTn id="1" dur="indefinite" restart="never" nodeType="tmRoot">
+          <p:childTnLst>
+            <p:seq concurrent="1" nextAc="seek">
+              <p:cTn id="2" dur="indefinite" nodeType="mainSeq">
+                <p:childTnLst>
+                  <p:par>
+                    <p:cTn id="3" fill="hold">
+                      <p:stCondLst>
+                        <p:cond delay="indefinite"/>
+                      </p:stCondLst>
+                      <p:childTnLst>
+                        <p:par>
+                          <p:cTn id="4" fill="hold">
+                            <p:stCondLst>
+                              <p:cond delay="0"/>
+                            </p:stCondLst>
+                            <p:childTnLst>
+                              <p:par>
+                                <p:cTn id="5" presetID="2" presetClass="entr" presetSubtype="4" fill="hold" grpId="0" nodeType="clickEffect">
+                                  <p:stCondLst>
+                                    <p:cond delay="0"/>
+                                  </p:stCondLst>
+                                  <p:childTnLst>
+                                    <p:set>
+                                      <p:cBhvr>
+                                        <p:cTn id="6" dur="1" fill="hold">
+                                          <p:stCondLst>
+                                            <p:cond delay="0"/>
+                                          </p:stCondLst>
+                                        </p:cTn>
+                                        <p:tgtEl>
+                                          <p:spTgt spid="3">
+                                            <p:txEl>
+                                              <p:pRg st="0" end="0"/>
+                                            </p:txEl>
+                                          </p:spTgt>
+                                        </p:tgtEl>
+                                        <p:attrNameLst>
+                                          <p:attrName>style.visibility</p:attrName>
+                                        </p:attrNameLst>
+                                      </p:cBhvr>
+                                      <p:to>
+                                        <p:strVal val="visible"/>
+                                      </p:to>
+                                    </p:set>
+                                    <p:anim calcmode="lin" valueType="num">
+                                      <p:cBhvr additive="base">
+                                        <p:cTn id="7" dur="500" fill="hold"/>
+                                        <p:tgtEl>
+                                          <p:spTgt spid="3">
+                                            <p:txEl>
+                                              <p:pRg st="0" end="0"/>
+                                            </p:txEl>
+                                          </p:spTgt>
+                                        </p:tgtEl>
+                                        <p:attrNameLst>
+                                          <p:attrName>ppt_x</p:attrName>
+                                        </p:attrNameLst>
+                                      </p:cBhvr>
+                                      <p:tavLst>
+                                        <p:tav tm="0">
+                                          <p:val>
+                                            <p:strVal val="#ppt_x"/>
+                                          </p:val>
+                                        </p:tav>
+                                        <p:tav tm="100000">
+                                          <p:val>
+                                            <p:strVal val="#ppt_x"/>
+                                          </p:val>
+                                        </p:tav>
+                                      </p:tavLst>
+                                    </p:anim>
+                                    <p:anim calcmode="lin" valueType="num">
+                                      <p:cBhvr additive="base">
+                                        <p:cTn id="8" dur="500" fill="hold"/>
+                                        <p:tgtEl>
+                                          <p:spTgt spid="3">
+                                            <p:txEl>
+                                              <p:pRg st="0" end="0"/>
+                                            </p:txEl>
+                                          </p:spTgt>
+                                        </p:tgtEl>
+                                        <p:attrNameLst>
+                                          <p:attrName>ppt_y</p:attrName>
+                                        </p:attrNameLst>
+                                      </p:cBhvr>
+                                      <p:tavLst>
+                                        <p:tav tm="0">
+                                          <p:val>
+                                            <p:strVal val="1+#ppt_h/2"/>
+                                          </p:val>
+                                        </p:tav>
+                                        <p:tav tm="100000">
+                                          <p:val>
+                                            <p:strVal val="#ppt_y"/>
+                                          </p:val>
+                                        </p:tav>
+                                      </p:tavLst>
+                                    </p:anim>
+                                  </p:childTnLst>
+                                </p:cTn>
+                              </p:par>
+                            </p:childTnLst>
+                          </p:cTn>
+                        </p:par>
+                      </p:childTnLst>
+                    </p:cTn>
+                  </p:par>
+                  <p:par>
+                    <p:cTn id="9" fill="hold">
+                      <p:stCondLst>
+                        <p:cond delay="indefinite"/>
+                      </p:stCondLst>
+                      <p:childTnLst>
+                        <p:par>
+                          <p:cTn id="10" fill="hold">
+                            <p:stCondLst>
+                              <p:cond delay="0"/>
+                            </p:stCondLst>
+                            <p:childTnLst>
+                              <p:par>
+                                <p:cTn id="11" presetID="2" presetClass="entr" presetSubtype="4" fill="hold" grpId="0" nodeType="clickEffect">
+                                  <p:stCondLst>
+                                    <p:cond delay="0"/>
+                                  </p:stCondLst>
+                                  <p:childTnLst>
+                                    <p:set>
+                                      <p:cBhvr>
+                                        <p:cTn id="12" dur="1" fill="hold">
+                                          <p:stCondLst>
+                                            <p:cond delay="0"/>
+                                          </p:stCondLst>
+                                        </p:cTn>
+                                        <p:tgtEl>
+                                          <p:spTgt spid="3">
+                                            <p:txEl>
+                                              <p:pRg st="1" end="1"/>
+                                            </p:txEl>
+                                          </p:spTgt>
+                                        </p:tgtEl>
+                                        <p:attrNameLst>
+                                          <p:attrName>style.visibility</p:attrName>
+                                        </p:attrNameLst>
+                                      </p:cBhvr>
+                                      <p:to>
+                                        <p:strVal val="visible"/>
+                                      </p:to>
+                                    </p:set>
+                                    <p:anim calcmode="lin" valueType="num">
+                                      <p:cBhvr additive="base">
+                                        <p:cTn id="13" dur="500" fill="hold"/>
+                                        <p:tgtEl>
+                                          <p:spTgt spid="3">
+                                            <p:txEl>
+                                              <p:pRg st="1" end="1"/>
+                                            </p:txEl>
+                                          </p:spTgt>
+                                        </p:tgtEl>
+                                        <p:attrNameLst>
+                                          <p:attrName>ppt_x</p:attrName>
+                                        </p:attrNameLst>
+                                      </p:cBhvr>
+                                      <p:tavLst>
+                                        <p:tav tm="0">
+                                          <p:val>
+                                            <p:strVal val="#ppt_x"/>
+                                          </p:val>
+                                        </p:tav>
+                                        <p:tav tm="100000">
+                                          <p:val>
+                                            <p:strVal val="#ppt_x"/>
+                                          </p:val>
+                                        </p:tav>
+                                      </p:tavLst>
+                                    </p:anim>
+                                    <p:anim calcmode="lin" valueType="num">
+                                      <p:cBhvr additive="base">
+                                        <p:cTn id="14" dur="500" fill="hold"/>
+                                        <p:tgtEl>
+                                          <p:spTgt spid="3">
+                                            <p:txEl>
+                                              <p:pRg st="1" end="1"/>
+                                            </p:txEl>
+                                          </p:spTgt>
+                                        </p:tgtEl>
+                                        <p:attrNameLst>
+                                          <p:attrName>ppt_y</p:attrName>
+                                        </p:attrNameLst>
+                                      </p:cBhvr>
+                                      <p:tavLst>
+                                        <p:tav tm="0">
+                                          <p:val>
+                                            <p:strVal val="1+#ppt_h/2"/>
+                                          </p:val>
+                                        </p:tav>
+                                        <p:tav tm="100000">
+                                          <p:val>
+                                            <p:strVal val="#ppt_y"/>
+                                          </p:val>
+                                        </p:tav>
+                                      </p:tavLst>
+                                    </p:anim>
+                                  </p:childTnLst>
+                                </p:cTn>
+                              </p:par>
+                            </p:childTnLst>
+                          </p:cTn>
+                        </p:par>
+                      </p:childTnLst>
+                    </p:cTn>
+                  </p:par>
+                  <p:par>
+                    <p:cTn id="15" fill="hold">
+                      <p:stCondLst>
+                        <p:cond delay="indefinite"/>
+                      </p:stCondLst>
+                      <p:childTnLst>
+                        <p:par>
+                          <p:cTn id="16" fill="hold">
+                            <p:stCondLst>
+                              <p:cond delay="0"/>
+                            </p:stCondLst>
+                            <p:childTnLst>
+                              <p:par>
+                                <p:cTn id="17" presetID="2" presetClass="entr" presetSubtype="4" fill="hold" grpId="0" nodeType="clickEffect">
+                                  <p:stCondLst>
+                                    <p:cond delay="0"/>
+                                  </p:stCondLst>
+                                  <p:childTnLst>
+                                    <p:set>
+                                      <p:cBhvr>
+                                        <p:cTn id="18" dur="1" fill="hold">
+                                          <p:stCondLst>
+                                            <p:cond delay="0"/>
+                                          </p:stCondLst>
+                                        </p:cTn>
+                                        <p:tgtEl>
+                                          <p:spTgt spid="3">
+                                            <p:txEl>
+                                              <p:pRg st="2" end="2"/>
+                                            </p:txEl>
+                                          </p:spTgt>
+                                        </p:tgtEl>
+                                        <p:attrNameLst>
+                                          <p:attrName>style.visibility</p:attrName>
+                                        </p:attrNameLst>
+                                      </p:cBhvr>
+                                      <p:to>
+                                        <p:strVal val="visible"/>
+                                      </p:to>
+                                    </p:set>
+                                    <p:anim calcmode="lin" valueType="num">
+                                      <p:cBhvr additive="base">
+                                        <p:cTn id="19" dur="500" fill="hold"/>
+                                        <p:tgtEl>
+                                          <p:spTgt spid="3">
+                                            <p:txEl>
+                                              <p:pRg st="2" end="2"/>
+                                            </p:txEl>
+                                          </p:spTgt>
+                                        </p:tgtEl>
+                                        <p:attrNameLst>
+                                          <p:attrName>ppt_x</p:attrName>
+                                        </p:attrNameLst>
+                                      </p:cBhvr>
+                                      <p:tavLst>
+                                        <p:tav tm="0">
+                                          <p:val>
+                                            <p:strVal val="#ppt_x"/>
+                                          </p:val>
+                                        </p:tav>
+                                        <p:tav tm="100000">
+                                          <p:val>
+                                            <p:strVal val="#ppt_x"/>
+                                          </p:val>
+                                        </p:tav>
+                                      </p:tavLst>
+                                    </p:anim>
+                                    <p:anim calcmode="lin" valueType="num">
+                                      <p:cBhvr additive="base">
+                                        <p:cTn id="20" dur="500" fill="hold"/>
+                                        <p:tgtEl>
+                                          <p:spTgt spid="3">
+                                            <p:txEl>
+                                              <p:pRg st="2" end="2"/>
+                                            </p:txEl>
+                                          </p:spTgt>
+                                        </p:tgtEl>
+                                        <p:attrNameLst>
+                                          <p:attrName>ppt_y</p:attrName>
+                                        </p:attrNameLst>
+                                      </p:cBhvr>
+                                      <p:tavLst>
+                                        <p:tav tm="0">
+                                          <p:val>
+                                            <p:strVal val="1+#ppt_h/2"/>
+                                          </p:val>
+                                        </p:tav>
+                                        <p:tav tm="100000">
+                                          <p:val>
+                                            <p:strVal val="#ppt_y"/>
+                                          </p:val>
+                                        </p:tav>
+                                      </p:tavLst>
+                                    </p:anim>
+                                  </p:childTnLst>
+                                </p:cTn>
+                              </p:par>
+                            </p:childTnLst>
+                          </p:cTn>
+                        </p:par>
+                      </p:childTnLst>
+                    </p:cTn>
+                  </p:par>
+                  <p:par>
+                    <p:cTn id="21" fill="hold">
+                      <p:stCondLst>
+                        <p:cond delay="indefinite"/>
+                      </p:stCondLst>
+                      <p:childTnLst>
+                        <p:par>
+                          <p:cTn id="22" fill="hold">
+                            <p:stCondLst>
+                              <p:cond delay="0"/>
+                            </p:stCondLst>
+                            <p:childTnLst>
+                              <p:par>
+                                <p:cTn id="23" presetID="2" presetClass="entr" presetSubtype="4" fill="hold" grpId="0" nodeType="clickEffect">
+                                  <p:stCondLst>
+                                    <p:cond delay="0"/>
+                                  </p:stCondLst>
+                                  <p:childTnLst>
+                                    <p:set>
+                                      <p:cBhvr>
+                                        <p:cTn id="24" dur="1" fill="hold">
+                                          <p:stCondLst>
+                                            <p:cond delay="0"/>
+                                          </p:stCondLst>
+                                        </p:cTn>
+                                        <p:tgtEl>
+                                          <p:spTgt spid="3">
+                                            <p:txEl>
+                                              <p:pRg st="3" end="3"/>
+                                            </p:txEl>
+                                          </p:spTgt>
+                                        </p:tgtEl>
+                                        <p:attrNameLst>
+                                          <p:attrName>style.visibility</p:attrName>
+                                        </p:attrNameLst>
+                                      </p:cBhvr>
+                                      <p:to>
+                                        <p:strVal val="visible"/>
+                                      </p:to>
+                                    </p:set>
+                                    <p:anim calcmode="lin" valueType="num">
+                                      <p:cBhvr additive="base">
+                                        <p:cTn id="25" dur="500" fill="hold"/>
+                                        <p:tgtEl>
+                                          <p:spTgt spid="3">
+                                            <p:txEl>
+                                              <p:pRg st="3" end="3"/>
+                                            </p:txEl>
+                                          </p:spTgt>
+                                        </p:tgtEl>
+                                        <p:attrNameLst>
+                                          <p:attrName>ppt_x</p:attrName>
+                                        </p:attrNameLst>
+                                      </p:cBhvr>
+                                      <p:tavLst>
+                                        <p:tav tm="0">
+                                          <p:val>
+                                            <p:strVal val="#ppt_x"/>
+                                          </p:val>
+                                        </p:tav>
+                                        <p:tav tm="100000">
+                                          <p:val>
+                                            <p:strVal val="#ppt_x"/>
+                                          </p:val>
+                                        </p:tav>
+                                      </p:tavLst>
+                                    </p:anim>
+                                    <p:anim calcmode="lin" valueType="num">
+                                      <p:cBhvr additive="base">
+                                        <p:cTn id="26" dur="500" fill="hold"/>
+                                        <p:tgtEl>
+                                          <p:spTgt spid="3">
+                                            <p:txEl>
+                                              <p:pRg st="3" end="3"/>
+                                            </p:txEl>
+                                          </p:spTgt>
+                                        </p:tgtEl>
+                                        <p:attrNameLst>
+                                          <p:attrName>ppt_y</p:attrName>
+                                        </p:attrNameLst>
+                                      </p:cBhvr>
+                                      <p:tavLst>
+                                        <p:tav tm="0">
+                                          <p:val>
+                                            <p:strVal val="1+#ppt_h/2"/>
+                                          </p:val>
+                                        </p:tav>
+                                        <p:tav tm="100000">
+                                          <p:val>
+                                            <p:strVal val="#ppt_y"/>
+                                          </p:val>
+                                        </p:tav>
+                                      </p:tavLst>
+                                    </p:anim>
+                                  </p:childTnLst>
+                                </p:cTn>
+                              </p:par>
+                            </p:childTnLst>
+                          </p:cTn>
+                        </p:par>
+                      </p:childTnLst>
+                    </p:cTn>
+                  </p:par>
+                  <p:par>
+                    <p:cTn id="27" fill="hold">
+                      <p:stCondLst>
+                        <p:cond delay="indefinite"/>
+                      </p:stCondLst>
+                      <p:childTnLst>
+                        <p:par>
+                          <p:cTn id="28" fill="hold">
+                            <p:stCondLst>
+                              <p:cond delay="0"/>
+                            </p:stCondLst>
+                            <p:childTnLst>
+                              <p:par>
+                                <p:cTn id="29" presetID="2" presetClass="entr" presetSubtype="4" fill="hold" grpId="0" nodeType="clickEffect">
+                                  <p:stCondLst>
+                                    <p:cond delay="0"/>
+                                  </p:stCondLst>
+                                  <p:childTnLst>
+                                    <p:set>
+                                      <p:cBhvr>
+                                        <p:cTn id="30" dur="1" fill="hold">
+                                          <p:stCondLst>
+                                            <p:cond delay="0"/>
+                                          </p:stCondLst>
+                                        </p:cTn>
+                                        <p:tgtEl>
+                                          <p:spTgt spid="3">
+                                            <p:txEl>
+                                              <p:pRg st="4" end="4"/>
+                                            </p:txEl>
+                                          </p:spTgt>
+                                        </p:tgtEl>
+                                        <p:attrNameLst>
+                                          <p:attrName>style.visibility</p:attrName>
+                                        </p:attrNameLst>
+                                      </p:cBhvr>
+                                      <p:to>
+                                        <p:strVal val="visible"/>
+                                      </p:to>
+                                    </p:set>
+                                    <p:anim calcmode="lin" valueType="num">
+                                      <p:cBhvr additive="base">
+                                        <p:cTn id="31" dur="500" fill="hold"/>
+                                        <p:tgtEl>
+                                          <p:spTgt spid="3">
+                                            <p:txEl>
+                                              <p:pRg st="4" end="4"/>
+                                            </p:txEl>
+                                          </p:spTgt>
+                                        </p:tgtEl>
+                                        <p:attrNameLst>
+                                          <p:attrName>ppt_x</p:attrName>
+                                        </p:attrNameLst>
+                                      </p:cBhvr>
+                                      <p:tavLst>
+                                        <p:tav tm="0">
+                                          <p:val>
+                                            <p:strVal val="#ppt_x"/>
+                                          </p:val>
+                                        </p:tav>
+                                        <p:tav tm="100000">
+                                          <p:val>
+                                            <p:strVal val="#ppt_x"/>
+                                          </p:val>
+                                        </p:tav>
+                                      </p:tavLst>
+                                    </p:anim>
+                                    <p:anim calcmode="lin" valueType="num">
+                                      <p:cBhvr additive="base">
+                                        <p:cTn id="32" dur="500" fill="hold"/>
+                                        <p:tgtEl>
+                                          <p:spTgt spid="3">
+                                            <p:txEl>
+                                              <p:pRg st="4" end="4"/>
+                                            </p:txEl>
+                                          </p:spTgt>
+                                        </p:tgtEl>
+                                        <p:attrNameLst>
+                                          <p:attrName>ppt_y</p:attrName>
+                                        </p:attrNameLst>
+                                      </p:cBhvr>
+                                      <p:tavLst>
+                                        <p:tav tm="0">
+                                          <p:val>
+                                            <p:strVal val="1+#ppt_h/2"/>
+                                          </p:val>
+                                        </p:tav>
+                                        <p:tav tm="100000">
+                                          <p:val>
+                                            <p:strVal val="#ppt_y"/>
+                                          </p:val>
+                                        </p:tav>
+                                      </p:tavLst>
+                                    </p:anim>
+                                  </p:childTnLst>
+                                </p:cTn>
+                              </p:par>
+                            </p:childTnLst>
+                          </p:cTn>
+                        </p:par>
+                      </p:childTnLst>
+                    </p:cTn>
+                  </p:par>
+                </p:childTnLst>
+              </p:cTn>
+              <p:prevCondLst>
+                <p:cond evt="onPrev" delay="0">
+                  <p:tgtEl>
+                    <p:sldTgt/>
+                  </p:tgtEl>
+                </p:cond>
+              </p:prevCondLst>
+              <p:nextCondLst>
+                <p:cond evt="onNext" delay="0">
+                  <p:tgtEl>
+                    <p:sldTgt/>
+                  </p:tgtEl>
+                </p:cond>
+              </p:nextCondLst>
+            </p:seq>
+          </p:childTnLst>
+        </p:cTn>
+      </p:par>
+    </p:tnLst>
+    <p:bldLst>
+      <p:bldP spid="3" grpId="0" build="p"/>
+    </p:bldLst>
+  </p:timing>
+</p:sld>
+</file>
+
+<file path=ppt/slides/slide20.xml><?xml version="1.0" encoding="utf-8"?>
+<p:sld xmlns:a="http://schemas.openxmlformats.org/drawingml/2006/main" xmlns:r="http://schemas.openxmlformats.org/officeDocument/2006/relationships" xmlns:p="http://schemas.openxmlformats.org/presentationml/2006/main">
+  <p:cSld>
+    <p:spTree>
+      <p:nvGrpSpPr>
+        <p:cNvPr id="1" name=""/>
+        <p:cNvGrpSpPr/>
+        <p:nvPr/>
+      </p:nvGrpSpPr>
+      <p:grpSpPr>
+        <a:xfrm>
+          <a:off x="0" y="0"/>
+          <a:ext cx="0" cy="0"/>
+          <a:chOff x="0" y="0"/>
+          <a:chExt cx="0" cy="0"/>
+        </a:xfrm>
+      </p:grpSpPr>
+      <p:sp>
+        <p:nvSpPr>
+          <p:cNvPr id="4" name="Título 3">
+            <a:extLst>
+              <a:ext uri="{FF2B5EF4-FFF2-40B4-BE49-F238E27FC236}">
+                <a16:creationId xmlns:a16="http://schemas.microsoft.com/office/drawing/2014/main" id="{234E075F-6E89-4911-B916-F0A729089CB7}"/>
+              </a:ext>
+            </a:extLst>
+          </p:cNvPr>
+          <p:cNvSpPr>
+            <a:spLocks noGrp="1"/>
+          </p:cNvSpPr>
+          <p:nvPr>
+            <p:ph type="title"/>
+          </p:nvPr>
+        </p:nvSpPr>
+        <p:spPr>
+          <a:xfrm>
+            <a:off x="838200" y="365125"/>
+            <a:ext cx="10515600" cy="5880930"/>
+          </a:xfrm>
+        </p:spPr>
+        <p:txBody>
+          <a:bodyPr/>
+          <a:lstStyle/>
+          <a:p>
+            <a:r>
+              <a:rPr lang="pt-BR" dirty="0"/>
+              <a:t>Dúvidas vamos no </a:t>
+            </a:r>
+            <a:r>
+              <a:rPr lang="pt-BR" dirty="0" err="1"/>
+              <a:t>google</a:t>
+            </a:r>
+            <a:r>
+              <a:rPr lang="pt-BR" dirty="0"/>
+              <a:t>. Quer conversar Temos ainda 5 min, ou menos.</a:t>
+            </a:r>
+          </a:p>
+        </p:txBody>
+      </p:sp>
+    </p:spTree>
+    <p:extLst>
+      <p:ext uri="{BB962C8B-B14F-4D97-AF65-F5344CB8AC3E}">
+        <p14:creationId xmlns:p14="http://schemas.microsoft.com/office/powerpoint/2010/main" val="1252558232"/>
+      </p:ext>
+    </p:extLst>
+  </p:cSld>
+  <p:clrMapOvr>
+    <a:masterClrMapping/>
+  </p:clrMapOvr>
+  <p:transition spd="slow">
+    <p:wipe/>
+  </p:transition>
 </p:sld>
 </file>
 
@@ -5053,6 +9258,9 @@
   <p:clrMapOvr>
     <a:masterClrMapping/>
   </p:clrMapOvr>
+  <p:transition spd="slow">
+    <p:wipe/>
+  </p:transition>
 </p:sld>
 </file>
 
@@ -5295,6 +9503,534 @@
   <p:clrMapOvr>
     <a:masterClrMapping/>
   </p:clrMapOvr>
+  <p:transition spd="med">
+    <p:pull/>
+  </p:transition>
+  <p:timing>
+    <p:tnLst>
+      <p:par>
+        <p:cTn id="1" dur="indefinite" restart="never" nodeType="tmRoot">
+          <p:childTnLst>
+            <p:seq concurrent="1" nextAc="seek">
+              <p:cTn id="2" dur="indefinite" nodeType="mainSeq">
+                <p:childTnLst>
+                  <p:par>
+                    <p:cTn id="3" fill="hold">
+                      <p:stCondLst>
+                        <p:cond delay="indefinite"/>
+                      </p:stCondLst>
+                      <p:childTnLst>
+                        <p:par>
+                          <p:cTn id="4" fill="hold">
+                            <p:stCondLst>
+                              <p:cond delay="0"/>
+                            </p:stCondLst>
+                            <p:childTnLst>
+                              <p:par>
+                                <p:cTn id="5" presetID="42" presetClass="entr" presetSubtype="0" fill="hold" nodeType="clickEffect">
+                                  <p:stCondLst>
+                                    <p:cond delay="0"/>
+                                  </p:stCondLst>
+                                  <p:childTnLst>
+                                    <p:set>
+                                      <p:cBhvr>
+                                        <p:cTn id="6" dur="1" fill="hold">
+                                          <p:stCondLst>
+                                            <p:cond delay="0"/>
+                                          </p:stCondLst>
+                                        </p:cTn>
+                                        <p:tgtEl>
+                                          <p:spTgt spid="5"/>
+                                        </p:tgtEl>
+                                        <p:attrNameLst>
+                                          <p:attrName>style.visibility</p:attrName>
+                                        </p:attrNameLst>
+                                      </p:cBhvr>
+                                      <p:to>
+                                        <p:strVal val="visible"/>
+                                      </p:to>
+                                    </p:set>
+                                    <p:animEffect transition="in" filter="fade">
+                                      <p:cBhvr>
+                                        <p:cTn id="7" dur="1000"/>
+                                        <p:tgtEl>
+                                          <p:spTgt spid="5"/>
+                                        </p:tgtEl>
+                                      </p:cBhvr>
+                                    </p:animEffect>
+                                    <p:anim calcmode="lin" valueType="num">
+                                      <p:cBhvr>
+                                        <p:cTn id="8" dur="1000" fill="hold"/>
+                                        <p:tgtEl>
+                                          <p:spTgt spid="5"/>
+                                        </p:tgtEl>
+                                        <p:attrNameLst>
+                                          <p:attrName>ppt_x</p:attrName>
+                                        </p:attrNameLst>
+                                      </p:cBhvr>
+                                      <p:tavLst>
+                                        <p:tav tm="0">
+                                          <p:val>
+                                            <p:strVal val="#ppt_x"/>
+                                          </p:val>
+                                        </p:tav>
+                                        <p:tav tm="100000">
+                                          <p:val>
+                                            <p:strVal val="#ppt_x"/>
+                                          </p:val>
+                                        </p:tav>
+                                      </p:tavLst>
+                                    </p:anim>
+                                    <p:anim calcmode="lin" valueType="num">
+                                      <p:cBhvr>
+                                        <p:cTn id="9" dur="1000" fill="hold"/>
+                                        <p:tgtEl>
+                                          <p:spTgt spid="5"/>
+                                        </p:tgtEl>
+                                        <p:attrNameLst>
+                                          <p:attrName>ppt_y</p:attrName>
+                                        </p:attrNameLst>
+                                      </p:cBhvr>
+                                      <p:tavLst>
+                                        <p:tav tm="0">
+                                          <p:val>
+                                            <p:strVal val="#ppt_y+.1"/>
+                                          </p:val>
+                                        </p:tav>
+                                        <p:tav tm="100000">
+                                          <p:val>
+                                            <p:strVal val="#ppt_y"/>
+                                          </p:val>
+                                        </p:tav>
+                                      </p:tavLst>
+                                    </p:anim>
+                                  </p:childTnLst>
+                                </p:cTn>
+                              </p:par>
+                            </p:childTnLst>
+                          </p:cTn>
+                        </p:par>
+                      </p:childTnLst>
+                    </p:cTn>
+                  </p:par>
+                  <p:par>
+                    <p:cTn id="10" fill="hold">
+                      <p:stCondLst>
+                        <p:cond delay="indefinite"/>
+                      </p:stCondLst>
+                      <p:childTnLst>
+                        <p:par>
+                          <p:cTn id="11" fill="hold">
+                            <p:stCondLst>
+                              <p:cond delay="0"/>
+                            </p:stCondLst>
+                            <p:childTnLst>
+                              <p:par>
+                                <p:cTn id="12" presetID="42" presetClass="entr" presetSubtype="0" fill="hold" nodeType="clickEffect">
+                                  <p:stCondLst>
+                                    <p:cond delay="0"/>
+                                  </p:stCondLst>
+                                  <p:childTnLst>
+                                    <p:set>
+                                      <p:cBhvr>
+                                        <p:cTn id="13" dur="1" fill="hold">
+                                          <p:stCondLst>
+                                            <p:cond delay="0"/>
+                                          </p:stCondLst>
+                                        </p:cTn>
+                                        <p:tgtEl>
+                                          <p:spTgt spid="7"/>
+                                        </p:tgtEl>
+                                        <p:attrNameLst>
+                                          <p:attrName>style.visibility</p:attrName>
+                                        </p:attrNameLst>
+                                      </p:cBhvr>
+                                      <p:to>
+                                        <p:strVal val="visible"/>
+                                      </p:to>
+                                    </p:set>
+                                    <p:animEffect transition="in" filter="fade">
+                                      <p:cBhvr>
+                                        <p:cTn id="14" dur="1000"/>
+                                        <p:tgtEl>
+                                          <p:spTgt spid="7"/>
+                                        </p:tgtEl>
+                                      </p:cBhvr>
+                                    </p:animEffect>
+                                    <p:anim calcmode="lin" valueType="num">
+                                      <p:cBhvr>
+                                        <p:cTn id="15" dur="1000" fill="hold"/>
+                                        <p:tgtEl>
+                                          <p:spTgt spid="7"/>
+                                        </p:tgtEl>
+                                        <p:attrNameLst>
+                                          <p:attrName>ppt_x</p:attrName>
+                                        </p:attrNameLst>
+                                      </p:cBhvr>
+                                      <p:tavLst>
+                                        <p:tav tm="0">
+                                          <p:val>
+                                            <p:strVal val="#ppt_x"/>
+                                          </p:val>
+                                        </p:tav>
+                                        <p:tav tm="100000">
+                                          <p:val>
+                                            <p:strVal val="#ppt_x"/>
+                                          </p:val>
+                                        </p:tav>
+                                      </p:tavLst>
+                                    </p:anim>
+                                    <p:anim calcmode="lin" valueType="num">
+                                      <p:cBhvr>
+                                        <p:cTn id="16" dur="1000" fill="hold"/>
+                                        <p:tgtEl>
+                                          <p:spTgt spid="7"/>
+                                        </p:tgtEl>
+                                        <p:attrNameLst>
+                                          <p:attrName>ppt_y</p:attrName>
+                                        </p:attrNameLst>
+                                      </p:cBhvr>
+                                      <p:tavLst>
+                                        <p:tav tm="0">
+                                          <p:val>
+                                            <p:strVal val="#ppt_y+.1"/>
+                                          </p:val>
+                                        </p:tav>
+                                        <p:tav tm="100000">
+                                          <p:val>
+                                            <p:strVal val="#ppt_y"/>
+                                          </p:val>
+                                        </p:tav>
+                                      </p:tavLst>
+                                    </p:anim>
+                                  </p:childTnLst>
+                                </p:cTn>
+                              </p:par>
+                            </p:childTnLst>
+                          </p:cTn>
+                        </p:par>
+                      </p:childTnLst>
+                    </p:cTn>
+                  </p:par>
+                  <p:par>
+                    <p:cTn id="17" fill="hold">
+                      <p:stCondLst>
+                        <p:cond delay="indefinite"/>
+                      </p:stCondLst>
+                      <p:childTnLst>
+                        <p:par>
+                          <p:cTn id="18" fill="hold">
+                            <p:stCondLst>
+                              <p:cond delay="0"/>
+                            </p:stCondLst>
+                            <p:childTnLst>
+                              <p:par>
+                                <p:cTn id="19" presetID="42" presetClass="entr" presetSubtype="0" fill="hold" nodeType="clickEffect">
+                                  <p:stCondLst>
+                                    <p:cond delay="0"/>
+                                  </p:stCondLst>
+                                  <p:childTnLst>
+                                    <p:set>
+                                      <p:cBhvr>
+                                        <p:cTn id="20" dur="1" fill="hold">
+                                          <p:stCondLst>
+                                            <p:cond delay="0"/>
+                                          </p:stCondLst>
+                                        </p:cTn>
+                                        <p:tgtEl>
+                                          <p:spTgt spid="11"/>
+                                        </p:tgtEl>
+                                        <p:attrNameLst>
+                                          <p:attrName>style.visibility</p:attrName>
+                                        </p:attrNameLst>
+                                      </p:cBhvr>
+                                      <p:to>
+                                        <p:strVal val="visible"/>
+                                      </p:to>
+                                    </p:set>
+                                    <p:animEffect transition="in" filter="fade">
+                                      <p:cBhvr>
+                                        <p:cTn id="21" dur="1000"/>
+                                        <p:tgtEl>
+                                          <p:spTgt spid="11"/>
+                                        </p:tgtEl>
+                                      </p:cBhvr>
+                                    </p:animEffect>
+                                    <p:anim calcmode="lin" valueType="num">
+                                      <p:cBhvr>
+                                        <p:cTn id="22" dur="1000" fill="hold"/>
+                                        <p:tgtEl>
+                                          <p:spTgt spid="11"/>
+                                        </p:tgtEl>
+                                        <p:attrNameLst>
+                                          <p:attrName>ppt_x</p:attrName>
+                                        </p:attrNameLst>
+                                      </p:cBhvr>
+                                      <p:tavLst>
+                                        <p:tav tm="0">
+                                          <p:val>
+                                            <p:strVal val="#ppt_x"/>
+                                          </p:val>
+                                        </p:tav>
+                                        <p:tav tm="100000">
+                                          <p:val>
+                                            <p:strVal val="#ppt_x"/>
+                                          </p:val>
+                                        </p:tav>
+                                      </p:tavLst>
+                                    </p:anim>
+                                    <p:anim calcmode="lin" valueType="num">
+                                      <p:cBhvr>
+                                        <p:cTn id="23" dur="1000" fill="hold"/>
+                                        <p:tgtEl>
+                                          <p:spTgt spid="11"/>
+                                        </p:tgtEl>
+                                        <p:attrNameLst>
+                                          <p:attrName>ppt_y</p:attrName>
+                                        </p:attrNameLst>
+                                      </p:cBhvr>
+                                      <p:tavLst>
+                                        <p:tav tm="0">
+                                          <p:val>
+                                            <p:strVal val="#ppt_y+.1"/>
+                                          </p:val>
+                                        </p:tav>
+                                        <p:tav tm="100000">
+                                          <p:val>
+                                            <p:strVal val="#ppt_y"/>
+                                          </p:val>
+                                        </p:tav>
+                                      </p:tavLst>
+                                    </p:anim>
+                                  </p:childTnLst>
+                                </p:cTn>
+                              </p:par>
+                            </p:childTnLst>
+                          </p:cTn>
+                        </p:par>
+                      </p:childTnLst>
+                    </p:cTn>
+                  </p:par>
+                  <p:par>
+                    <p:cTn id="24" fill="hold">
+                      <p:stCondLst>
+                        <p:cond delay="indefinite"/>
+                      </p:stCondLst>
+                      <p:childTnLst>
+                        <p:par>
+                          <p:cTn id="25" fill="hold">
+                            <p:stCondLst>
+                              <p:cond delay="0"/>
+                            </p:stCondLst>
+                            <p:childTnLst>
+                              <p:par>
+                                <p:cTn id="26" presetID="42" presetClass="entr" presetSubtype="0" fill="hold" nodeType="clickEffect">
+                                  <p:stCondLst>
+                                    <p:cond delay="0"/>
+                                  </p:stCondLst>
+                                  <p:childTnLst>
+                                    <p:set>
+                                      <p:cBhvr>
+                                        <p:cTn id="27" dur="1" fill="hold">
+                                          <p:stCondLst>
+                                            <p:cond delay="0"/>
+                                          </p:stCondLst>
+                                        </p:cTn>
+                                        <p:tgtEl>
+                                          <p:spTgt spid="13"/>
+                                        </p:tgtEl>
+                                        <p:attrNameLst>
+                                          <p:attrName>style.visibility</p:attrName>
+                                        </p:attrNameLst>
+                                      </p:cBhvr>
+                                      <p:to>
+                                        <p:strVal val="visible"/>
+                                      </p:to>
+                                    </p:set>
+                                    <p:animEffect transition="in" filter="fade">
+                                      <p:cBhvr>
+                                        <p:cTn id="28" dur="1000"/>
+                                        <p:tgtEl>
+                                          <p:spTgt spid="13"/>
+                                        </p:tgtEl>
+                                      </p:cBhvr>
+                                    </p:animEffect>
+                                    <p:anim calcmode="lin" valueType="num">
+                                      <p:cBhvr>
+                                        <p:cTn id="29" dur="1000" fill="hold"/>
+                                        <p:tgtEl>
+                                          <p:spTgt spid="13"/>
+                                        </p:tgtEl>
+                                        <p:attrNameLst>
+                                          <p:attrName>ppt_x</p:attrName>
+                                        </p:attrNameLst>
+                                      </p:cBhvr>
+                                      <p:tavLst>
+                                        <p:tav tm="0">
+                                          <p:val>
+                                            <p:strVal val="#ppt_x"/>
+                                          </p:val>
+                                        </p:tav>
+                                        <p:tav tm="100000">
+                                          <p:val>
+                                            <p:strVal val="#ppt_x"/>
+                                          </p:val>
+                                        </p:tav>
+                                      </p:tavLst>
+                                    </p:anim>
+                                    <p:anim calcmode="lin" valueType="num">
+                                      <p:cBhvr>
+                                        <p:cTn id="30" dur="1000" fill="hold"/>
+                                        <p:tgtEl>
+                                          <p:spTgt spid="13"/>
+                                        </p:tgtEl>
+                                        <p:attrNameLst>
+                                          <p:attrName>ppt_y</p:attrName>
+                                        </p:attrNameLst>
+                                      </p:cBhvr>
+                                      <p:tavLst>
+                                        <p:tav tm="0">
+                                          <p:val>
+                                            <p:strVal val="#ppt_y+.1"/>
+                                          </p:val>
+                                        </p:tav>
+                                        <p:tav tm="100000">
+                                          <p:val>
+                                            <p:strVal val="#ppt_y"/>
+                                          </p:val>
+                                        </p:tav>
+                                      </p:tavLst>
+                                    </p:anim>
+                                  </p:childTnLst>
+                                </p:cTn>
+                              </p:par>
+                            </p:childTnLst>
+                          </p:cTn>
+                        </p:par>
+                      </p:childTnLst>
+                    </p:cTn>
+                  </p:par>
+                  <p:par>
+                    <p:cTn id="31" fill="hold">
+                      <p:stCondLst>
+                        <p:cond delay="indefinite"/>
+                      </p:stCondLst>
+                      <p:childTnLst>
+                        <p:par>
+                          <p:cTn id="32" fill="hold">
+                            <p:stCondLst>
+                              <p:cond delay="0"/>
+                            </p:stCondLst>
+                            <p:childTnLst>
+                              <p:par>
+                                <p:cTn id="33" presetID="42" presetClass="entr" presetSubtype="0" fill="hold" nodeType="clickEffect">
+                                  <p:stCondLst>
+                                    <p:cond delay="0"/>
+                                  </p:stCondLst>
+                                  <p:childTnLst>
+                                    <p:set>
+                                      <p:cBhvr>
+                                        <p:cTn id="34" dur="1" fill="hold">
+                                          <p:stCondLst>
+                                            <p:cond delay="0"/>
+                                          </p:stCondLst>
+                                        </p:cTn>
+                                        <p:tgtEl>
+                                          <p:spTgt spid="9"/>
+                                        </p:tgtEl>
+                                        <p:attrNameLst>
+                                          <p:attrName>style.visibility</p:attrName>
+                                        </p:attrNameLst>
+                                      </p:cBhvr>
+                                      <p:to>
+                                        <p:strVal val="visible"/>
+                                      </p:to>
+                                    </p:set>
+                                    <p:animEffect transition="in" filter="fade">
+                                      <p:cBhvr>
+                                        <p:cTn id="35" dur="1000"/>
+                                        <p:tgtEl>
+                                          <p:spTgt spid="9"/>
+                                        </p:tgtEl>
+                                      </p:cBhvr>
+                                    </p:animEffect>
+                                    <p:anim calcmode="lin" valueType="num">
+                                      <p:cBhvr>
+                                        <p:cTn id="36" dur="1000" fill="hold"/>
+                                        <p:tgtEl>
+                                          <p:spTgt spid="9"/>
+                                        </p:tgtEl>
+                                        <p:attrNameLst>
+                                          <p:attrName>ppt_x</p:attrName>
+                                        </p:attrNameLst>
+                                      </p:cBhvr>
+                                      <p:tavLst>
+                                        <p:tav tm="0">
+                                          <p:val>
+                                            <p:strVal val="#ppt_x"/>
+                                          </p:val>
+                                        </p:tav>
+                                        <p:tav tm="100000">
+                                          <p:val>
+                                            <p:strVal val="#ppt_x"/>
+                                          </p:val>
+                                        </p:tav>
+                                      </p:tavLst>
+                                    </p:anim>
+                                    <p:anim calcmode="lin" valueType="num">
+                                      <p:cBhvr>
+                                        <p:cTn id="37" dur="1000" fill="hold"/>
+                                        <p:tgtEl>
+                                          <p:spTgt spid="9"/>
+                                        </p:tgtEl>
+                                        <p:attrNameLst>
+                                          <p:attrName>ppt_y</p:attrName>
+                                        </p:attrNameLst>
+                                      </p:cBhvr>
+                                      <p:tavLst>
+                                        <p:tav tm="0">
+                                          <p:val>
+                                            <p:strVal val="#ppt_y+.1"/>
+                                          </p:val>
+                                        </p:tav>
+                                        <p:tav tm="100000">
+                                          <p:val>
+                                            <p:strVal val="#ppt_y"/>
+                                          </p:val>
+                                        </p:tav>
+                                      </p:tavLst>
+                                    </p:anim>
+                                  </p:childTnLst>
+                                </p:cTn>
+                              </p:par>
+                            </p:childTnLst>
+                          </p:cTn>
+                        </p:par>
+                      </p:childTnLst>
+                    </p:cTn>
+                  </p:par>
+                </p:childTnLst>
+              </p:cTn>
+              <p:prevCondLst>
+                <p:cond evt="onPrev" delay="0">
+                  <p:tgtEl>
+                    <p:sldTgt/>
+                  </p:tgtEl>
+                </p:cond>
+              </p:prevCondLst>
+              <p:nextCondLst>
+                <p:cond evt="onNext" delay="0">
+                  <p:tgtEl>
+                    <p:sldTgt/>
+                  </p:tgtEl>
+                </p:cond>
+              </p:nextCondLst>
+            </p:seq>
+          </p:childTnLst>
+        </p:cTn>
+      </p:par>
+    </p:tnLst>
+  </p:timing>
 </p:sld>
 </file>
 
@@ -5538,6 +10274,534 @@
   <p:clrMapOvr>
     <a:masterClrMapping/>
   </p:clrMapOvr>
+  <p:transition spd="slow">
+    <p:cover/>
+  </p:transition>
+  <p:timing>
+    <p:tnLst>
+      <p:par>
+        <p:cTn id="1" dur="indefinite" restart="never" nodeType="tmRoot">
+          <p:childTnLst>
+            <p:seq concurrent="1" nextAc="seek">
+              <p:cTn id="2" dur="indefinite" nodeType="mainSeq">
+                <p:childTnLst>
+                  <p:par>
+                    <p:cTn id="3" fill="hold">
+                      <p:stCondLst>
+                        <p:cond delay="indefinite"/>
+                      </p:stCondLst>
+                      <p:childTnLst>
+                        <p:par>
+                          <p:cTn id="4" fill="hold">
+                            <p:stCondLst>
+                              <p:cond delay="0"/>
+                            </p:stCondLst>
+                            <p:childTnLst>
+                              <p:par>
+                                <p:cTn id="5" presetID="42" presetClass="entr" presetSubtype="0" fill="hold" nodeType="clickEffect">
+                                  <p:stCondLst>
+                                    <p:cond delay="0"/>
+                                  </p:stCondLst>
+                                  <p:childTnLst>
+                                    <p:set>
+                                      <p:cBhvr>
+                                        <p:cTn id="6" dur="1" fill="hold">
+                                          <p:stCondLst>
+                                            <p:cond delay="0"/>
+                                          </p:stCondLst>
+                                        </p:cTn>
+                                        <p:tgtEl>
+                                          <p:spTgt spid="7"/>
+                                        </p:tgtEl>
+                                        <p:attrNameLst>
+                                          <p:attrName>style.visibility</p:attrName>
+                                        </p:attrNameLst>
+                                      </p:cBhvr>
+                                      <p:to>
+                                        <p:strVal val="visible"/>
+                                      </p:to>
+                                    </p:set>
+                                    <p:animEffect transition="in" filter="fade">
+                                      <p:cBhvr>
+                                        <p:cTn id="7" dur="1000"/>
+                                        <p:tgtEl>
+                                          <p:spTgt spid="7"/>
+                                        </p:tgtEl>
+                                      </p:cBhvr>
+                                    </p:animEffect>
+                                    <p:anim calcmode="lin" valueType="num">
+                                      <p:cBhvr>
+                                        <p:cTn id="8" dur="1000" fill="hold"/>
+                                        <p:tgtEl>
+                                          <p:spTgt spid="7"/>
+                                        </p:tgtEl>
+                                        <p:attrNameLst>
+                                          <p:attrName>ppt_x</p:attrName>
+                                        </p:attrNameLst>
+                                      </p:cBhvr>
+                                      <p:tavLst>
+                                        <p:tav tm="0">
+                                          <p:val>
+                                            <p:strVal val="#ppt_x"/>
+                                          </p:val>
+                                        </p:tav>
+                                        <p:tav tm="100000">
+                                          <p:val>
+                                            <p:strVal val="#ppt_x"/>
+                                          </p:val>
+                                        </p:tav>
+                                      </p:tavLst>
+                                    </p:anim>
+                                    <p:anim calcmode="lin" valueType="num">
+                                      <p:cBhvr>
+                                        <p:cTn id="9" dur="1000" fill="hold"/>
+                                        <p:tgtEl>
+                                          <p:spTgt spid="7"/>
+                                        </p:tgtEl>
+                                        <p:attrNameLst>
+                                          <p:attrName>ppt_y</p:attrName>
+                                        </p:attrNameLst>
+                                      </p:cBhvr>
+                                      <p:tavLst>
+                                        <p:tav tm="0">
+                                          <p:val>
+                                            <p:strVal val="#ppt_y+.1"/>
+                                          </p:val>
+                                        </p:tav>
+                                        <p:tav tm="100000">
+                                          <p:val>
+                                            <p:strVal val="#ppt_y"/>
+                                          </p:val>
+                                        </p:tav>
+                                      </p:tavLst>
+                                    </p:anim>
+                                  </p:childTnLst>
+                                </p:cTn>
+                              </p:par>
+                            </p:childTnLst>
+                          </p:cTn>
+                        </p:par>
+                      </p:childTnLst>
+                    </p:cTn>
+                  </p:par>
+                  <p:par>
+                    <p:cTn id="10" fill="hold">
+                      <p:stCondLst>
+                        <p:cond delay="indefinite"/>
+                      </p:stCondLst>
+                      <p:childTnLst>
+                        <p:par>
+                          <p:cTn id="11" fill="hold">
+                            <p:stCondLst>
+                              <p:cond delay="0"/>
+                            </p:stCondLst>
+                            <p:childTnLst>
+                              <p:par>
+                                <p:cTn id="12" presetID="42" presetClass="entr" presetSubtype="0" fill="hold" nodeType="clickEffect">
+                                  <p:stCondLst>
+                                    <p:cond delay="0"/>
+                                  </p:stCondLst>
+                                  <p:childTnLst>
+                                    <p:set>
+                                      <p:cBhvr>
+                                        <p:cTn id="13" dur="1" fill="hold">
+                                          <p:stCondLst>
+                                            <p:cond delay="0"/>
+                                          </p:stCondLst>
+                                        </p:cTn>
+                                        <p:tgtEl>
+                                          <p:spTgt spid="5"/>
+                                        </p:tgtEl>
+                                        <p:attrNameLst>
+                                          <p:attrName>style.visibility</p:attrName>
+                                        </p:attrNameLst>
+                                      </p:cBhvr>
+                                      <p:to>
+                                        <p:strVal val="visible"/>
+                                      </p:to>
+                                    </p:set>
+                                    <p:animEffect transition="in" filter="fade">
+                                      <p:cBhvr>
+                                        <p:cTn id="14" dur="1000"/>
+                                        <p:tgtEl>
+                                          <p:spTgt spid="5"/>
+                                        </p:tgtEl>
+                                      </p:cBhvr>
+                                    </p:animEffect>
+                                    <p:anim calcmode="lin" valueType="num">
+                                      <p:cBhvr>
+                                        <p:cTn id="15" dur="1000" fill="hold"/>
+                                        <p:tgtEl>
+                                          <p:spTgt spid="5"/>
+                                        </p:tgtEl>
+                                        <p:attrNameLst>
+                                          <p:attrName>ppt_x</p:attrName>
+                                        </p:attrNameLst>
+                                      </p:cBhvr>
+                                      <p:tavLst>
+                                        <p:tav tm="0">
+                                          <p:val>
+                                            <p:strVal val="#ppt_x"/>
+                                          </p:val>
+                                        </p:tav>
+                                        <p:tav tm="100000">
+                                          <p:val>
+                                            <p:strVal val="#ppt_x"/>
+                                          </p:val>
+                                        </p:tav>
+                                      </p:tavLst>
+                                    </p:anim>
+                                    <p:anim calcmode="lin" valueType="num">
+                                      <p:cBhvr>
+                                        <p:cTn id="16" dur="1000" fill="hold"/>
+                                        <p:tgtEl>
+                                          <p:spTgt spid="5"/>
+                                        </p:tgtEl>
+                                        <p:attrNameLst>
+                                          <p:attrName>ppt_y</p:attrName>
+                                        </p:attrNameLst>
+                                      </p:cBhvr>
+                                      <p:tavLst>
+                                        <p:tav tm="0">
+                                          <p:val>
+                                            <p:strVal val="#ppt_y+.1"/>
+                                          </p:val>
+                                        </p:tav>
+                                        <p:tav tm="100000">
+                                          <p:val>
+                                            <p:strVal val="#ppt_y"/>
+                                          </p:val>
+                                        </p:tav>
+                                      </p:tavLst>
+                                    </p:anim>
+                                  </p:childTnLst>
+                                </p:cTn>
+                              </p:par>
+                            </p:childTnLst>
+                          </p:cTn>
+                        </p:par>
+                      </p:childTnLst>
+                    </p:cTn>
+                  </p:par>
+                  <p:par>
+                    <p:cTn id="17" fill="hold">
+                      <p:stCondLst>
+                        <p:cond delay="indefinite"/>
+                      </p:stCondLst>
+                      <p:childTnLst>
+                        <p:par>
+                          <p:cTn id="18" fill="hold">
+                            <p:stCondLst>
+                              <p:cond delay="0"/>
+                            </p:stCondLst>
+                            <p:childTnLst>
+                              <p:par>
+                                <p:cTn id="19" presetID="42" presetClass="entr" presetSubtype="0" fill="hold" nodeType="clickEffect">
+                                  <p:stCondLst>
+                                    <p:cond delay="0"/>
+                                  </p:stCondLst>
+                                  <p:childTnLst>
+                                    <p:set>
+                                      <p:cBhvr>
+                                        <p:cTn id="20" dur="1" fill="hold">
+                                          <p:stCondLst>
+                                            <p:cond delay="0"/>
+                                          </p:stCondLst>
+                                        </p:cTn>
+                                        <p:tgtEl>
+                                          <p:spTgt spid="9"/>
+                                        </p:tgtEl>
+                                        <p:attrNameLst>
+                                          <p:attrName>style.visibility</p:attrName>
+                                        </p:attrNameLst>
+                                      </p:cBhvr>
+                                      <p:to>
+                                        <p:strVal val="visible"/>
+                                      </p:to>
+                                    </p:set>
+                                    <p:animEffect transition="in" filter="fade">
+                                      <p:cBhvr>
+                                        <p:cTn id="21" dur="1000"/>
+                                        <p:tgtEl>
+                                          <p:spTgt spid="9"/>
+                                        </p:tgtEl>
+                                      </p:cBhvr>
+                                    </p:animEffect>
+                                    <p:anim calcmode="lin" valueType="num">
+                                      <p:cBhvr>
+                                        <p:cTn id="22" dur="1000" fill="hold"/>
+                                        <p:tgtEl>
+                                          <p:spTgt spid="9"/>
+                                        </p:tgtEl>
+                                        <p:attrNameLst>
+                                          <p:attrName>ppt_x</p:attrName>
+                                        </p:attrNameLst>
+                                      </p:cBhvr>
+                                      <p:tavLst>
+                                        <p:tav tm="0">
+                                          <p:val>
+                                            <p:strVal val="#ppt_x"/>
+                                          </p:val>
+                                        </p:tav>
+                                        <p:tav tm="100000">
+                                          <p:val>
+                                            <p:strVal val="#ppt_x"/>
+                                          </p:val>
+                                        </p:tav>
+                                      </p:tavLst>
+                                    </p:anim>
+                                    <p:anim calcmode="lin" valueType="num">
+                                      <p:cBhvr>
+                                        <p:cTn id="23" dur="1000" fill="hold"/>
+                                        <p:tgtEl>
+                                          <p:spTgt spid="9"/>
+                                        </p:tgtEl>
+                                        <p:attrNameLst>
+                                          <p:attrName>ppt_y</p:attrName>
+                                        </p:attrNameLst>
+                                      </p:cBhvr>
+                                      <p:tavLst>
+                                        <p:tav tm="0">
+                                          <p:val>
+                                            <p:strVal val="#ppt_y+.1"/>
+                                          </p:val>
+                                        </p:tav>
+                                        <p:tav tm="100000">
+                                          <p:val>
+                                            <p:strVal val="#ppt_y"/>
+                                          </p:val>
+                                        </p:tav>
+                                      </p:tavLst>
+                                    </p:anim>
+                                  </p:childTnLst>
+                                </p:cTn>
+                              </p:par>
+                            </p:childTnLst>
+                          </p:cTn>
+                        </p:par>
+                      </p:childTnLst>
+                    </p:cTn>
+                  </p:par>
+                  <p:par>
+                    <p:cTn id="24" fill="hold">
+                      <p:stCondLst>
+                        <p:cond delay="indefinite"/>
+                      </p:stCondLst>
+                      <p:childTnLst>
+                        <p:par>
+                          <p:cTn id="25" fill="hold">
+                            <p:stCondLst>
+                              <p:cond delay="0"/>
+                            </p:stCondLst>
+                            <p:childTnLst>
+                              <p:par>
+                                <p:cTn id="26" presetID="42" presetClass="entr" presetSubtype="0" fill="hold" nodeType="clickEffect">
+                                  <p:stCondLst>
+                                    <p:cond delay="0"/>
+                                  </p:stCondLst>
+                                  <p:childTnLst>
+                                    <p:set>
+                                      <p:cBhvr>
+                                        <p:cTn id="27" dur="1" fill="hold">
+                                          <p:stCondLst>
+                                            <p:cond delay="0"/>
+                                          </p:stCondLst>
+                                        </p:cTn>
+                                        <p:tgtEl>
+                                          <p:spTgt spid="11"/>
+                                        </p:tgtEl>
+                                        <p:attrNameLst>
+                                          <p:attrName>style.visibility</p:attrName>
+                                        </p:attrNameLst>
+                                      </p:cBhvr>
+                                      <p:to>
+                                        <p:strVal val="visible"/>
+                                      </p:to>
+                                    </p:set>
+                                    <p:animEffect transition="in" filter="fade">
+                                      <p:cBhvr>
+                                        <p:cTn id="28" dur="1000"/>
+                                        <p:tgtEl>
+                                          <p:spTgt spid="11"/>
+                                        </p:tgtEl>
+                                      </p:cBhvr>
+                                    </p:animEffect>
+                                    <p:anim calcmode="lin" valueType="num">
+                                      <p:cBhvr>
+                                        <p:cTn id="29" dur="1000" fill="hold"/>
+                                        <p:tgtEl>
+                                          <p:spTgt spid="11"/>
+                                        </p:tgtEl>
+                                        <p:attrNameLst>
+                                          <p:attrName>ppt_x</p:attrName>
+                                        </p:attrNameLst>
+                                      </p:cBhvr>
+                                      <p:tavLst>
+                                        <p:tav tm="0">
+                                          <p:val>
+                                            <p:strVal val="#ppt_x"/>
+                                          </p:val>
+                                        </p:tav>
+                                        <p:tav tm="100000">
+                                          <p:val>
+                                            <p:strVal val="#ppt_x"/>
+                                          </p:val>
+                                        </p:tav>
+                                      </p:tavLst>
+                                    </p:anim>
+                                    <p:anim calcmode="lin" valueType="num">
+                                      <p:cBhvr>
+                                        <p:cTn id="30" dur="1000" fill="hold"/>
+                                        <p:tgtEl>
+                                          <p:spTgt spid="11"/>
+                                        </p:tgtEl>
+                                        <p:attrNameLst>
+                                          <p:attrName>ppt_y</p:attrName>
+                                        </p:attrNameLst>
+                                      </p:cBhvr>
+                                      <p:tavLst>
+                                        <p:tav tm="0">
+                                          <p:val>
+                                            <p:strVal val="#ppt_y+.1"/>
+                                          </p:val>
+                                        </p:tav>
+                                        <p:tav tm="100000">
+                                          <p:val>
+                                            <p:strVal val="#ppt_y"/>
+                                          </p:val>
+                                        </p:tav>
+                                      </p:tavLst>
+                                    </p:anim>
+                                  </p:childTnLst>
+                                </p:cTn>
+                              </p:par>
+                            </p:childTnLst>
+                          </p:cTn>
+                        </p:par>
+                      </p:childTnLst>
+                    </p:cTn>
+                  </p:par>
+                  <p:par>
+                    <p:cTn id="31" fill="hold">
+                      <p:stCondLst>
+                        <p:cond delay="indefinite"/>
+                      </p:stCondLst>
+                      <p:childTnLst>
+                        <p:par>
+                          <p:cTn id="32" fill="hold">
+                            <p:stCondLst>
+                              <p:cond delay="0"/>
+                            </p:stCondLst>
+                            <p:childTnLst>
+                              <p:par>
+                                <p:cTn id="33" presetID="42" presetClass="entr" presetSubtype="0" fill="hold" nodeType="clickEffect">
+                                  <p:stCondLst>
+                                    <p:cond delay="0"/>
+                                  </p:stCondLst>
+                                  <p:childTnLst>
+                                    <p:set>
+                                      <p:cBhvr>
+                                        <p:cTn id="34" dur="1" fill="hold">
+                                          <p:stCondLst>
+                                            <p:cond delay="0"/>
+                                          </p:stCondLst>
+                                        </p:cTn>
+                                        <p:tgtEl>
+                                          <p:spTgt spid="13"/>
+                                        </p:tgtEl>
+                                        <p:attrNameLst>
+                                          <p:attrName>style.visibility</p:attrName>
+                                        </p:attrNameLst>
+                                      </p:cBhvr>
+                                      <p:to>
+                                        <p:strVal val="visible"/>
+                                      </p:to>
+                                    </p:set>
+                                    <p:animEffect transition="in" filter="fade">
+                                      <p:cBhvr>
+                                        <p:cTn id="35" dur="1000"/>
+                                        <p:tgtEl>
+                                          <p:spTgt spid="13"/>
+                                        </p:tgtEl>
+                                      </p:cBhvr>
+                                    </p:animEffect>
+                                    <p:anim calcmode="lin" valueType="num">
+                                      <p:cBhvr>
+                                        <p:cTn id="36" dur="1000" fill="hold"/>
+                                        <p:tgtEl>
+                                          <p:spTgt spid="13"/>
+                                        </p:tgtEl>
+                                        <p:attrNameLst>
+                                          <p:attrName>ppt_x</p:attrName>
+                                        </p:attrNameLst>
+                                      </p:cBhvr>
+                                      <p:tavLst>
+                                        <p:tav tm="0">
+                                          <p:val>
+                                            <p:strVal val="#ppt_x"/>
+                                          </p:val>
+                                        </p:tav>
+                                        <p:tav tm="100000">
+                                          <p:val>
+                                            <p:strVal val="#ppt_x"/>
+                                          </p:val>
+                                        </p:tav>
+                                      </p:tavLst>
+                                    </p:anim>
+                                    <p:anim calcmode="lin" valueType="num">
+                                      <p:cBhvr>
+                                        <p:cTn id="37" dur="1000" fill="hold"/>
+                                        <p:tgtEl>
+                                          <p:spTgt spid="13"/>
+                                        </p:tgtEl>
+                                        <p:attrNameLst>
+                                          <p:attrName>ppt_y</p:attrName>
+                                        </p:attrNameLst>
+                                      </p:cBhvr>
+                                      <p:tavLst>
+                                        <p:tav tm="0">
+                                          <p:val>
+                                            <p:strVal val="#ppt_y+.1"/>
+                                          </p:val>
+                                        </p:tav>
+                                        <p:tav tm="100000">
+                                          <p:val>
+                                            <p:strVal val="#ppt_y"/>
+                                          </p:val>
+                                        </p:tav>
+                                      </p:tavLst>
+                                    </p:anim>
+                                  </p:childTnLst>
+                                </p:cTn>
+                              </p:par>
+                            </p:childTnLst>
+                          </p:cTn>
+                        </p:par>
+                      </p:childTnLst>
+                    </p:cTn>
+                  </p:par>
+                </p:childTnLst>
+              </p:cTn>
+              <p:prevCondLst>
+                <p:cond evt="onPrev" delay="0">
+                  <p:tgtEl>
+                    <p:sldTgt/>
+                  </p:tgtEl>
+                </p:cond>
+              </p:prevCondLst>
+              <p:nextCondLst>
+                <p:cond evt="onNext" delay="0">
+                  <p:tgtEl>
+                    <p:sldTgt/>
+                  </p:tgtEl>
+                </p:cond>
+              </p:nextCondLst>
+            </p:seq>
+          </p:childTnLst>
+        </p:cTn>
+      </p:par>
+    </p:tnLst>
+  </p:timing>
 </p:sld>
 </file>
 
@@ -5581,7 +10845,7 @@
           <a:p>
             <a:r>
               <a:rPr lang="pt-BR" b="1" dirty="0"/>
-              <a:t>Parece que vai da Ruim!</a:t>
+              <a:t>Parece que vai dar Ruim!</a:t>
             </a:r>
           </a:p>
         </p:txBody>
@@ -5668,6 +10932,221 @@
   <p:clrMapOvr>
     <a:masterClrMapping/>
   </p:clrMapOvr>
+  <p:transition spd="med">
+    <p:pull/>
+  </p:transition>
+  <p:timing>
+    <p:tnLst>
+      <p:par>
+        <p:cTn id="1" dur="indefinite" restart="never" nodeType="tmRoot">
+          <p:childTnLst>
+            <p:seq concurrent="1" nextAc="seek">
+              <p:cTn id="2" dur="indefinite" nodeType="mainSeq">
+                <p:childTnLst>
+                  <p:par>
+                    <p:cTn id="3" fill="hold">
+                      <p:stCondLst>
+                        <p:cond delay="indefinite"/>
+                      </p:stCondLst>
+                      <p:childTnLst>
+                        <p:par>
+                          <p:cTn id="4" fill="hold">
+                            <p:stCondLst>
+                              <p:cond delay="0"/>
+                            </p:stCondLst>
+                            <p:childTnLst>
+                              <p:par>
+                                <p:cTn id="5" presetID="2" presetClass="entr" presetSubtype="4" fill="hold" nodeType="clickEffect">
+                                  <p:stCondLst>
+                                    <p:cond delay="0"/>
+                                  </p:stCondLst>
+                                  <p:childTnLst>
+                                    <p:set>
+                                      <p:cBhvr>
+                                        <p:cTn id="6" dur="1" fill="hold">
+                                          <p:stCondLst>
+                                            <p:cond delay="0"/>
+                                          </p:stCondLst>
+                                        </p:cTn>
+                                        <p:tgtEl>
+                                          <p:spTgt spid="4"/>
+                                        </p:tgtEl>
+                                        <p:attrNameLst>
+                                          <p:attrName>style.visibility</p:attrName>
+                                        </p:attrNameLst>
+                                      </p:cBhvr>
+                                      <p:to>
+                                        <p:strVal val="visible"/>
+                                      </p:to>
+                                    </p:set>
+                                    <p:anim calcmode="lin" valueType="num">
+                                      <p:cBhvr additive="base">
+                                        <p:cTn id="7" dur="500" fill="hold"/>
+                                        <p:tgtEl>
+                                          <p:spTgt spid="4"/>
+                                        </p:tgtEl>
+                                        <p:attrNameLst>
+                                          <p:attrName>ppt_x</p:attrName>
+                                        </p:attrNameLst>
+                                      </p:cBhvr>
+                                      <p:tavLst>
+                                        <p:tav tm="0">
+                                          <p:val>
+                                            <p:strVal val="#ppt_x"/>
+                                          </p:val>
+                                        </p:tav>
+                                        <p:tav tm="100000">
+                                          <p:val>
+                                            <p:strVal val="#ppt_x"/>
+                                          </p:val>
+                                        </p:tav>
+                                      </p:tavLst>
+                                    </p:anim>
+                                    <p:anim calcmode="lin" valueType="num">
+                                      <p:cBhvr additive="base">
+                                        <p:cTn id="8" dur="500" fill="hold"/>
+                                        <p:tgtEl>
+                                          <p:spTgt spid="4"/>
+                                        </p:tgtEl>
+                                        <p:attrNameLst>
+                                          <p:attrName>ppt_y</p:attrName>
+                                        </p:attrNameLst>
+                                      </p:cBhvr>
+                                      <p:tavLst>
+                                        <p:tav tm="0">
+                                          <p:val>
+                                            <p:strVal val="1+#ppt_h/2"/>
+                                          </p:val>
+                                        </p:tav>
+                                        <p:tav tm="100000">
+                                          <p:val>
+                                            <p:strVal val="#ppt_y"/>
+                                          </p:val>
+                                        </p:tav>
+                                      </p:tavLst>
+                                    </p:anim>
+                                  </p:childTnLst>
+                                </p:cTn>
+                              </p:par>
+                            </p:childTnLst>
+                          </p:cTn>
+                        </p:par>
+                      </p:childTnLst>
+                    </p:cTn>
+                  </p:par>
+                  <p:par>
+                    <p:cTn id="9" fill="hold">
+                      <p:stCondLst>
+                        <p:cond delay="indefinite"/>
+                      </p:stCondLst>
+                      <p:childTnLst>
+                        <p:par>
+                          <p:cTn id="10" fill="hold">
+                            <p:stCondLst>
+                              <p:cond delay="0"/>
+                            </p:stCondLst>
+                            <p:childTnLst>
+                              <p:par>
+                                <p:cTn id="11" presetID="2" presetClass="entr" presetSubtype="4" fill="hold" nodeType="clickEffect">
+                                  <p:stCondLst>
+                                    <p:cond delay="0"/>
+                                  </p:stCondLst>
+                                  <p:childTnLst>
+                                    <p:set>
+                                      <p:cBhvr>
+                                        <p:cTn id="12" dur="1" fill="hold">
+                                          <p:stCondLst>
+                                            <p:cond delay="0"/>
+                                          </p:stCondLst>
+                                        </p:cTn>
+                                        <p:tgtEl>
+                                          <p:spTgt spid="6"/>
+                                        </p:tgtEl>
+                                        <p:attrNameLst>
+                                          <p:attrName>style.visibility</p:attrName>
+                                        </p:attrNameLst>
+                                      </p:cBhvr>
+                                      <p:to>
+                                        <p:strVal val="visible"/>
+                                      </p:to>
+                                    </p:set>
+                                    <p:anim calcmode="lin" valueType="num">
+                                      <p:cBhvr additive="base">
+                                        <p:cTn id="13" dur="500" fill="hold"/>
+                                        <p:tgtEl>
+                                          <p:spTgt spid="6"/>
+                                        </p:tgtEl>
+                                        <p:attrNameLst>
+                                          <p:attrName>ppt_x</p:attrName>
+                                        </p:attrNameLst>
+                                      </p:cBhvr>
+                                      <p:tavLst>
+                                        <p:tav tm="0">
+                                          <p:val>
+                                            <p:strVal val="#ppt_x"/>
+                                          </p:val>
+                                        </p:tav>
+                                        <p:tav tm="100000">
+                                          <p:val>
+                                            <p:strVal val="#ppt_x"/>
+                                          </p:val>
+                                        </p:tav>
+                                      </p:tavLst>
+                                    </p:anim>
+                                    <p:anim calcmode="lin" valueType="num">
+                                      <p:cBhvr additive="base">
+                                        <p:cTn id="14" dur="500" fill="hold"/>
+                                        <p:tgtEl>
+                                          <p:spTgt spid="6"/>
+                                        </p:tgtEl>
+                                        <p:attrNameLst>
+                                          <p:attrName>ppt_y</p:attrName>
+                                        </p:attrNameLst>
+                                      </p:cBhvr>
+                                      <p:tavLst>
+                                        <p:tav tm="0">
+                                          <p:val>
+                                            <p:strVal val="1+#ppt_h/2"/>
+                                          </p:val>
+                                        </p:tav>
+                                        <p:tav tm="100000">
+                                          <p:val>
+                                            <p:strVal val="#ppt_y"/>
+                                          </p:val>
+                                        </p:tav>
+                                      </p:tavLst>
+                                    </p:anim>
+                                  </p:childTnLst>
+                                </p:cTn>
+                              </p:par>
+                            </p:childTnLst>
+                          </p:cTn>
+                        </p:par>
+                      </p:childTnLst>
+                    </p:cTn>
+                  </p:par>
+                </p:childTnLst>
+              </p:cTn>
+              <p:prevCondLst>
+                <p:cond evt="onPrev" delay="0">
+                  <p:tgtEl>
+                    <p:sldTgt/>
+                  </p:tgtEl>
+                </p:cond>
+              </p:prevCondLst>
+              <p:nextCondLst>
+                <p:cond evt="onNext" delay="0">
+                  <p:tgtEl>
+                    <p:sldTgt/>
+                  </p:tgtEl>
+                </p:cond>
+              </p:nextCondLst>
+            </p:seq>
+          </p:childTnLst>
+        </p:cTn>
+      </p:par>
+    </p:tnLst>
+  </p:timing>
 </p:sld>
 </file>
 
@@ -5732,6 +11211,18 @@
   <p:clrMapOvr>
     <a:masterClrMapping/>
   </p:clrMapOvr>
+  <mc:AlternateContent xmlns:mc="http://schemas.openxmlformats.org/markup-compatibility/2006" xmlns:p14="http://schemas.microsoft.com/office/powerpoint/2010/main">
+    <mc:Choice Requires="p14">
+      <p:transition spd="slow" p14:dur="800">
+        <p:circle/>
+      </p:transition>
+    </mc:Choice>
+    <mc:Fallback xmlns="">
+      <p:transition spd="slow">
+        <p:circle/>
+      </p:transition>
+    </mc:Fallback>
+  </mc:AlternateContent>
 </p:sld>
 </file>
 
@@ -5796,6 +11287,18 @@
   <p:clrMapOvr>
     <a:masterClrMapping/>
   </p:clrMapOvr>
+  <mc:AlternateContent xmlns:mc="http://schemas.openxmlformats.org/markup-compatibility/2006" xmlns:p14="http://schemas.microsoft.com/office/powerpoint/2010/main">
+    <mc:Choice Requires="p14">
+      <p:transition spd="slow" p14:dur="1500">
+        <p:split orient="vert"/>
+      </p:transition>
+    </mc:Choice>
+    <mc:Fallback xmlns="">
+      <p:transition spd="slow">
+        <p:split orient="vert"/>
+      </p:transition>
+    </mc:Fallback>
+  </mc:AlternateContent>
 </p:sld>
 </file>
 
@@ -5896,6 +11399,18 @@
   <p:clrMapOvr>
     <a:masterClrMapping/>
   </p:clrMapOvr>
+  <mc:AlternateContent xmlns:mc="http://schemas.openxmlformats.org/markup-compatibility/2006" xmlns:p14="http://schemas.microsoft.com/office/powerpoint/2010/main">
+    <mc:Choice Requires="p14">
+      <p:transition spd="slow" p14:dur="800">
+        <p:circle/>
+      </p:transition>
+    </mc:Choice>
+    <mc:Fallback xmlns="">
+      <p:transition spd="slow">
+        <p:circle/>
+      </p:transition>
+    </mc:Fallback>
+  </mc:AlternateContent>
 </p:sld>
 </file>
 
